--- a/Testing Project for Automation Exercise E-commerce Website.pptx
+++ b/Testing Project for Automation Exercise E-commerce Website.pptx
@@ -262,7 +262,7 @@
           <a:p>
             <a:fld id="{276D79ED-3FA7-4EF8-964B-EB8BCFAB02F8}" type="datetimeFigureOut">
               <a:rPr lang="en-US" smtClean="0"/>
-              <a:t>7/7/2024</a:t>
+              <a:t>7/8/2024</a:t>
             </a:fld>
             <a:endParaRPr lang="en-US"/>
           </a:p>
@@ -430,7 +430,7 @@
           <a:p>
             <a:fld id="{276D79ED-3FA7-4EF8-964B-EB8BCFAB02F8}" type="datetimeFigureOut">
               <a:rPr lang="en-US" smtClean="0"/>
-              <a:t>7/7/2024</a:t>
+              <a:t>7/8/2024</a:t>
             </a:fld>
             <a:endParaRPr lang="en-US"/>
           </a:p>
@@ -676,7 +676,7 @@
           <a:p>
             <a:fld id="{276D79ED-3FA7-4EF8-964B-EB8BCFAB02F8}" type="datetimeFigureOut">
               <a:rPr lang="en-US" smtClean="0"/>
-              <a:t>7/7/2024</a:t>
+              <a:t>7/8/2024</a:t>
             </a:fld>
             <a:endParaRPr lang="en-US"/>
           </a:p>
@@ -907,7 +907,7 @@
           <a:p>
             <a:fld id="{276D79ED-3FA7-4EF8-964B-EB8BCFAB02F8}" type="datetimeFigureOut">
               <a:rPr lang="en-US" smtClean="0"/>
-              <a:t>7/7/2024</a:t>
+              <a:t>7/8/2024</a:t>
             </a:fld>
             <a:endParaRPr lang="en-US"/>
           </a:p>
@@ -1271,7 +1271,7 @@
           <a:p>
             <a:fld id="{276D79ED-3FA7-4EF8-964B-EB8BCFAB02F8}" type="datetimeFigureOut">
               <a:rPr lang="en-US" smtClean="0"/>
-              <a:t>7/7/2024</a:t>
+              <a:t>7/8/2024</a:t>
             </a:fld>
             <a:endParaRPr lang="en-US"/>
           </a:p>
@@ -1388,7 +1388,7 @@
           <a:p>
             <a:fld id="{276D79ED-3FA7-4EF8-964B-EB8BCFAB02F8}" type="datetimeFigureOut">
               <a:rPr lang="en-US" smtClean="0"/>
-              <a:t>7/7/2024</a:t>
+              <a:t>7/8/2024</a:t>
             </a:fld>
             <a:endParaRPr lang="en-US"/>
           </a:p>
@@ -1483,7 +1483,7 @@
           <a:p>
             <a:fld id="{276D79ED-3FA7-4EF8-964B-EB8BCFAB02F8}" type="datetimeFigureOut">
               <a:rPr lang="en-US" smtClean="0"/>
-              <a:t>7/7/2024</a:t>
+              <a:t>7/8/2024</a:t>
             </a:fld>
             <a:endParaRPr lang="en-US"/>
           </a:p>
@@ -1759,7 +1759,7 @@
           <a:p>
             <a:fld id="{276D79ED-3FA7-4EF8-964B-EB8BCFAB02F8}" type="datetimeFigureOut">
               <a:rPr lang="en-US" smtClean="0"/>
-              <a:t>7/7/2024</a:t>
+              <a:t>7/8/2024</a:t>
             </a:fld>
             <a:endParaRPr lang="en-US"/>
           </a:p>
@@ -2015,7 +2015,7 @@
           <a:p>
             <a:fld id="{276D79ED-3FA7-4EF8-964B-EB8BCFAB02F8}" type="datetimeFigureOut">
               <a:rPr lang="en-US" smtClean="0"/>
-              <a:t>7/7/2024</a:t>
+              <a:t>7/8/2024</a:t>
             </a:fld>
             <a:endParaRPr lang="en-US"/>
           </a:p>
@@ -2235,7 +2235,7 @@
           <a:p>
             <a:fld id="{276D79ED-3FA7-4EF8-964B-EB8BCFAB02F8}" type="datetimeFigureOut">
               <a:rPr lang="en-US" smtClean="0"/>
-              <a:t>7/7/2024</a:t>
+              <a:t>7/8/2024</a:t>
             </a:fld>
             <a:endParaRPr lang="en-US"/>
           </a:p>
@@ -4018,7 +4018,7 @@
             </a:endParaRPr>
           </a:p>
           <a:p>
-            <a:pPr marL="342900" lvl="0" indent="-342900">
+            <a:pPr marL="800100" lvl="1" indent="-342900">
               <a:lnSpc>
                 <a:spcPct val="107000"/>
               </a:lnSpc>
@@ -4042,7 +4042,7 @@
             </a:endParaRPr>
           </a:p>
           <a:p>
-            <a:pPr marL="342900" lvl="0" indent="-342900">
+            <a:pPr marL="800100" lvl="1" indent="-342900">
               <a:lnSpc>
                 <a:spcPct val="107000"/>
               </a:lnSpc>
@@ -4066,7 +4066,7 @@
             </a:endParaRPr>
           </a:p>
           <a:p>
-            <a:pPr marL="342900" lvl="0" indent="-342900">
+            <a:pPr marL="800100" lvl="1" indent="-342900">
               <a:lnSpc>
                 <a:spcPct val="107000"/>
               </a:lnSpc>
@@ -4090,7 +4090,7 @@
             </a:endParaRPr>
           </a:p>
           <a:p>
-            <a:pPr marL="342900" lvl="0" indent="-342900">
+            <a:pPr marL="800100" lvl="1" indent="-342900">
               <a:lnSpc>
                 <a:spcPct val="107000"/>
               </a:lnSpc>
@@ -4119,22 +4119,47 @@
               <a:t> &amp; </a:t>
             </a:r>
             <a:r>
-              <a:rPr lang="ro-RO" sz="1200" noProof="1">
-                <a:effectLst/>
+              <a:rPr lang="en-US" sz="1200" noProof="1">
                 <a:latin typeface="Calibri" panose="020F0502020204030204" pitchFamily="34" charset="0"/>
                 <a:ea typeface="Calibri" panose="020F0502020204030204" pitchFamily="34" charset="0"/>
                 <a:cs typeface="Times New Roman" panose="02020603050405020304" pitchFamily="18" charset="0"/>
               </a:rPr>
-              <a:t>account</a:t>
-            </a:r>
-            <a:r>
-              <a:rPr lang="ro-RO" sz="1200" dirty="0">
+              <a:t>A</a:t>
+            </a:r>
+            <a:r>
+              <a:rPr lang="ro-RO" sz="1200" noProof="1">
                 <a:effectLst/>
                 <a:latin typeface="Calibri" panose="020F0502020204030204" pitchFamily="34" charset="0"/>
                 <a:ea typeface="Calibri" panose="020F0502020204030204" pitchFamily="34" charset="0"/>
                 <a:cs typeface="Times New Roman" panose="02020603050405020304" pitchFamily="18" charset="0"/>
               </a:rPr>
-              <a:t> management</a:t>
+              <a:t>ccount</a:t>
+            </a:r>
+            <a:r>
+              <a:rPr lang="ro-RO" sz="1200" dirty="0">
+                <a:effectLst/>
+                <a:latin typeface="Calibri" panose="020F0502020204030204" pitchFamily="34" charset="0"/>
+                <a:ea typeface="Calibri" panose="020F0502020204030204" pitchFamily="34" charset="0"/>
+                <a:cs typeface="Times New Roman" panose="02020603050405020304" pitchFamily="18" charset="0"/>
+              </a:rPr>
+              <a:t> </a:t>
+            </a:r>
+            <a:r>
+              <a:rPr lang="en-US" sz="1200" dirty="0">
+                <a:latin typeface="Calibri" panose="020F0502020204030204" pitchFamily="34" charset="0"/>
+                <a:ea typeface="Calibri" panose="020F0502020204030204" pitchFamily="34" charset="0"/>
+                <a:cs typeface="Times New Roman" panose="02020603050405020304" pitchFamily="18" charset="0"/>
+              </a:rPr>
+              <a:t>M</a:t>
+            </a:r>
+            <a:r>
+              <a:rPr lang="ro-RO" sz="1200" noProof="1">
+                <a:effectLst/>
+                <a:latin typeface="Calibri" panose="020F0502020204030204" pitchFamily="34" charset="0"/>
+                <a:ea typeface="Calibri" panose="020F0502020204030204" pitchFamily="34" charset="0"/>
+                <a:cs typeface="Times New Roman" panose="02020603050405020304" pitchFamily="18" charset="0"/>
+              </a:rPr>
+              <a:t>anagement</a:t>
             </a:r>
           </a:p>
         </p:txBody>
@@ -4153,7 +4178,7 @@
         </p:nvSpPr>
         <p:spPr>
           <a:xfrm>
-            <a:off x="6208268" y="4870623"/>
+            <a:off x="6208267" y="4554014"/>
             <a:ext cx="3161643" cy="976678"/>
           </a:xfrm>
           <a:prstGeom prst="rect">
@@ -4233,14 +4258,51 @@
                 <a:ea typeface="Calibri" panose="020F0502020204030204" pitchFamily="34" charset="0"/>
                 <a:cs typeface="Times New Roman" panose="02020603050405020304" pitchFamily="18" charset="0"/>
               </a:rPr>
-              <a:t>Signup/Login</a:t>
-            </a:r>
-            <a:endParaRPr lang="ro-RO" sz="1200" dirty="0">
-              <a:effectLst/>
-              <a:latin typeface="Calibri" panose="020F0502020204030204" pitchFamily="34" charset="0"/>
-              <a:ea typeface="Calibri" panose="020F0502020204030204" pitchFamily="34" charset="0"/>
-              <a:cs typeface="Times New Roman" panose="02020603050405020304" pitchFamily="18" charset="0"/>
-            </a:endParaRPr>
+              <a:t>Signup/Login &amp; </a:t>
+            </a:r>
+            <a:r>
+              <a:rPr lang="en-US" sz="1200" noProof="1">
+                <a:latin typeface="Calibri" panose="020F0502020204030204" pitchFamily="34" charset="0"/>
+                <a:ea typeface="Calibri" panose="020F0502020204030204" pitchFamily="34" charset="0"/>
+                <a:cs typeface="Times New Roman" panose="02020603050405020304" pitchFamily="18" charset="0"/>
+              </a:rPr>
+              <a:t>A</a:t>
+            </a:r>
+            <a:r>
+              <a:rPr lang="ro-RO" sz="1200" noProof="1">
+                <a:effectLst/>
+                <a:latin typeface="Calibri" panose="020F0502020204030204" pitchFamily="34" charset="0"/>
+                <a:ea typeface="Calibri" panose="020F0502020204030204" pitchFamily="34" charset="0"/>
+                <a:cs typeface="Times New Roman" panose="02020603050405020304" pitchFamily="18" charset="0"/>
+              </a:rPr>
+              <a:t>ccount</a:t>
+            </a:r>
+            <a:r>
+              <a:rPr lang="ro-RO" sz="1200" dirty="0">
+                <a:effectLst/>
+                <a:latin typeface="Calibri" panose="020F0502020204030204" pitchFamily="34" charset="0"/>
+                <a:ea typeface="Calibri" panose="020F0502020204030204" pitchFamily="34" charset="0"/>
+                <a:cs typeface="Times New Roman" panose="02020603050405020304" pitchFamily="18" charset="0"/>
+              </a:rPr>
+              <a:t> </a:t>
+            </a:r>
+            <a:r>
+              <a:rPr lang="en-US" sz="1200" dirty="0">
+                <a:latin typeface="Calibri" panose="020F0502020204030204" pitchFamily="34" charset="0"/>
+                <a:ea typeface="Calibri" panose="020F0502020204030204" pitchFamily="34" charset="0"/>
+                <a:cs typeface="Times New Roman" panose="02020603050405020304" pitchFamily="18" charset="0"/>
+              </a:rPr>
+              <a:t>M</a:t>
+            </a:r>
+            <a:r>
+              <a:rPr lang="ro-RO" sz="1200" noProof="1">
+                <a:effectLst/>
+                <a:latin typeface="Calibri" panose="020F0502020204030204" pitchFamily="34" charset="0"/>
+                <a:ea typeface="Calibri" panose="020F0502020204030204" pitchFamily="34" charset="0"/>
+                <a:cs typeface="Times New Roman" panose="02020603050405020304" pitchFamily="18" charset="0"/>
+              </a:rPr>
+              <a:t>anagement</a:t>
+            </a:r>
           </a:p>
         </p:txBody>
       </p:sp>
@@ -4344,7 +4406,7 @@
         </p:blipFill>
         <p:spPr>
           <a:xfrm>
-            <a:off x="6059401" y="4885975"/>
+            <a:off x="6059401" y="4554014"/>
             <a:ext cx="196307" cy="244113"/>
           </a:xfrm>
           <a:prstGeom prst="rect">
@@ -4366,7 +4428,7 @@
         </p:nvSpPr>
         <p:spPr>
           <a:xfrm>
-            <a:off x="6198063" y="6024280"/>
+            <a:off x="6208267" y="5750221"/>
             <a:ext cx="3161643" cy="584775"/>
           </a:xfrm>
           <a:prstGeom prst="rect">
@@ -4411,9 +4473,20 @@
                 <a:latin typeface="Calibri" panose="020F0502020204030204" pitchFamily="34" charset="0"/>
                 <a:ea typeface="Calibri" panose="020F0502020204030204" pitchFamily="34" charset="0"/>
                 <a:cs typeface="Times New Roman" panose="02020603050405020304" pitchFamily="18" charset="0"/>
+                <a:hlinkClick r:id="rId5"/>
               </a:rPr>
               <a:t>AICI</a:t>
             </a:r>
+            <a:endParaRPr lang="ro-RO" sz="1600" b="1" noProof="1">
+              <a:solidFill>
+                <a:schemeClr val="accent6">
+                  <a:lumMod val="75000"/>
+                </a:schemeClr>
+              </a:solidFill>
+              <a:latin typeface="Calibri" panose="020F0502020204030204" pitchFamily="34" charset="0"/>
+              <a:ea typeface="Calibri" panose="020F0502020204030204" pitchFamily="34" charset="0"/>
+              <a:cs typeface="Times New Roman" panose="02020603050405020304" pitchFamily="18" charset="0"/>
+            </a:endParaRPr>
           </a:p>
         </p:txBody>
       </p:sp>
@@ -4445,7 +4518,7 @@
         </p:blipFill>
         <p:spPr>
           <a:xfrm>
-            <a:off x="6110114" y="6060324"/>
+            <a:off x="6110113" y="5792676"/>
             <a:ext cx="196307" cy="244113"/>
           </a:xfrm>
           <a:prstGeom prst="rect">
@@ -4676,8 +4749,12 @@
               </a:spcAft>
             </a:pPr>
             <a:r>
+              <a:rPr lang="en-US" sz="1200" b="1" dirty="0"/>
+              <a:t>Test conditions</a:t>
+            </a:r>
+            <a:r>
               <a:rPr lang="ro-RO" sz="1200" b="1" dirty="0"/>
-              <a:t>Condițiile de testare:</a:t>
+              <a:t>:</a:t>
             </a:r>
             <a:r>
               <a:rPr lang="ro-RO" sz="1200" dirty="0"/>
@@ -5107,7 +5184,7 @@
                 <a:ea typeface="Calibri" panose="020F0502020204030204" pitchFamily="34" charset="0"/>
                 <a:cs typeface="Calibri" panose="020F0502020204030204" pitchFamily="34" charset="0"/>
               </a:rPr>
-              <a:t>TraceabilityMatrix</a:t>
+              <a:t>Traceability Matrix</a:t>
             </a:r>
             <a:endParaRPr lang="en-US" sz="1050" u="sng" noProof="1">
               <a:latin typeface="Calibri" panose="020F0502020204030204" pitchFamily="34" charset="0"/>

--- a/Testing Project for Automation Exercise E-commerce Website.pptx
+++ b/Testing Project for Automation Exercise E-commerce Website.pptx
@@ -262,7 +262,7 @@
           <a:p>
             <a:fld id="{276D79ED-3FA7-4EF8-964B-EB8BCFAB02F8}" type="datetimeFigureOut">
               <a:rPr lang="en-US" smtClean="0"/>
-              <a:t>7/8/2024</a:t>
+              <a:t>7/9/2024</a:t>
             </a:fld>
             <a:endParaRPr lang="en-US"/>
           </a:p>
@@ -430,7 +430,7 @@
           <a:p>
             <a:fld id="{276D79ED-3FA7-4EF8-964B-EB8BCFAB02F8}" type="datetimeFigureOut">
               <a:rPr lang="en-US" smtClean="0"/>
-              <a:t>7/8/2024</a:t>
+              <a:t>7/9/2024</a:t>
             </a:fld>
             <a:endParaRPr lang="en-US"/>
           </a:p>
@@ -676,7 +676,7 @@
           <a:p>
             <a:fld id="{276D79ED-3FA7-4EF8-964B-EB8BCFAB02F8}" type="datetimeFigureOut">
               <a:rPr lang="en-US" smtClean="0"/>
-              <a:t>7/8/2024</a:t>
+              <a:t>7/9/2024</a:t>
             </a:fld>
             <a:endParaRPr lang="en-US"/>
           </a:p>
@@ -907,7 +907,7 @@
           <a:p>
             <a:fld id="{276D79ED-3FA7-4EF8-964B-EB8BCFAB02F8}" type="datetimeFigureOut">
               <a:rPr lang="en-US" smtClean="0"/>
-              <a:t>7/8/2024</a:t>
+              <a:t>7/9/2024</a:t>
             </a:fld>
             <a:endParaRPr lang="en-US"/>
           </a:p>
@@ -1271,7 +1271,7 @@
           <a:p>
             <a:fld id="{276D79ED-3FA7-4EF8-964B-EB8BCFAB02F8}" type="datetimeFigureOut">
               <a:rPr lang="en-US" smtClean="0"/>
-              <a:t>7/8/2024</a:t>
+              <a:t>7/9/2024</a:t>
             </a:fld>
             <a:endParaRPr lang="en-US"/>
           </a:p>
@@ -1388,7 +1388,7 @@
           <a:p>
             <a:fld id="{276D79ED-3FA7-4EF8-964B-EB8BCFAB02F8}" type="datetimeFigureOut">
               <a:rPr lang="en-US" smtClean="0"/>
-              <a:t>7/8/2024</a:t>
+              <a:t>7/9/2024</a:t>
             </a:fld>
             <a:endParaRPr lang="en-US"/>
           </a:p>
@@ -1483,7 +1483,7 @@
           <a:p>
             <a:fld id="{276D79ED-3FA7-4EF8-964B-EB8BCFAB02F8}" type="datetimeFigureOut">
               <a:rPr lang="en-US" smtClean="0"/>
-              <a:t>7/8/2024</a:t>
+              <a:t>7/9/2024</a:t>
             </a:fld>
             <a:endParaRPr lang="en-US"/>
           </a:p>
@@ -1759,7 +1759,7 @@
           <a:p>
             <a:fld id="{276D79ED-3FA7-4EF8-964B-EB8BCFAB02F8}" type="datetimeFigureOut">
               <a:rPr lang="en-US" smtClean="0"/>
-              <a:t>7/8/2024</a:t>
+              <a:t>7/9/2024</a:t>
             </a:fld>
             <a:endParaRPr lang="en-US"/>
           </a:p>
@@ -2015,7 +2015,7 @@
           <a:p>
             <a:fld id="{276D79ED-3FA7-4EF8-964B-EB8BCFAB02F8}" type="datetimeFigureOut">
               <a:rPr lang="en-US" smtClean="0"/>
-              <a:t>7/8/2024</a:t>
+              <a:t>7/9/2024</a:t>
             </a:fld>
             <a:endParaRPr lang="en-US"/>
           </a:p>
@@ -2235,7 +2235,7 @@
           <a:p>
             <a:fld id="{276D79ED-3FA7-4EF8-964B-EB8BCFAB02F8}" type="datetimeFigureOut">
               <a:rPr lang="en-US" smtClean="0"/>
-              <a:t>7/8/2024</a:t>
+              <a:t>7/9/2024</a:t>
             </a:fld>
             <a:endParaRPr lang="en-US"/>
           </a:p>
@@ -3830,19 +3830,26 @@
           </p:nvPr>
         </p:nvPicPr>
         <p:blipFill>
-          <a:blip r:embed="rId2"/>
-          <a:stretch>
-            <a:fillRect/>
-          </a:stretch>
+          <a:blip r:embed="rId2">
+            <a:extLst>
+              <a:ext uri="{28A0092B-C50C-407E-A947-70E740481C1C}">
+                <a14:useLocalDpi xmlns:a14="http://schemas.microsoft.com/office/drawing/2010/main" val="0"/>
+              </a:ext>
+            </a:extLst>
+          </a:blip>
+          <a:srcRect/>
+          <a:stretch/>
         </p:blipFill>
         <p:spPr>
           <a:xfrm>
-            <a:off x="376518" y="3731952"/>
-            <a:ext cx="5607216" cy="3030631"/>
+            <a:off x="376518" y="3773680"/>
+            <a:ext cx="5607216" cy="2947174"/>
           </a:xfrm>
           <a:ln>
             <a:solidFill>
-              <a:schemeClr val="bg1"/>
+              <a:schemeClr val="accent6">
+                <a:lumMod val="50000"/>
+              </a:schemeClr>
             </a:solidFill>
           </a:ln>
         </p:spPr>
@@ -3864,19 +3871,26 @@
           </p:nvPr>
         </p:nvPicPr>
         <p:blipFill>
-          <a:blip r:embed="rId3"/>
-          <a:stretch>
-            <a:fillRect/>
-          </a:stretch>
+          <a:blip r:embed="rId3">
+            <a:extLst>
+              <a:ext uri="{28A0092B-C50C-407E-A947-70E740481C1C}">
+                <a14:useLocalDpi xmlns:a14="http://schemas.microsoft.com/office/drawing/2010/main" val="0"/>
+              </a:ext>
+            </a:extLst>
+          </a:blip>
+          <a:srcRect/>
+          <a:stretch/>
         </p:blipFill>
         <p:spPr>
           <a:xfrm>
-            <a:off x="6527684" y="796067"/>
-            <a:ext cx="5419372" cy="3373906"/>
+            <a:off x="6527684" y="881235"/>
+            <a:ext cx="5419372" cy="3203569"/>
           </a:xfrm>
           <a:ln>
             <a:solidFill>
-              <a:schemeClr val="bg1"/>
+              <a:schemeClr val="accent6">
+                <a:lumMod val="50000"/>
+              </a:schemeClr>
             </a:solidFill>
           </a:ln>
         </p:spPr>
@@ -4674,47 +4688,6 @@
           </a:p>
         </p:txBody>
       </p:sp>
-      <p:pic>
-        <p:nvPicPr>
-          <p:cNvPr id="7" name="Content Placeholder 10">
-            <a:extLst>
-              <a:ext uri="{FF2B5EF4-FFF2-40B4-BE49-F238E27FC236}">
-                <a16:creationId xmlns:a16="http://schemas.microsoft.com/office/drawing/2014/main" id="{BAA66FEA-E36A-4A1D-B297-C49FCE4E3FB7}"/>
-              </a:ext>
-            </a:extLst>
-          </p:cNvPr>
-          <p:cNvPicPr>
-            <a:picLocks noGrp="1" noChangeAspect="1"/>
-          </p:cNvPicPr>
-          <p:nvPr>
-            <p:ph sz="quarter" idx="4"/>
-          </p:nvPr>
-        </p:nvPicPr>
-        <p:blipFill rotWithShape="1">
-          <a:blip r:embed="rId2">
-            <a:extLst>
-              <a:ext uri="{28A0092B-C50C-407E-A947-70E740481C1C}">
-                <a14:useLocalDpi xmlns:a14="http://schemas.microsoft.com/office/drawing/2010/main" val="0"/>
-              </a:ext>
-            </a:extLst>
-          </a:blip>
-          <a:srcRect b="6183"/>
-          <a:stretch/>
-        </p:blipFill>
-        <p:spPr>
-          <a:xfrm>
-            <a:off x="6465277" y="796067"/>
-            <a:ext cx="5518756" cy="2558621"/>
-          </a:xfrm>
-          <a:ln>
-            <a:solidFill>
-              <a:schemeClr val="accent6">
-                <a:lumMod val="50000"/>
-              </a:schemeClr>
-            </a:solidFill>
-          </a:ln>
-        </p:spPr>
-      </p:pic>
       <p:sp>
         <p:nvSpPr>
           <p:cNvPr id="3" name="TextBox 2">
@@ -4729,8 +4702,8 @@
         </p:nvSpPr>
         <p:spPr>
           <a:xfrm>
-            <a:off x="244944" y="1053829"/>
-            <a:ext cx="6220333" cy="1908215"/>
+            <a:off x="537882" y="1238075"/>
+            <a:ext cx="5927395" cy="1723549"/>
           </a:xfrm>
           <a:prstGeom prst="rect">
             <a:avLst/>
@@ -4758,7 +4731,23 @@
             </a:r>
             <a:r>
               <a:rPr lang="ro-RO" sz="1200" dirty="0"/>
-              <a:t> includ o analiză detaliată a funcționalităților critice ale platformei, ce acoperă scenariile de utilizare, inclusiv testarea interacțiunii utilizatorului cu coșul de cumpărături pentru funcții precum selectarea cantității, gestionarea comenzilor, afișarea corectă a prețurilor finale, gestionarea erorilor, pentru a asigura o experiență fluentă și lipsită de probleme pentru utilizatori.</a:t>
+              <a:t> Am definit condiții de testare î</a:t>
+            </a:r>
+            <a:r>
+              <a:rPr lang="en-US" sz="1200" dirty="0"/>
+              <a:t>n </a:t>
+            </a:r>
+            <a:r>
+              <a:rPr lang="en-US" sz="1200" noProof="1"/>
+              <a:t>conformitate</a:t>
+            </a:r>
+            <a:r>
+              <a:rPr lang="en-US" sz="1200" dirty="0"/>
+              <a:t> </a:t>
+            </a:r>
+            <a:r>
+              <a:rPr lang="ro-RO" sz="1200" dirty="0"/>
+              <a:t>cu cerințele specificate, pentru a verifica interacțiunea utilizatorului cu coșul de cumpărături și procesul de înregistrare și autentificare, asigurând astfel, o experiență fluentă și lipsită de probleme pentru utilizatori.</a:t>
             </a:r>
           </a:p>
           <a:p>
@@ -4768,8 +4757,12 @@
               </a:spcBef>
             </a:pPr>
             <a:r>
+              <a:rPr lang="en-US" sz="1200" b="1" dirty="0"/>
+              <a:t>Test cases</a:t>
+            </a:r>
+            <a:r>
               <a:rPr lang="ro-RO" sz="1200" b="1" dirty="0"/>
-              <a:t>Cazurile de testare: </a:t>
+              <a:t>: </a:t>
             </a:r>
             <a:r>
               <a:rPr lang="ro-RO" sz="1200" dirty="0"/>
@@ -4793,7 +4786,7 @@
           <p:nvPr/>
         </p:nvPicPr>
         <p:blipFill>
-          <a:blip r:embed="rId3">
+          <a:blip r:embed="rId2">
             <a:extLst>
               <a:ext uri="{28A0092B-C50C-407E-A947-70E740481C1C}">
                 <a14:useLocalDpi xmlns:a14="http://schemas.microsoft.com/office/drawing/2010/main" val="0"/>
@@ -4836,7 +4829,7 @@
           <p:nvPr/>
         </p:nvPicPr>
         <p:blipFill>
-          <a:blip r:embed="rId4" cstate="print">
+          <a:blip r:embed="rId3" cstate="print">
             <a:extLst>
               <a:ext uri="{28A0092B-C50C-407E-A947-70E740481C1C}">
                 <a14:useLocalDpi xmlns:a14="http://schemas.microsoft.com/office/drawing/2010/main" val="0"/>
@@ -4849,7 +4842,7 @@
         </p:blipFill>
         <p:spPr>
           <a:xfrm>
-            <a:off x="109813" y="1053829"/>
+            <a:off x="341575" y="1238075"/>
             <a:ext cx="196307" cy="244113"/>
           </a:xfrm>
           <a:prstGeom prst="rect">
@@ -4872,7 +4865,7 @@
           <p:nvPr/>
         </p:nvPicPr>
         <p:blipFill>
-          <a:blip r:embed="rId4" cstate="print">
+          <a:blip r:embed="rId3" cstate="print">
             <a:extLst>
               <a:ext uri="{28A0092B-C50C-407E-A947-70E740481C1C}">
                 <a14:useLocalDpi xmlns:a14="http://schemas.microsoft.com/office/drawing/2010/main" val="0"/>
@@ -4885,7 +4878,7 @@
         </p:blipFill>
         <p:spPr>
           <a:xfrm>
-            <a:off x="109813" y="2075377"/>
+            <a:off x="341575" y="2099849"/>
             <a:ext cx="196307" cy="244113"/>
           </a:xfrm>
           <a:prstGeom prst="rect">
@@ -4908,7 +4901,7 @@
           <p:nvPr/>
         </p:nvPicPr>
         <p:blipFill>
-          <a:blip r:embed="rId4" cstate="print">
+          <a:blip r:embed="rId3" cstate="print">
             <a:extLst>
               <a:ext uri="{28A0092B-C50C-407E-A947-70E740481C1C}">
                 <a14:useLocalDpi xmlns:a14="http://schemas.microsoft.com/office/drawing/2010/main" val="0"/>
@@ -4927,6 +4920,49 @@
           <a:prstGeom prst="rect">
             <a:avLst/>
           </a:prstGeom>
+        </p:spPr>
+      </p:pic>
+      <p:pic>
+        <p:nvPicPr>
+          <p:cNvPr id="12" name="Picture 11">
+            <a:extLst>
+              <a:ext uri="{FF2B5EF4-FFF2-40B4-BE49-F238E27FC236}">
+                <a16:creationId xmlns:a16="http://schemas.microsoft.com/office/drawing/2014/main" id="{F38B59F8-5124-4653-8139-ABE2381AB361}"/>
+              </a:ext>
+            </a:extLst>
+          </p:cNvPr>
+          <p:cNvPicPr>
+            <a:picLocks noChangeAspect="1"/>
+          </p:cNvPicPr>
+          <p:nvPr/>
+        </p:nvPicPr>
+        <p:blipFill>
+          <a:blip r:embed="rId4">
+            <a:extLst>
+              <a:ext uri="{28A0092B-C50C-407E-A947-70E740481C1C}">
+                <a14:useLocalDpi xmlns:a14="http://schemas.microsoft.com/office/drawing/2010/main" val="0"/>
+              </a:ext>
+            </a:extLst>
+          </a:blip>
+          <a:stretch>
+            <a:fillRect/>
+          </a:stretch>
+        </p:blipFill>
+        <p:spPr>
+          <a:xfrm>
+            <a:off x="6465277" y="1053829"/>
+            <a:ext cx="5616910" cy="2500209"/>
+          </a:xfrm>
+          <a:prstGeom prst="rect">
+            <a:avLst/>
+          </a:prstGeom>
+          <a:ln>
+            <a:solidFill>
+              <a:schemeClr val="accent6">
+                <a:lumMod val="50000"/>
+              </a:schemeClr>
+            </a:solidFill>
+          </a:ln>
         </p:spPr>
       </p:pic>
     </p:spTree>
@@ -5183,6 +5219,7 @@
                 <a:latin typeface="Calibri" panose="020F0502020204030204" pitchFamily="34" charset="0"/>
                 <a:ea typeface="Calibri" panose="020F0502020204030204" pitchFamily="34" charset="0"/>
                 <a:cs typeface="Calibri" panose="020F0502020204030204" pitchFamily="34" charset="0"/>
+                <a:hlinkClick r:id="rId2"/>
               </a:rPr>
               <a:t>Traceability Matrix</a:t>
             </a:r>
@@ -5209,7 +5246,7 @@
           <p:nvPr/>
         </p:nvPicPr>
         <p:blipFill>
-          <a:blip r:embed="rId2" cstate="print">
+          <a:blip r:embed="rId3" cstate="print">
             <a:extLst>
               <a:ext uri="{28A0092B-C50C-407E-A947-70E740481C1C}">
                 <a14:useLocalDpi xmlns:a14="http://schemas.microsoft.com/office/drawing/2010/main" val="0"/>
@@ -5245,7 +5282,7 @@
           <p:nvPr/>
         </p:nvPicPr>
         <p:blipFill>
-          <a:blip r:embed="rId3">
+          <a:blip r:embed="rId4">
             <a:extLst>
               <a:ext uri="{28A0092B-C50C-407E-A947-70E740481C1C}">
                 <a14:useLocalDpi xmlns:a14="http://schemas.microsoft.com/office/drawing/2010/main" val="0"/>

--- a/Testing Project for Automation Exercise E-commerce Website.pptx
+++ b/Testing Project for Automation Exercise E-commerce Website.pptx
@@ -262,7 +262,7 @@
           <a:p>
             <a:fld id="{276D79ED-3FA7-4EF8-964B-EB8BCFAB02F8}" type="datetimeFigureOut">
               <a:rPr lang="en-US" smtClean="0"/>
-              <a:t>7/9/2024</a:t>
+              <a:t>7/18/2024</a:t>
             </a:fld>
             <a:endParaRPr lang="en-US"/>
           </a:p>
@@ -430,7 +430,7 @@
           <a:p>
             <a:fld id="{276D79ED-3FA7-4EF8-964B-EB8BCFAB02F8}" type="datetimeFigureOut">
               <a:rPr lang="en-US" smtClean="0"/>
-              <a:t>7/9/2024</a:t>
+              <a:t>7/18/2024</a:t>
             </a:fld>
             <a:endParaRPr lang="en-US"/>
           </a:p>
@@ -676,7 +676,7 @@
           <a:p>
             <a:fld id="{276D79ED-3FA7-4EF8-964B-EB8BCFAB02F8}" type="datetimeFigureOut">
               <a:rPr lang="en-US" smtClean="0"/>
-              <a:t>7/9/2024</a:t>
+              <a:t>7/18/2024</a:t>
             </a:fld>
             <a:endParaRPr lang="en-US"/>
           </a:p>
@@ -907,7 +907,7 @@
           <a:p>
             <a:fld id="{276D79ED-3FA7-4EF8-964B-EB8BCFAB02F8}" type="datetimeFigureOut">
               <a:rPr lang="en-US" smtClean="0"/>
-              <a:t>7/9/2024</a:t>
+              <a:t>7/18/2024</a:t>
             </a:fld>
             <a:endParaRPr lang="en-US"/>
           </a:p>
@@ -1271,7 +1271,7 @@
           <a:p>
             <a:fld id="{276D79ED-3FA7-4EF8-964B-EB8BCFAB02F8}" type="datetimeFigureOut">
               <a:rPr lang="en-US" smtClean="0"/>
-              <a:t>7/9/2024</a:t>
+              <a:t>7/18/2024</a:t>
             </a:fld>
             <a:endParaRPr lang="en-US"/>
           </a:p>
@@ -1388,7 +1388,7 @@
           <a:p>
             <a:fld id="{276D79ED-3FA7-4EF8-964B-EB8BCFAB02F8}" type="datetimeFigureOut">
               <a:rPr lang="en-US" smtClean="0"/>
-              <a:t>7/9/2024</a:t>
+              <a:t>7/18/2024</a:t>
             </a:fld>
             <a:endParaRPr lang="en-US"/>
           </a:p>
@@ -1483,7 +1483,7 @@
           <a:p>
             <a:fld id="{276D79ED-3FA7-4EF8-964B-EB8BCFAB02F8}" type="datetimeFigureOut">
               <a:rPr lang="en-US" smtClean="0"/>
-              <a:t>7/9/2024</a:t>
+              <a:t>7/18/2024</a:t>
             </a:fld>
             <a:endParaRPr lang="en-US"/>
           </a:p>
@@ -1759,7 +1759,7 @@
           <a:p>
             <a:fld id="{276D79ED-3FA7-4EF8-964B-EB8BCFAB02F8}" type="datetimeFigureOut">
               <a:rPr lang="en-US" smtClean="0"/>
-              <a:t>7/9/2024</a:t>
+              <a:t>7/18/2024</a:t>
             </a:fld>
             <a:endParaRPr lang="en-US"/>
           </a:p>
@@ -2015,7 +2015,7 @@
           <a:p>
             <a:fld id="{276D79ED-3FA7-4EF8-964B-EB8BCFAB02F8}" type="datetimeFigureOut">
               <a:rPr lang="en-US" smtClean="0"/>
-              <a:t>7/9/2024</a:t>
+              <a:t>7/18/2024</a:t>
             </a:fld>
             <a:endParaRPr lang="en-US"/>
           </a:p>
@@ -2235,7 +2235,7 @@
           <a:p>
             <a:fld id="{276D79ED-3FA7-4EF8-964B-EB8BCFAB02F8}" type="datetimeFigureOut">
               <a:rPr lang="en-US" smtClean="0"/>
-              <a:t>7/9/2024</a:t>
+              <a:t>7/18/2024</a:t>
             </a:fld>
             <a:endParaRPr lang="en-US"/>
           </a:p>
@@ -3036,13 +3036,13 @@
   <p:clrMapOvr>
     <a:masterClrMapping/>
   </p:clrMapOvr>
-  <mc:AlternateContent xmlns:mc="http://schemas.openxmlformats.org/markup-compatibility/2006" xmlns:p159="http://schemas.microsoft.com/office/powerpoint/2015/09/main">
-    <mc:Choice Requires="p159">
+  <mc:AlternateContent xmlns:mc="http://schemas.openxmlformats.org/markup-compatibility/2006">
+    <mc:Choice xmlns:p159="http://schemas.microsoft.com/office/powerpoint/2015/09/main" Requires="p159">
       <p:transition xmlns:p14="http://schemas.microsoft.com/office/powerpoint/2010/main" spd="slow" p14:dur="2000">
         <p159:morph option="byObject"/>
       </p:transition>
     </mc:Choice>
-    <mc:Fallback xmlns="">
+    <mc:Fallback>
       <p:transition spd="slow">
         <p:fade/>
       </p:transition>
@@ -3747,13 +3747,13 @@
   <p:clrMapOvr>
     <a:masterClrMapping/>
   </p:clrMapOvr>
-  <mc:AlternateContent xmlns:mc="http://schemas.openxmlformats.org/markup-compatibility/2006" xmlns:p159="http://schemas.microsoft.com/office/powerpoint/2015/09/main">
-    <mc:Choice Requires="p159">
+  <mc:AlternateContent xmlns:mc="http://schemas.openxmlformats.org/markup-compatibility/2006">
+    <mc:Choice xmlns:p159="http://schemas.microsoft.com/office/powerpoint/2015/09/main" Requires="p159">
       <p:transition xmlns:p14="http://schemas.microsoft.com/office/powerpoint/2010/main" spd="slow" p14:dur="2000">
         <p159:morph option="byObject"/>
       </p:transition>
     </mc:Choice>
-    <mc:Fallback xmlns="">
+    <mc:Fallback>
       <p:transition spd="slow">
         <p:fade/>
       </p:transition>
@@ -3781,6 +3781,92 @@
       </p:grpSpPr>
       <p:sp>
         <p:nvSpPr>
+          <p:cNvPr id="4" name="TextBox 3">
+            <a:extLst>
+              <a:ext uri="{FF2B5EF4-FFF2-40B4-BE49-F238E27FC236}">
+                <a16:creationId xmlns:a16="http://schemas.microsoft.com/office/drawing/2014/main" id="{98A5EF4D-57C0-4987-9B5A-49F0BFD1D7FF}"/>
+              </a:ext>
+            </a:extLst>
+          </p:cNvPr>
+          <p:cNvSpPr txBox="1">
+            <a:spLocks noGrp="1" noRot="1" noMove="1" noResize="1" noEditPoints="1" noAdjustHandles="1" noChangeArrowheads="1" noChangeShapeType="1"/>
+          </p:cNvSpPr>
+          <p:nvPr/>
+        </p:nvSpPr>
+        <p:spPr>
+          <a:xfrm>
+            <a:off x="6208267" y="5750221"/>
+            <a:ext cx="3161643" cy="769441"/>
+          </a:xfrm>
+          <a:prstGeom prst="rect">
+            <a:avLst/>
+          </a:prstGeom>
+          <a:noFill/>
+        </p:spPr>
+        <p:txBody>
+          <a:bodyPr wrap="square" rtlCol="0">
+            <a:spAutoFit/>
+          </a:bodyPr>
+          <a:lstStyle/>
+          <a:p>
+            <a:pPr algn="ctr"/>
+            <a:r>
+              <a:rPr lang="ro-RO" sz="1600" noProof="1">
+                <a:latin typeface="Calibri" panose="020F0502020204030204" pitchFamily="34" charset="0"/>
+                <a:ea typeface="Calibri" panose="020F0502020204030204" pitchFamily="34" charset="0"/>
+                <a:cs typeface="Times New Roman" panose="02020603050405020304" pitchFamily="18" charset="0"/>
+              </a:rPr>
+              <a:t>Pe GitHub, proiectul</a:t>
+            </a:r>
+            <a:r>
+              <a:rPr lang="ro-RO" sz="1600" noProof="1"/>
+              <a:t> </a:t>
+            </a:r>
+            <a:r>
+              <a:rPr lang="ro-RO" sz="1600" noProof="1">
+                <a:latin typeface="Calibri" panose="020F0502020204030204" pitchFamily="34" charset="0"/>
+                <a:ea typeface="Calibri" panose="020F0502020204030204" pitchFamily="34" charset="0"/>
+                <a:cs typeface="Times New Roman" panose="02020603050405020304" pitchFamily="18" charset="0"/>
+              </a:rPr>
+              <a:t>îl puteți găsi </a:t>
+            </a:r>
+            <a:endParaRPr lang="en-US" sz="1600" noProof="1">
+              <a:latin typeface="Calibri" panose="020F0502020204030204" pitchFamily="34" charset="0"/>
+              <a:ea typeface="Calibri" panose="020F0502020204030204" pitchFamily="34" charset="0"/>
+              <a:cs typeface="Times New Roman" panose="02020603050405020304" pitchFamily="18" charset="0"/>
+            </a:endParaRPr>
+          </a:p>
+          <a:p>
+            <a:pPr algn="ctr"/>
+            <a:endParaRPr lang="en-US" sz="1200" b="1" noProof="1">
+              <a:solidFill>
+                <a:srgbClr val="0563C1"/>
+              </a:solidFill>
+              <a:latin typeface="Calibri" panose="020F0502020204030204" pitchFamily="34" charset="0"/>
+              <a:ea typeface="Calibri" panose="020F0502020204030204" pitchFamily="34" charset="0"/>
+              <a:cs typeface="Times New Roman" panose="02020603050405020304" pitchFamily="18" charset="0"/>
+            </a:endParaRPr>
+          </a:p>
+          <a:p>
+            <a:pPr algn="ctr"/>
+            <a:r>
+              <a:rPr lang="ro-RO" sz="1600" b="1" noProof="1">
+                <a:solidFill>
+                  <a:schemeClr val="accent6">
+                    <a:lumMod val="50000"/>
+                  </a:schemeClr>
+                </a:solidFill>
+                <a:latin typeface="Calibri" panose="020F0502020204030204" pitchFamily="34" charset="0"/>
+                <a:ea typeface="Calibri" panose="020F0502020204030204" pitchFamily="34" charset="0"/>
+                <a:cs typeface="Times New Roman" panose="02020603050405020304" pitchFamily="18" charset="0"/>
+              </a:rPr>
+              <a:t>aici</a:t>
+            </a:r>
+          </a:p>
+        </p:txBody>
+      </p:sp>
+      <p:sp>
+        <p:nvSpPr>
           <p:cNvPr id="2" name="Title 1">
             <a:extLst>
               <a:ext uri="{FF2B5EF4-FFF2-40B4-BE49-F238E27FC236}">
@@ -3932,16 +4018,16 @@
               </a:spcAft>
             </a:pPr>
             <a:r>
-              <a:rPr lang="en-US" sz="1200" dirty="0">
+              <a:rPr lang="en-US" sz="1200" noProof="1">
                 <a:effectLst/>
                 <a:latin typeface="Calibri" panose="020F0502020204030204" pitchFamily="34" charset="0"/>
                 <a:ea typeface="Calibri" panose="020F0502020204030204" pitchFamily="34" charset="0"/>
                 <a:cs typeface="Times New Roman" panose="02020603050405020304" pitchFamily="18" charset="0"/>
               </a:rPr>
-              <a:t>Application under test: </a:t>
-            </a:r>
-            <a:r>
-              <a:rPr lang="en-US" sz="1200" b="1" dirty="0">
+              <a:t>Aplicația testată: </a:t>
+            </a:r>
+            <a:r>
+              <a:rPr lang="en-US" sz="1200" b="1" noProof="1">
                 <a:effectLst/>
                 <a:latin typeface="Calibri" panose="020F0502020204030204" pitchFamily="34" charset="0"/>
                 <a:ea typeface="Calibri" panose="020F0502020204030204" pitchFamily="34" charset="0"/>
@@ -3949,7 +4035,7 @@
               </a:rPr>
               <a:t>Automation Exercise E-commerce Website</a:t>
             </a:r>
-            <a:endParaRPr lang="ro-RO" sz="1200" dirty="0">
+            <a:endParaRPr lang="en-US" sz="1200" noProof="1">
               <a:effectLst/>
               <a:latin typeface="Calibri" panose="020F0502020204030204" pitchFamily="34" charset="0"/>
               <a:ea typeface="Calibri" panose="020F0502020204030204" pitchFamily="34" charset="0"/>
@@ -3966,15 +4052,34 @@
               </a:spcAft>
             </a:pPr>
             <a:r>
-              <a:rPr lang="en-US" sz="1200" dirty="0">
+              <a:rPr lang="en-US" sz="1200" noProof="1">
                 <a:effectLst/>
                 <a:latin typeface="Calibri" panose="020F0502020204030204" pitchFamily="34" charset="0"/>
                 <a:ea typeface="Calibri" panose="020F0502020204030204" pitchFamily="34" charset="0"/>
                 <a:cs typeface="Times New Roman" panose="02020603050405020304" pitchFamily="18" charset="0"/>
               </a:rPr>
-              <a:t>Tools used: Jira, Zephyr Squad.</a:t>
-            </a:r>
-            <a:endParaRPr lang="ro-RO" sz="1200" dirty="0">
+              <a:t>Instrumente utilizate: Jira, Zephyr Squad.</a:t>
+            </a:r>
+          </a:p>
+          <a:p>
+            <a:pPr>
+              <a:lnSpc>
+                <a:spcPct val="107000"/>
+              </a:lnSpc>
+              <a:spcAft>
+                <a:spcPts val="800"/>
+              </a:spcAft>
+            </a:pPr>
+            <a:r>
+              <a:rPr lang="en-US" sz="1200" b="1" noProof="1">
+                <a:effectLst/>
+                <a:latin typeface="Calibri" panose="020F0502020204030204" pitchFamily="34" charset="0"/>
+                <a:ea typeface="Calibri" panose="020F0502020204030204" pitchFamily="34" charset="0"/>
+                <a:cs typeface="Times New Roman" panose="02020603050405020304" pitchFamily="18" charset="0"/>
+              </a:rPr>
+              <a:t>Specificații funcționale:</a:t>
+            </a:r>
+            <a:endParaRPr lang="en-US" sz="1200" noProof="1">
               <a:effectLst/>
               <a:latin typeface="Calibri" panose="020F0502020204030204" pitchFamily="34" charset="0"/>
               <a:ea typeface="Calibri" panose="020F0502020204030204" pitchFamily="34" charset="0"/>
@@ -3991,45 +4096,32 @@
               </a:spcAft>
             </a:pPr>
             <a:r>
-              <a:rPr lang="en-US" sz="1200" b="1" dirty="0">
+              <a:rPr lang="en-US" sz="1200" noProof="1">
                 <a:effectLst/>
                 <a:latin typeface="Calibri" panose="020F0502020204030204" pitchFamily="34" charset="0"/>
                 <a:ea typeface="Calibri" panose="020F0502020204030204" pitchFamily="34" charset="0"/>
                 <a:cs typeface="Times New Roman" panose="02020603050405020304" pitchFamily="18" charset="0"/>
               </a:rPr>
-              <a:t>Functional specifications:</a:t>
-            </a:r>
-            <a:endParaRPr lang="ro-RO" sz="1200" dirty="0">
-              <a:effectLst/>
-              <a:latin typeface="Calibri" panose="020F0502020204030204" pitchFamily="34" charset="0"/>
-              <a:ea typeface="Calibri" panose="020F0502020204030204" pitchFamily="34" charset="0"/>
-              <a:cs typeface="Times New Roman" panose="02020603050405020304" pitchFamily="18" charset="0"/>
-            </a:endParaRPr>
-          </a:p>
-          <a:p>
-            <a:pPr>
+              <a:t>Story-urile de mai jos au fost create în Jira și descriu specificațiile funcționale ale următoarelor module:</a:t>
+            </a:r>
+          </a:p>
+          <a:p>
+            <a:pPr marL="800100" lvl="1" indent="-342900">
               <a:lnSpc>
                 <a:spcPct val="107000"/>
               </a:lnSpc>
-              <a:spcAft>
-                <a:spcPts val="800"/>
-              </a:spcAft>
-            </a:pPr>
-            <a:r>
-              <a:rPr lang="en-US" sz="1200" dirty="0">
+              <a:buFont typeface="+mj-lt"/>
+              <a:buAutoNum type="arabicPeriod"/>
+            </a:pPr>
+            <a:r>
+              <a:rPr lang="en-US" sz="1200" noProof="1">
                 <a:effectLst/>
                 <a:latin typeface="Calibri" panose="020F0502020204030204" pitchFamily="34" charset="0"/>
                 <a:ea typeface="Calibri" panose="020F0502020204030204" pitchFamily="34" charset="0"/>
                 <a:cs typeface="Times New Roman" panose="02020603050405020304" pitchFamily="18" charset="0"/>
               </a:rPr>
-              <a:t>The below stories were created in Jira and describe the functional specifications of the following modules:</a:t>
-            </a:r>
-            <a:endParaRPr lang="ro-RO" sz="1200" dirty="0">
-              <a:effectLst/>
-              <a:latin typeface="Calibri" panose="020F0502020204030204" pitchFamily="34" charset="0"/>
-              <a:ea typeface="Calibri" panose="020F0502020204030204" pitchFamily="34" charset="0"/>
-              <a:cs typeface="Times New Roman" panose="02020603050405020304" pitchFamily="18" charset="0"/>
-            </a:endParaRPr>
+              <a:t>Browse and search for products</a:t>
+            </a:r>
           </a:p>
           <a:p>
             <a:pPr marL="800100" lvl="1" indent="-342900">
@@ -4040,20 +4132,14 @@
               <a:buAutoNum type="arabicPeriod"/>
             </a:pPr>
             <a:r>
-              <a:rPr lang="en-US" sz="1200" dirty="0">
+              <a:rPr lang="en-US" sz="1200" noProof="1">
                 <a:effectLst/>
                 <a:latin typeface="Calibri" panose="020F0502020204030204" pitchFamily="34" charset="0"/>
                 <a:ea typeface="Calibri" panose="020F0502020204030204" pitchFamily="34" charset="0"/>
                 <a:cs typeface="Times New Roman" panose="02020603050405020304" pitchFamily="18" charset="0"/>
               </a:rPr>
-              <a:t>Browse and search for products</a:t>
-            </a:r>
-            <a:endParaRPr lang="ro-RO" sz="1200" dirty="0">
-              <a:effectLst/>
-              <a:latin typeface="Calibri" panose="020F0502020204030204" pitchFamily="34" charset="0"/>
-              <a:ea typeface="Calibri" panose="020F0502020204030204" pitchFamily="34" charset="0"/>
-              <a:cs typeface="Times New Roman" panose="02020603050405020304" pitchFamily="18" charset="0"/>
-            </a:endParaRPr>
+              <a:t>Manage items in the shopping cart</a:t>
+            </a:r>
           </a:p>
           <a:p>
             <a:pPr marL="800100" lvl="1" indent="-342900">
@@ -4064,44 +4150,14 @@
               <a:buAutoNum type="arabicPeriod"/>
             </a:pPr>
             <a:r>
-              <a:rPr lang="en-US" sz="1200" dirty="0">
+              <a:rPr lang="en-US" sz="1200" noProof="1">
                 <a:effectLst/>
                 <a:latin typeface="Calibri" panose="020F0502020204030204" pitchFamily="34" charset="0"/>
                 <a:ea typeface="Calibri" panose="020F0502020204030204" pitchFamily="34" charset="0"/>
                 <a:cs typeface="Times New Roman" panose="02020603050405020304" pitchFamily="18" charset="0"/>
               </a:rPr>
-              <a:t>Manage items in the shopping cart</a:t>
-            </a:r>
-            <a:endParaRPr lang="ro-RO" sz="1200" dirty="0">
-              <a:effectLst/>
-              <a:latin typeface="Calibri" panose="020F0502020204030204" pitchFamily="34" charset="0"/>
-              <a:ea typeface="Calibri" panose="020F0502020204030204" pitchFamily="34" charset="0"/>
-              <a:cs typeface="Times New Roman" panose="02020603050405020304" pitchFamily="18" charset="0"/>
-            </a:endParaRPr>
-          </a:p>
-          <a:p>
-            <a:pPr marL="800100" lvl="1" indent="-342900">
-              <a:lnSpc>
-                <a:spcPct val="107000"/>
-              </a:lnSpc>
-              <a:buFont typeface="+mj-lt"/>
-              <a:buAutoNum type="arabicPeriod"/>
-            </a:pPr>
-            <a:r>
-              <a:rPr lang="en-US" sz="1200" dirty="0">
-                <a:effectLst/>
-                <a:latin typeface="Calibri" panose="020F0502020204030204" pitchFamily="34" charset="0"/>
-                <a:ea typeface="Calibri" panose="020F0502020204030204" pitchFamily="34" charset="0"/>
-                <a:cs typeface="Times New Roman" panose="02020603050405020304" pitchFamily="18" charset="0"/>
-              </a:rPr>
               <a:t>Checkout process</a:t>
             </a:r>
-            <a:endParaRPr lang="ro-RO" sz="1200" dirty="0">
-              <a:effectLst/>
-              <a:latin typeface="Calibri" panose="020F0502020204030204" pitchFamily="34" charset="0"/>
-              <a:ea typeface="Calibri" panose="020F0502020204030204" pitchFamily="34" charset="0"/>
-              <a:cs typeface="Times New Roman" panose="02020603050405020304" pitchFamily="18" charset="0"/>
-            </a:endParaRPr>
           </a:p>
           <a:p>
             <a:pPr marL="800100" lvl="1" indent="-342900">
@@ -4115,22 +4171,13 @@
               <a:buAutoNum type="arabicPeriod"/>
             </a:pPr>
             <a:r>
-              <a:rPr lang="en-US" sz="1200" dirty="0">
+              <a:rPr lang="en-US" sz="1200" noProof="1">
                 <a:effectLst/>
                 <a:latin typeface="Calibri" panose="020F0502020204030204" pitchFamily="34" charset="0"/>
                 <a:ea typeface="Calibri" panose="020F0502020204030204" pitchFamily="34" charset="0"/>
                 <a:cs typeface="Times New Roman" panose="02020603050405020304" pitchFamily="18" charset="0"/>
               </a:rPr>
-              <a:t>Signup/Login</a:t>
-            </a:r>
-            <a:r>
-              <a:rPr lang="ro-RO" sz="1200" dirty="0">
-                <a:effectLst/>
-                <a:latin typeface="Calibri" panose="020F0502020204030204" pitchFamily="34" charset="0"/>
-                <a:ea typeface="Calibri" panose="020F0502020204030204" pitchFamily="34" charset="0"/>
-                <a:cs typeface="Times New Roman" panose="02020603050405020304" pitchFamily="18" charset="0"/>
-              </a:rPr>
-              <a:t> &amp; </a:t>
+              <a:t>Signup/Login &amp; </a:t>
             </a:r>
             <a:r>
               <a:rPr lang="en-US" sz="1200" noProof="1">
@@ -4141,33 +4188,24 @@
               <a:t>A</a:t>
             </a:r>
             <a:r>
-              <a:rPr lang="ro-RO" sz="1200" noProof="1">
+              <a:rPr lang="en-US" sz="1200" noProof="1">
                 <a:effectLst/>
                 <a:latin typeface="Calibri" panose="020F0502020204030204" pitchFamily="34" charset="0"/>
                 <a:ea typeface="Calibri" panose="020F0502020204030204" pitchFamily="34" charset="0"/>
                 <a:cs typeface="Times New Roman" panose="02020603050405020304" pitchFamily="18" charset="0"/>
               </a:rPr>
-              <a:t>ccount</a:t>
-            </a:r>
-            <a:r>
-              <a:rPr lang="ro-RO" sz="1200" dirty="0">
-                <a:effectLst/>
+              <a:t>ccount </a:t>
+            </a:r>
+            <a:r>
+              <a:rPr lang="en-US" sz="1200" noProof="1">
                 <a:latin typeface="Calibri" panose="020F0502020204030204" pitchFamily="34" charset="0"/>
                 <a:ea typeface="Calibri" panose="020F0502020204030204" pitchFamily="34" charset="0"/>
                 <a:cs typeface="Times New Roman" panose="02020603050405020304" pitchFamily="18" charset="0"/>
               </a:rPr>
-              <a:t> </a:t>
-            </a:r>
-            <a:r>
-              <a:rPr lang="en-US" sz="1200" dirty="0">
-                <a:latin typeface="Calibri" panose="020F0502020204030204" pitchFamily="34" charset="0"/>
-                <a:ea typeface="Calibri" panose="020F0502020204030204" pitchFamily="34" charset="0"/>
-                <a:cs typeface="Times New Roman" panose="02020603050405020304" pitchFamily="18" charset="0"/>
-              </a:rPr>
               <a:t>M</a:t>
             </a:r>
             <a:r>
-              <a:rPr lang="ro-RO" sz="1200" noProof="1">
+              <a:rPr lang="en-US" sz="1200" noProof="1">
                 <a:effectLst/>
                 <a:latin typeface="Calibri" panose="020F0502020204030204" pitchFamily="34" charset="0"/>
                 <a:ea typeface="Calibri" panose="020F0502020204030204" pitchFamily="34" charset="0"/>
@@ -4215,13 +4253,21 @@
               </a:spcAft>
             </a:pPr>
             <a:r>
-              <a:rPr lang="en-US" sz="1200" dirty="0">
-                <a:effectLst/>
+              <a:rPr lang="ro-RO" sz="1200" dirty="0">
                 <a:latin typeface="Calibri" panose="020F0502020204030204" pitchFamily="34" charset="0"/>
                 <a:ea typeface="Calibri" panose="020F0502020204030204" pitchFamily="34" charset="0"/>
                 <a:cs typeface="Times New Roman" panose="02020603050405020304" pitchFamily="18" charset="0"/>
               </a:rPr>
-              <a:t>For this final project were runed tests from following 2 modules: </a:t>
+              <a:t>Pentru acest proiect final au fost rulate teste din următoarele două module:</a:t>
+            </a:r>
+            <a:r>
+              <a:rPr lang="en-US" sz="1200" dirty="0">
+                <a:effectLst/>
+                <a:latin typeface="Calibri" panose="020F0502020204030204" pitchFamily="34" charset="0"/>
+                <a:ea typeface="Calibri" panose="020F0502020204030204" pitchFamily="34" charset="0"/>
+                <a:cs typeface="Times New Roman" panose="02020603050405020304" pitchFamily="18" charset="0"/>
+              </a:rPr>
+              <a:t> </a:t>
             </a:r>
             <a:endParaRPr lang="ro-RO" sz="1200" dirty="0">
               <a:effectLst/>
@@ -4384,7 +4430,7 @@
         </p:blipFill>
         <p:spPr>
           <a:xfrm>
-            <a:off x="180210" y="1648598"/>
+            <a:off x="180211" y="1615144"/>
             <a:ext cx="196307" cy="244113"/>
           </a:xfrm>
           <a:prstGeom prst="rect">
@@ -4428,82 +4474,6 @@
           </a:prstGeom>
         </p:spPr>
       </p:pic>
-      <p:sp>
-        <p:nvSpPr>
-          <p:cNvPr id="4" name="TextBox 3">
-            <a:extLst>
-              <a:ext uri="{FF2B5EF4-FFF2-40B4-BE49-F238E27FC236}">
-                <a16:creationId xmlns:a16="http://schemas.microsoft.com/office/drawing/2014/main" id="{98A5EF4D-57C0-4987-9B5A-49F0BFD1D7FF}"/>
-              </a:ext>
-            </a:extLst>
-          </p:cNvPr>
-          <p:cNvSpPr txBox="1"/>
-          <p:nvPr/>
-        </p:nvSpPr>
-        <p:spPr>
-          <a:xfrm>
-            <a:off x="6208267" y="5750221"/>
-            <a:ext cx="3161643" cy="584775"/>
-          </a:xfrm>
-          <a:prstGeom prst="rect">
-            <a:avLst/>
-          </a:prstGeom>
-          <a:noFill/>
-        </p:spPr>
-        <p:txBody>
-          <a:bodyPr wrap="square" rtlCol="0">
-            <a:spAutoFit/>
-          </a:bodyPr>
-          <a:lstStyle/>
-          <a:p>
-            <a:pPr algn="ctr"/>
-            <a:r>
-              <a:rPr lang="ro-RO" sz="1600" noProof="1">
-                <a:latin typeface="Calibri" panose="020F0502020204030204" pitchFamily="34" charset="0"/>
-                <a:ea typeface="Calibri" panose="020F0502020204030204" pitchFamily="34" charset="0"/>
-                <a:cs typeface="Times New Roman" panose="02020603050405020304" pitchFamily="18" charset="0"/>
-              </a:rPr>
-              <a:t>Pe GitHub, proiectul</a:t>
-            </a:r>
-            <a:r>
-              <a:rPr lang="ro-RO" sz="1600" noProof="1"/>
-              <a:t> </a:t>
-            </a:r>
-            <a:r>
-              <a:rPr lang="ro-RO" sz="1600" noProof="1">
-                <a:latin typeface="Calibri" panose="020F0502020204030204" pitchFamily="34" charset="0"/>
-                <a:ea typeface="Calibri" panose="020F0502020204030204" pitchFamily="34" charset="0"/>
-                <a:cs typeface="Times New Roman" panose="02020603050405020304" pitchFamily="18" charset="0"/>
-              </a:rPr>
-              <a:t>îl puteți găsi </a:t>
-            </a:r>
-            <a:r>
-              <a:rPr lang="ro-RO" sz="1600" b="1" noProof="1">
-                <a:solidFill>
-                  <a:schemeClr val="accent6">
-                    <a:lumMod val="75000"/>
-                  </a:schemeClr>
-                </a:solidFill>
-                <a:latin typeface="Calibri" panose="020F0502020204030204" pitchFamily="34" charset="0"/>
-                <a:ea typeface="Calibri" panose="020F0502020204030204" pitchFamily="34" charset="0"/>
-                <a:cs typeface="Times New Roman" panose="02020603050405020304" pitchFamily="18" charset="0"/>
-                <a:hlinkClick r:id="rId5"/>
-              </a:rPr>
-              <a:t>AICI</a:t>
-            </a:r>
-            <a:endParaRPr lang="ro-RO" sz="1600" b="1" noProof="1">
-              <a:solidFill>
-                <a:schemeClr val="accent6">
-                  <a:lumMod val="75000"/>
-                </a:schemeClr>
-              </a:solidFill>
-              <a:latin typeface="Calibri" panose="020F0502020204030204" pitchFamily="34" charset="0"/>
-              <a:ea typeface="Calibri" panose="020F0502020204030204" pitchFamily="34" charset="0"/>
-              <a:cs typeface="Times New Roman" panose="02020603050405020304" pitchFamily="18" charset="0"/>
-            </a:endParaRPr>
-          </a:p>
-        </p:txBody>
-      </p:sp>
       <p:pic>
         <p:nvPicPr>
           <p:cNvPr id="13" name="Picture 12">
@@ -4532,7 +4502,7 @@
         </p:blipFill>
         <p:spPr>
           <a:xfrm>
-            <a:off x="6110113" y="5792676"/>
+            <a:off x="6154591" y="5779504"/>
             <a:ext cx="196307" cy="244113"/>
           </a:xfrm>
           <a:prstGeom prst="rect">
@@ -4612,6 +4582,43 @@
           </a:prstGeom>
         </p:spPr>
       </p:pic>
+      <p:pic>
+        <p:nvPicPr>
+          <p:cNvPr id="6" name="Picture 5">
+            <a:hlinkClick r:id="rId5"/>
+            <a:extLst>
+              <a:ext uri="{FF2B5EF4-FFF2-40B4-BE49-F238E27FC236}">
+                <a16:creationId xmlns:a16="http://schemas.microsoft.com/office/drawing/2014/main" id="{99149DA5-B454-8ACE-BABA-3AC6DE802509}"/>
+              </a:ext>
+            </a:extLst>
+          </p:cNvPr>
+          <p:cNvPicPr>
+            <a:picLocks noGrp="1" noRot="1" noChangeAspect="1" noMove="1" noResize="1" noEditPoints="1" noAdjustHandles="1" noChangeArrowheads="1" noChangeShapeType="1" noCrop="1"/>
+          </p:cNvPicPr>
+          <p:nvPr/>
+        </p:nvPicPr>
+        <p:blipFill>
+          <a:blip r:embed="rId6" cstate="print">
+            <a:extLst>
+              <a:ext uri="{28A0092B-C50C-407E-A947-70E740481C1C}">
+                <a14:useLocalDpi xmlns:a14="http://schemas.microsoft.com/office/drawing/2010/main" val="0"/>
+              </a:ext>
+            </a:extLst>
+          </a:blip>
+          <a:stretch>
+            <a:fillRect/>
+          </a:stretch>
+        </p:blipFill>
+        <p:spPr>
+          <a:xfrm>
+            <a:off x="7461169" y="6062046"/>
+            <a:ext cx="655838" cy="653675"/>
+          </a:xfrm>
+          <a:prstGeom prst="rect">
+            <a:avLst/>
+          </a:prstGeom>
+        </p:spPr>
+      </p:pic>
     </p:spTree>
     <p:extLst>
       <p:ext uri="{BB962C8B-B14F-4D97-AF65-F5344CB8AC3E}">
@@ -4622,13 +4629,13 @@
   <p:clrMapOvr>
     <a:masterClrMapping/>
   </p:clrMapOvr>
-  <mc:AlternateContent xmlns:mc="http://schemas.openxmlformats.org/markup-compatibility/2006" xmlns:p159="http://schemas.microsoft.com/office/powerpoint/2015/09/main">
-    <mc:Choice Requires="p159">
+  <mc:AlternateContent xmlns:mc="http://schemas.openxmlformats.org/markup-compatibility/2006">
+    <mc:Choice xmlns:p159="http://schemas.microsoft.com/office/powerpoint/2015/09/main" Requires="p159">
       <p:transition xmlns:p14="http://schemas.microsoft.com/office/powerpoint/2010/main" spd="slow" p14:dur="2000">
         <p159:morph option="byObject"/>
       </p:transition>
     </mc:Choice>
-    <mc:Fallback xmlns="">
+    <mc:Fallback>
       <p:transition spd="slow">
         <p:fade/>
       </p:transition>
@@ -4766,7 +4773,7 @@
             </a:r>
             <a:r>
               <a:rPr lang="ro-RO" sz="1200" dirty="0"/>
-              <a:t>Am definit cazuri de testare exhaustivi pentru fiecare funcționalitate cheie, inclusiv interacțiunea utilizatorului cu coșul de cumpărături și procesul de înregistrare și autentificare, pentru a verifica conformitatea cu cerințele specificate și pentru a identifica eventualele probleme sau deficiențe.</a:t>
+              <a:t>Am definit cazuri de testare pentru fiecare funcționalitate cheie, inclusiv interacțiunea utilizatorului cu coșul de cumpărături și procesul de înregistrare și autentificare, pentru a verifica conformitatea cu cerințele specificate și pentru a identifica eventualele probleme sau deficiențe.</a:t>
             </a:r>
           </a:p>
         </p:txBody>
@@ -4975,13 +4982,13 @@
   <p:clrMapOvr>
     <a:masterClrMapping/>
   </p:clrMapOvr>
-  <mc:AlternateContent xmlns:mc="http://schemas.openxmlformats.org/markup-compatibility/2006" xmlns:p159="http://schemas.microsoft.com/office/powerpoint/2015/09/main">
-    <mc:Choice Requires="p159">
+  <mc:AlternateContent xmlns:mc="http://schemas.openxmlformats.org/markup-compatibility/2006">
+    <mc:Choice xmlns:p159="http://schemas.microsoft.com/office/powerpoint/2015/09/main" Requires="p159">
       <p:transition xmlns:p14="http://schemas.microsoft.com/office/powerpoint/2010/main" spd="slow" p14:dur="2000">
         <p159:morph option="byObject"/>
       </p:transition>
     </mc:Choice>
-    <mc:Fallback xmlns="">
+    <mc:Fallback>
       <p:transition spd="slow">
         <p:fade/>
       </p:transition>
@@ -5056,7 +5063,7 @@
         <p:spPr>
           <a:xfrm>
             <a:off x="355000" y="942687"/>
-            <a:ext cx="9746430" cy="1679691"/>
+            <a:ext cx="9746430" cy="2285306"/>
           </a:xfrm>
           <a:prstGeom prst="rect">
             <a:avLst/>
@@ -5084,7 +5091,7 @@
                 <a:ea typeface="Calibri" panose="020F0502020204030204" pitchFamily="34" charset="0"/>
                 <a:cs typeface="Times New Roman" panose="02020603050405020304" pitchFamily="18" charset="0"/>
               </a:rPr>
-              <a:t>Trasability Matrix</a:t>
+              <a:t>Trasability Matrix (Matricea de trasabilitate)</a:t>
             </a:r>
           </a:p>
           <a:p>
@@ -5099,14 +5106,29 @@
               <a:buChar char="•"/>
             </a:pPr>
             <a:r>
-              <a:rPr lang="en-US" sz="1200" dirty="0">
+              <a:rPr lang="en-US" sz="1200" noProof="1">
                 <a:effectLst/>
                 <a:latin typeface="Calibri" panose="020F0502020204030204" pitchFamily="34" charset="0"/>
                 <a:ea typeface="Calibri" panose="020F0502020204030204" pitchFamily="34" charset="0"/>
                 <a:cs typeface="Times New Roman" panose="02020603050405020304" pitchFamily="18" charset="0"/>
               </a:rPr>
-              <a:t>Regular updates to the Traceability matrix help maintain transparency and alignment between testing and project objectives throughout the test life cycle</a:t>
-            </a:r>
+              <a:t>Actualizările regulate ale matricei de trasabilitate ajută la menținerea transparenței și a alinierii între obiectivele de testare și cele de proiect pe tot parcursul ciclului de viață al testului</a:t>
+            </a:r>
+            <a:r>
+              <a:rPr lang="ro-RO" sz="1200" noProof="1">
+                <a:effectLst/>
+                <a:latin typeface="Calibri" panose="020F0502020204030204" pitchFamily="34" charset="0"/>
+                <a:ea typeface="Calibri" panose="020F0502020204030204" pitchFamily="34" charset="0"/>
+                <a:cs typeface="Times New Roman" panose="02020603050405020304" pitchFamily="18" charset="0"/>
+              </a:rPr>
+              <a:t>.</a:t>
+            </a:r>
+            <a:endParaRPr lang="en-US" sz="1200" noProof="1">
+              <a:effectLst/>
+              <a:latin typeface="Calibri" panose="020F0502020204030204" pitchFamily="34" charset="0"/>
+              <a:ea typeface="Calibri" panose="020F0502020204030204" pitchFamily="34" charset="0"/>
+              <a:cs typeface="Times New Roman" panose="02020603050405020304" pitchFamily="18" charset="0"/>
+            </a:endParaRPr>
           </a:p>
           <a:p>
             <a:pPr marL="628650" lvl="1" indent="-171450">
@@ -5120,14 +5142,36 @@
               <a:buChar char="•"/>
             </a:pPr>
             <a:r>
-              <a:rPr lang="en-US" sz="1200" dirty="0">
+              <a:rPr lang="en-US" sz="1200" noProof="1">
                 <a:effectLst/>
                 <a:latin typeface="Calibri" panose="020F0502020204030204" pitchFamily="34" charset="0"/>
                 <a:ea typeface="Calibri" panose="020F0502020204030204" pitchFamily="34" charset="0"/>
                 <a:cs typeface="Times New Roman" panose="02020603050405020304" pitchFamily="18" charset="0"/>
               </a:rPr>
-              <a:t>The matrix indicates the current status of each test case, helping to monitor the testing process and identify any gaps or missing coverage</a:t>
-            </a:r>
+              <a:t>Matricea indică starea curentă a fiecărui caz de testare, ajutând la monitorizarea procesului de testare și la identificarea oricăror lacune sau lips</a:t>
+            </a:r>
+            <a:r>
+              <a:rPr lang="en-US" sz="1200" noProof="1">
+                <a:latin typeface="Calibri" panose="020F0502020204030204" pitchFamily="34" charset="0"/>
+                <a:ea typeface="Calibri" panose="020F0502020204030204" pitchFamily="34" charset="0"/>
+                <a:cs typeface="Times New Roman" panose="02020603050405020304" pitchFamily="18" charset="0"/>
+              </a:rPr>
+              <a:t>ă de acoperire</a:t>
+            </a:r>
+            <a:r>
+              <a:rPr lang="ro-RO" sz="1200" noProof="1">
+                <a:latin typeface="Calibri" panose="020F0502020204030204" pitchFamily="34" charset="0"/>
+                <a:ea typeface="Calibri" panose="020F0502020204030204" pitchFamily="34" charset="0"/>
+                <a:cs typeface="Times New Roman" panose="02020603050405020304" pitchFamily="18" charset="0"/>
+              </a:rPr>
+              <a:t>.</a:t>
+            </a:r>
+            <a:endParaRPr lang="en-US" sz="1200" noProof="1">
+              <a:effectLst/>
+              <a:latin typeface="Calibri" panose="020F0502020204030204" pitchFamily="34" charset="0"/>
+              <a:ea typeface="Calibri" panose="020F0502020204030204" pitchFamily="34" charset="0"/>
+              <a:cs typeface="Times New Roman" panose="02020603050405020304" pitchFamily="18" charset="0"/>
+            </a:endParaRPr>
           </a:p>
           <a:p>
             <a:pPr marL="628650" lvl="1" indent="-171450">
@@ -5141,88 +5185,82 @@
               <a:buChar char="•"/>
             </a:pPr>
             <a:r>
-              <a:rPr lang="en-US" sz="1200" dirty="0">
+              <a:rPr lang="en-US" sz="1200" noProof="1">
                 <a:effectLst/>
                 <a:latin typeface="Calibri" panose="020F0502020204030204" pitchFamily="34" charset="0"/>
                 <a:ea typeface="Calibri" panose="020F0502020204030204" pitchFamily="34" charset="0"/>
                 <a:cs typeface="Times New Roman" panose="02020603050405020304" pitchFamily="18" charset="0"/>
               </a:rPr>
-              <a:t>The matrix can be used for compliance purposes and to demonstrate that all requirements have been adequately tested and verified</a:t>
-            </a:r>
+              <a:t>Matricea poate fi utilizată în scopuri de conformitate și pentru a </a:t>
+            </a:r>
+            <a:r>
+              <a:rPr lang="ro-RO" sz="1200" noProof="1">
+                <a:effectLst/>
+                <a:latin typeface="Calibri" panose="020F0502020204030204" pitchFamily="34" charset="0"/>
+                <a:ea typeface="Calibri" panose="020F0502020204030204" pitchFamily="34" charset="0"/>
+                <a:cs typeface="Times New Roman" panose="02020603050405020304" pitchFamily="18" charset="0"/>
+              </a:rPr>
+              <a:t>demonstra</a:t>
+            </a:r>
+            <a:r>
+              <a:rPr lang="en-US" sz="1200" noProof="1">
+                <a:effectLst/>
+                <a:latin typeface="Calibri" panose="020F0502020204030204" pitchFamily="34" charset="0"/>
+                <a:ea typeface="Calibri" panose="020F0502020204030204" pitchFamily="34" charset="0"/>
+                <a:cs typeface="Times New Roman" panose="02020603050405020304" pitchFamily="18" charset="0"/>
+              </a:rPr>
+              <a:t> că toate cerințele au fost testate și verificate în mod adecvat</a:t>
+            </a:r>
+            <a:r>
+              <a:rPr lang="ro-RO" sz="1200" noProof="1">
+                <a:effectLst/>
+                <a:latin typeface="Calibri" panose="020F0502020204030204" pitchFamily="34" charset="0"/>
+                <a:ea typeface="Calibri" panose="020F0502020204030204" pitchFamily="34" charset="0"/>
+                <a:cs typeface="Times New Roman" panose="02020603050405020304" pitchFamily="18" charset="0"/>
+              </a:rPr>
+              <a:t>.</a:t>
+            </a:r>
+            <a:endParaRPr lang="en-US" sz="1200" noProof="1">
+              <a:effectLst/>
+              <a:latin typeface="Calibri" panose="020F0502020204030204" pitchFamily="34" charset="0"/>
+              <a:ea typeface="Calibri" panose="020F0502020204030204" pitchFamily="34" charset="0"/>
+              <a:cs typeface="Times New Roman" panose="02020603050405020304" pitchFamily="18" charset="0"/>
+            </a:endParaRPr>
           </a:p>
           <a:p>
             <a:pPr>
               <a:lnSpc>
-                <a:spcPct val="107000"/>
+                <a:spcPct val="150000"/>
               </a:lnSpc>
               <a:spcAft>
                 <a:spcPts val="800"/>
               </a:spcAft>
             </a:pPr>
             <a:r>
-              <a:rPr lang="ro-RO" sz="1200" dirty="0">
+              <a:rPr lang="en-US" sz="1200" noProof="1">
                 <a:effectLst/>
                 <a:latin typeface="Calibri" panose="020F0502020204030204" pitchFamily="34" charset="0"/>
                 <a:ea typeface="Calibri" panose="020F0502020204030204" pitchFamily="34" charset="0"/>
                 <a:cs typeface="Calibri" panose="020F0502020204030204" pitchFamily="34" charset="0"/>
               </a:rPr>
-              <a:t>	</a:t>
-            </a:r>
-            <a:r>
-              <a:rPr lang="en-US" sz="1200" dirty="0">
-                <a:effectLst/>
-                <a:latin typeface="Calibri" panose="020F0502020204030204" pitchFamily="34" charset="0"/>
-                <a:ea typeface="Calibri" panose="020F0502020204030204" pitchFamily="34" charset="0"/>
-                <a:cs typeface="Calibri" panose="020F0502020204030204" pitchFamily="34" charset="0"/>
-              </a:rPr>
-              <a:t>The </a:t>
-            </a:r>
-            <a:r>
-              <a:rPr lang="en-US" sz="1200" dirty="0">
-                <a:effectLst/>
-                <a:latin typeface="Calibri" panose="020F0502020204030204" pitchFamily="34" charset="0"/>
-                <a:ea typeface="Calibri" panose="020F0502020204030204" pitchFamily="34" charset="0"/>
-                <a:cs typeface="Times New Roman" panose="02020603050405020304" pitchFamily="18" charset="0"/>
-              </a:rPr>
-              <a:t>traceability matrix</a:t>
-            </a:r>
-            <a:r>
-              <a:rPr lang="en-US" sz="1200" dirty="0">
-                <a:effectLst/>
-                <a:latin typeface="Calibri" panose="020F0502020204030204" pitchFamily="34" charset="0"/>
-                <a:ea typeface="Calibri" panose="020F0502020204030204" pitchFamily="34" charset="0"/>
-                <a:cs typeface="Calibri" panose="020F0502020204030204" pitchFamily="34" charset="0"/>
-              </a:rPr>
-              <a:t> was can be found here:</a:t>
-            </a:r>
-            <a:r>
-              <a:rPr lang="en-US" sz="900" dirty="0">
-                <a:effectLst/>
-                <a:latin typeface="Calibri" panose="020F0502020204030204" pitchFamily="34" charset="0"/>
-                <a:ea typeface="Calibri" panose="020F0502020204030204" pitchFamily="34" charset="0"/>
-                <a:cs typeface="Times New Roman" panose="02020603050405020304" pitchFamily="18" charset="0"/>
-              </a:rPr>
-              <a:t> </a:t>
-            </a:r>
-            <a:r>
-              <a:rPr lang="en-US" sz="1200" dirty="0">
-                <a:effectLst/>
-                <a:latin typeface="Calibri" panose="020F0502020204030204" pitchFamily="34" charset="0"/>
-                <a:ea typeface="Calibri" panose="020F0502020204030204" pitchFamily="34" charset="0"/>
-                <a:cs typeface="Times New Roman" panose="02020603050405020304" pitchFamily="18" charset="0"/>
-              </a:rPr>
-              <a:t> </a:t>
-            </a:r>
-            <a:r>
-              <a:rPr lang="en-US" sz="1200" u="sng" noProof="1">
-                <a:effectLst/>
-                <a:latin typeface="Calibri" panose="020F0502020204030204" pitchFamily="34" charset="0"/>
-                <a:ea typeface="Calibri" panose="020F0502020204030204" pitchFamily="34" charset="0"/>
-                <a:cs typeface="Calibri" panose="020F0502020204030204" pitchFamily="34" charset="0"/>
-                <a:hlinkClick r:id="rId2"/>
-              </a:rPr>
-              <a:t>Traceability Matrix</a:t>
-            </a:r>
+              <a:t>	 Matricea de trasabilitate poate fi găsită</a:t>
+            </a:r>
+            <a:endParaRPr lang="ro-RO" sz="1200" noProof="1">
+              <a:effectLst/>
+              <a:latin typeface="Calibri" panose="020F0502020204030204" pitchFamily="34" charset="0"/>
+              <a:ea typeface="Calibri" panose="020F0502020204030204" pitchFamily="34" charset="0"/>
+              <a:cs typeface="Calibri" panose="020F0502020204030204" pitchFamily="34" charset="0"/>
+            </a:endParaRPr>
+          </a:p>
+          <a:p>
+            <a:pPr>
+              <a:lnSpc>
+                <a:spcPct val="150000"/>
+              </a:lnSpc>
+              <a:spcAft>
+                <a:spcPts val="800"/>
+              </a:spcAft>
+            </a:pPr>
             <a:endParaRPr lang="en-US" sz="1050" u="sng" noProof="1">
               <a:latin typeface="Calibri" panose="020F0502020204030204" pitchFamily="34" charset="0"/>
               <a:ea typeface="Calibri" panose="020F0502020204030204" pitchFamily="34" charset="0"/>
@@ -5246,7 +5284,7 @@
           <p:nvPr/>
         </p:nvPicPr>
         <p:blipFill>
-          <a:blip r:embed="rId3" cstate="print">
+          <a:blip r:embed="rId2" cstate="print">
             <a:extLst>
               <a:ext uri="{28A0092B-C50C-407E-A947-70E740481C1C}">
                 <a14:useLocalDpi xmlns:a14="http://schemas.microsoft.com/office/drawing/2010/main" val="0"/>
@@ -5282,7 +5320,7 @@
           <p:nvPr/>
         </p:nvPicPr>
         <p:blipFill>
-          <a:blip r:embed="rId4">
+          <a:blip r:embed="rId3">
             <a:extLst>
               <a:ext uri="{28A0092B-C50C-407E-A947-70E740481C1C}">
                 <a14:useLocalDpi xmlns:a14="http://schemas.microsoft.com/office/drawing/2010/main" val="0"/>
@@ -5295,7 +5333,7 @@
         </p:blipFill>
         <p:spPr>
           <a:xfrm>
-            <a:off x="516424" y="2943181"/>
+            <a:off x="592624" y="3095581"/>
             <a:ext cx="8692122" cy="3190779"/>
           </a:xfrm>
           <a:prstGeom prst="rect">
@@ -5310,6 +5348,110 @@
           </a:ln>
         </p:spPr>
       </p:pic>
+      <p:sp>
+        <p:nvSpPr>
+          <p:cNvPr id="27" name="Flowchart: Stored Data 26">
+            <a:hlinkClick r:id="rId4"/>
+            <a:extLst>
+              <a:ext uri="{FF2B5EF4-FFF2-40B4-BE49-F238E27FC236}">
+                <a16:creationId xmlns:a16="http://schemas.microsoft.com/office/drawing/2014/main" id="{1332300F-5F94-FD9A-E071-F5A7B273FF2A}"/>
+              </a:ext>
+            </a:extLst>
+          </p:cNvPr>
+          <p:cNvSpPr/>
+          <p:nvPr/>
+        </p:nvSpPr>
+        <p:spPr>
+          <a:xfrm rot="10800000" flipV="1">
+            <a:off x="3754470" y="2609782"/>
+            <a:ext cx="714379" cy="215890"/>
+          </a:xfrm>
+          <a:prstGeom prst="flowChartOnlineStorage">
+            <a:avLst/>
+          </a:prstGeom>
+          <a:gradFill flip="none" rotWithShape="1">
+            <a:gsLst>
+              <a:gs pos="0">
+                <a:schemeClr val="accent6">
+                  <a:lumMod val="67000"/>
+                </a:schemeClr>
+              </a:gs>
+              <a:gs pos="48000">
+                <a:schemeClr val="accent6">
+                  <a:lumMod val="97000"/>
+                  <a:lumOff val="3000"/>
+                </a:schemeClr>
+              </a:gs>
+              <a:gs pos="100000">
+                <a:schemeClr val="accent6">
+                  <a:lumMod val="60000"/>
+                  <a:lumOff val="40000"/>
+                </a:schemeClr>
+              </a:gs>
+            </a:gsLst>
+            <a:lin ang="16200000" scaled="1"/>
+            <a:tileRect/>
+          </a:gradFill>
+          <a:ln>
+            <a:solidFill>
+              <a:schemeClr val="accent6"/>
+            </a:solidFill>
+          </a:ln>
+          <a:effectLst>
+            <a:reflection blurRad="6350" stA="52000" endA="300" endPos="35000" dir="5400000" sy="-100000" algn="bl" rotWithShape="0"/>
+          </a:effectLst>
+          <a:scene3d>
+            <a:camera prst="obliqueBottomRight"/>
+            <a:lightRig rig="threePt" dir="t"/>
+          </a:scene3d>
+        </p:spPr>
+        <p:style>
+          <a:lnRef idx="0">
+            <a:scrgbClr r="0" g="0" b="0"/>
+          </a:lnRef>
+          <a:fillRef idx="0">
+            <a:scrgbClr r="0" g="0" b="0"/>
+          </a:fillRef>
+          <a:effectRef idx="0">
+            <a:scrgbClr r="0" g="0" b="0"/>
+          </a:effectRef>
+          <a:fontRef idx="minor">
+            <a:schemeClr val="lt1"/>
+          </a:fontRef>
+        </p:style>
+        <p:txBody>
+          <a:bodyPr rtlCol="0" anchor="ctr">
+            <a:noAutofit/>
+            <a:scene3d>
+              <a:camera prst="orthographicFront">
+                <a:rot lat="0" lon="0" rev="10799999"/>
+              </a:camera>
+              <a:lightRig rig="threePt" dir="t"/>
+            </a:scene3d>
+          </a:bodyPr>
+          <a:lstStyle/>
+          <a:p>
+            <a:pPr algn="ctr"/>
+            <a:r>
+              <a:rPr lang="ro-RO" sz="1400" b="1" dirty="0">
+                <a:solidFill>
+                  <a:schemeClr val="tx2">
+                    <a:lumMod val="75000"/>
+                  </a:schemeClr>
+                </a:solidFill>
+              </a:rPr>
+              <a:t>aici</a:t>
+            </a:r>
+            <a:endParaRPr lang="en-US" sz="1400" b="1" dirty="0">
+              <a:solidFill>
+                <a:schemeClr val="tx2">
+                  <a:lumMod val="75000"/>
+                </a:schemeClr>
+              </a:solidFill>
+            </a:endParaRPr>
+          </a:p>
+        </p:txBody>
+      </p:sp>
     </p:spTree>
     <p:extLst>
       <p:ext uri="{BB962C8B-B14F-4D97-AF65-F5344CB8AC3E}">
@@ -5320,13 +5462,13 @@
   <p:clrMapOvr>
     <a:masterClrMapping/>
   </p:clrMapOvr>
-  <mc:AlternateContent xmlns:mc="http://schemas.openxmlformats.org/markup-compatibility/2006" xmlns:p159="http://schemas.microsoft.com/office/powerpoint/2015/09/main">
-    <mc:Choice Requires="p159">
+  <mc:AlternateContent xmlns:mc="http://schemas.openxmlformats.org/markup-compatibility/2006">
+    <mc:Choice xmlns:p159="http://schemas.microsoft.com/office/powerpoint/2015/09/main" Requires="p159">
       <p:transition xmlns:p14="http://schemas.microsoft.com/office/powerpoint/2010/main" spd="slow" p14:dur="2000">
         <p159:morph option="byObject"/>
       </p:transition>
     </mc:Choice>
-    <mc:Fallback xmlns="">
+    <mc:Fallback>
       <p:transition spd="slow">
         <p:fade/>
       </p:transition>
@@ -5707,8 +5849,8 @@
         </p:nvSpPr>
         <p:spPr>
           <a:xfrm>
-            <a:off x="5371677" y="3584578"/>
-            <a:ext cx="4356847" cy="2954655"/>
+            <a:off x="5436770" y="3584578"/>
+            <a:ext cx="4356847" cy="3031599"/>
           </a:xfrm>
           <a:prstGeom prst="rect">
             <a:avLst/>
@@ -5787,7 +5929,7 @@
                 <a:spcPts val="300"/>
               </a:spcBef>
               <a:spcAft>
-                <a:spcPts val="200"/>
+                <a:spcPts val="500"/>
               </a:spcAft>
               <a:buSzPts val="1000"/>
               <a:buFont typeface="Courier New" panose="02070309020205020404" pitchFamily="49" charset="0"/>
@@ -5882,7 +6024,25 @@
                 <a:latin typeface="Arial" panose="020B0604020202020204" pitchFamily="34" charset="0"/>
                 <a:cs typeface="Arial" panose="020B0604020202020204" pitchFamily="34" charset="0"/>
               </a:rPr>
-              <a:t>lipsa imaginilor produselor în indicatorul coșului, indicatorul coșului nu se actualizează.</a:t>
+              <a:t>lipsa imaginilor produselor în indicatorul coșului,</a:t>
+            </a:r>
+          </a:p>
+          <a:p>
+            <a:pPr marL="457200" lvl="4">
+              <a:spcBef>
+                <a:spcPts val="300"/>
+              </a:spcBef>
+              <a:buSzPts val="1000"/>
+              <a:tabLst>
+                <a:tab pos="914400" algn="l"/>
+              </a:tabLst>
+            </a:pPr>
+            <a:r>
+              <a:rPr lang="ro-RO" sz="1200" noProof="1">
+                <a:latin typeface="Arial" panose="020B0604020202020204" pitchFamily="34" charset="0"/>
+                <a:cs typeface="Arial" panose="020B0604020202020204" pitchFamily="34" charset="0"/>
+              </a:rPr>
+              <a:t>   indicatorul coșului nu se actualizează.</a:t>
             </a:r>
           </a:p>
         </p:txBody>
@@ -5915,7 +6075,7 @@
         </p:blipFill>
         <p:spPr>
           <a:xfrm>
-            <a:off x="5436770" y="5061906"/>
+            <a:off x="5462990" y="5061906"/>
             <a:ext cx="196307" cy="244113"/>
           </a:xfrm>
           <a:prstGeom prst="rect">
@@ -5951,7 +6111,7 @@
         </p:blipFill>
         <p:spPr>
           <a:xfrm>
-            <a:off x="5436771" y="3620082"/>
+            <a:off x="5462991" y="3584578"/>
             <a:ext cx="196307" cy="244113"/>
           </a:xfrm>
           <a:prstGeom prst="rect">
@@ -5969,13 +6129,13 @@
   <p:clrMapOvr>
     <a:masterClrMapping/>
   </p:clrMapOvr>
-  <mc:AlternateContent xmlns:mc="http://schemas.openxmlformats.org/markup-compatibility/2006" xmlns:p159="http://schemas.microsoft.com/office/powerpoint/2015/09/main">
-    <mc:Choice Requires="p159">
+  <mc:AlternateContent xmlns:mc="http://schemas.openxmlformats.org/markup-compatibility/2006">
+    <mc:Choice xmlns:p159="http://schemas.microsoft.com/office/powerpoint/2015/09/main" Requires="p159">
       <p:transition xmlns:p14="http://schemas.microsoft.com/office/powerpoint/2010/main" spd="slow" p14:dur="2000">
         <p159:morph option="byObject"/>
       </p:transition>
     </mc:Choice>
-    <mc:Fallback xmlns="">
+    <mc:Fallback>
       <p:transition spd="slow">
         <p:fade/>
       </p:transition>
@@ -6283,12 +6443,12 @@
               <a:buNone/>
             </a:pPr>
             <a:r>
-              <a:rPr lang="en-US" sz="4800" b="1" dirty="0">
+              <a:rPr lang="en-US" sz="4800" b="1" noProof="1">
                 <a:latin typeface="Arial" panose="020B0604020202020204" pitchFamily="34" charset="0"/>
                 <a:ea typeface="Times New Roman" panose="02020603050405020304" pitchFamily="18" charset="0"/>
                 <a:cs typeface="Arial" panose="020B0604020202020204" pitchFamily="34" charset="0"/>
               </a:rPr>
-              <a:t>Detailed Breakdown:</a:t>
+              <a:t>Defalcare detaliată:</a:t>
             </a:r>
           </a:p>
           <a:p>
@@ -6388,6 +6548,9 @@
             </a:pPr>
             <a:r>
               <a:rPr lang="en-US" sz="4600" b="1" dirty="0">
+                <a:solidFill>
+                  <a:srgbClr val="75B000"/>
+                </a:solidFill>
                 <a:latin typeface="Arial" panose="020B0604020202020204" pitchFamily="34" charset="0"/>
                 <a:ea typeface="Times New Roman" panose="02020603050405020304" pitchFamily="18" charset="0"/>
                 <a:cs typeface="Arial" panose="020B0604020202020204" pitchFamily="34" charset="0"/>
@@ -6425,6 +6588,9 @@
             </a:pPr>
             <a:r>
               <a:rPr lang="en-US" sz="4600" b="1" dirty="0">
+                <a:solidFill>
+                  <a:srgbClr val="CC3300"/>
+                </a:solidFill>
                 <a:latin typeface="Arial" panose="020B0604020202020204" pitchFamily="34" charset="0"/>
                 <a:ea typeface="Times New Roman" panose="02020603050405020304" pitchFamily="18" charset="0"/>
                 <a:cs typeface="Arial" panose="020B0604020202020204" pitchFamily="34" charset="0"/>
@@ -6462,6 +6628,9 @@
             </a:pPr>
             <a:r>
               <a:rPr lang="en-US" sz="4600" b="1" dirty="0">
+                <a:solidFill>
+                  <a:srgbClr val="6693B0"/>
+                </a:solidFill>
                 <a:latin typeface="Arial" panose="020B0604020202020204" pitchFamily="34" charset="0"/>
                 <a:ea typeface="Times New Roman" panose="02020603050405020304" pitchFamily="18" charset="0"/>
                 <a:cs typeface="Arial" panose="020B0604020202020204" pitchFamily="34" charset="0"/>
@@ -6499,6 +6668,9 @@
             </a:pPr>
             <a:r>
               <a:rPr lang="en-US" sz="4600" b="1" dirty="0">
+                <a:solidFill>
+                  <a:srgbClr val="FF0000"/>
+                </a:solidFill>
                 <a:latin typeface="Arial" panose="020B0604020202020204" pitchFamily="34" charset="0"/>
                 <a:ea typeface="Times New Roman" panose="02020603050405020304" pitchFamily="18" charset="0"/>
                 <a:cs typeface="Arial" panose="020B0604020202020204" pitchFamily="34" charset="0"/>
@@ -6730,14 +6902,14 @@
               <a:buNone/>
             </a:pPr>
             <a:r>
-              <a:rPr lang="en-US" sz="1200" b="1" dirty="0">
+              <a:rPr lang="en-US" sz="1200" b="1" noProof="1">
                 <a:latin typeface="Arial" panose="020B0604020202020204" pitchFamily="34" charset="0"/>
                 <a:ea typeface="Times New Roman" panose="02020603050405020304" pitchFamily="18" charset="0"/>
                 <a:cs typeface="Arial" panose="020B0604020202020204" pitchFamily="34" charset="0"/>
               </a:rPr>
-              <a:t>Overview of User Stories and Tests:</a:t>
-            </a:r>
-            <a:endParaRPr lang="ro-RO" sz="1200" dirty="0">
+              <a:t>Prezentare generală - User Stories and Tests:</a:t>
+            </a:r>
+            <a:endParaRPr lang="en-US" sz="1200" noProof="1">
               <a:latin typeface="Arial" panose="020B0604020202020204" pitchFamily="34" charset="0"/>
               <a:ea typeface="Calibri" panose="020F0502020204030204" pitchFamily="34" charset="0"/>
               <a:cs typeface="Arial" panose="020B0604020202020204" pitchFamily="34" charset="0"/>
@@ -6756,7 +6928,7 @@
               </a:tabLst>
             </a:pPr>
             <a:r>
-              <a:rPr lang="en-US" sz="1200" b="1" dirty="0">
+              <a:rPr lang="en-US" sz="1200" b="1" noProof="1">
                 <a:latin typeface="Arial" panose="020B0604020202020204" pitchFamily="34" charset="0"/>
                 <a:ea typeface="Times New Roman" panose="02020603050405020304" pitchFamily="18" charset="0"/>
                 <a:cs typeface="Arial" panose="020B0604020202020204" pitchFamily="34" charset="0"/>
@@ -6764,14 +6936,14 @@
               <a:t>Total User Stories:</a:t>
             </a:r>
             <a:r>
-              <a:rPr lang="en-US" sz="1200" dirty="0">
+              <a:rPr lang="en-US" sz="1200" noProof="1">
                 <a:latin typeface="Arial" panose="020B0604020202020204" pitchFamily="34" charset="0"/>
                 <a:ea typeface="Times New Roman" panose="02020603050405020304" pitchFamily="18" charset="0"/>
                 <a:cs typeface="Arial" panose="020B0604020202020204" pitchFamily="34" charset="0"/>
               </a:rPr>
               <a:t> 4</a:t>
             </a:r>
-            <a:endParaRPr lang="ro-RO" sz="1200" dirty="0">
+            <a:endParaRPr lang="en-US" sz="1200" noProof="1">
               <a:latin typeface="Arial" panose="020B0604020202020204" pitchFamily="34" charset="0"/>
               <a:ea typeface="Calibri" panose="020F0502020204030204" pitchFamily="34" charset="0"/>
               <a:cs typeface="Arial" panose="020B0604020202020204" pitchFamily="34" charset="0"/>
@@ -6793,14 +6965,14 @@
               </a:tabLst>
             </a:pPr>
             <a:r>
-              <a:rPr lang="en-US" sz="1200" dirty="0">
+              <a:rPr lang="en-US" sz="1200" noProof="1">
                 <a:latin typeface="Arial" panose="020B0604020202020204" pitchFamily="34" charset="0"/>
                 <a:ea typeface="Times New Roman" panose="02020603050405020304" pitchFamily="18" charset="0"/>
                 <a:cs typeface="Arial" panose="020B0604020202020204" pitchFamily="34" charset="0"/>
               </a:rPr>
-              <a:t>Story 1: Browsing products (26 tests)</a:t>
-            </a:r>
-            <a:endParaRPr lang="ro-RO" sz="1200" dirty="0">
+              <a:t>Story 1: Browsing products (26 teste)</a:t>
+            </a:r>
+            <a:endParaRPr lang="en-US" sz="1200" noProof="1">
               <a:latin typeface="Arial" panose="020B0604020202020204" pitchFamily="34" charset="0"/>
               <a:ea typeface="Calibri" panose="020F0502020204030204" pitchFamily="34" charset="0"/>
               <a:cs typeface="Arial" panose="020B0604020202020204" pitchFamily="34" charset="0"/>
@@ -6822,14 +6994,14 @@
               </a:tabLst>
             </a:pPr>
             <a:r>
-              <a:rPr lang="en-US" sz="1200" dirty="0">
+              <a:rPr lang="en-US" sz="1200" noProof="1">
                 <a:latin typeface="Arial" panose="020B0604020202020204" pitchFamily="34" charset="0"/>
                 <a:ea typeface="Times New Roman" panose="02020603050405020304" pitchFamily="18" charset="0"/>
                 <a:cs typeface="Arial" panose="020B0604020202020204" pitchFamily="34" charset="0"/>
               </a:rPr>
-              <a:t>Story 2: Managing items in the shopping cart (35 tests)</a:t>
-            </a:r>
-            <a:endParaRPr lang="ro-RO" sz="1200" dirty="0">
+              <a:t>Story 2: Managing items in the shopping cart (35 teste)</a:t>
+            </a:r>
+            <a:endParaRPr lang="en-US" sz="1200" noProof="1">
               <a:latin typeface="Arial" panose="020B0604020202020204" pitchFamily="34" charset="0"/>
               <a:ea typeface="Calibri" panose="020F0502020204030204" pitchFamily="34" charset="0"/>
               <a:cs typeface="Arial" panose="020B0604020202020204" pitchFamily="34" charset="0"/>
@@ -6851,14 +7023,14 @@
               </a:tabLst>
             </a:pPr>
             <a:r>
-              <a:rPr lang="en-US" sz="1200" dirty="0">
+              <a:rPr lang="en-US" sz="1200" noProof="1">
                 <a:latin typeface="Arial" panose="020B0604020202020204" pitchFamily="34" charset="0"/>
                 <a:ea typeface="Times New Roman" panose="02020603050405020304" pitchFamily="18" charset="0"/>
                 <a:cs typeface="Arial" panose="020B0604020202020204" pitchFamily="34" charset="0"/>
               </a:rPr>
-              <a:t>Story 3: Completing the checkout process (77 tests)</a:t>
-            </a:r>
-            <a:endParaRPr lang="ro-RO" sz="1200" dirty="0">
+              <a:t>Story 3: Completing the checkout process (77 teste)</a:t>
+            </a:r>
+            <a:endParaRPr lang="en-US" sz="1200" noProof="1">
               <a:latin typeface="Arial" panose="020B0604020202020204" pitchFamily="34" charset="0"/>
               <a:ea typeface="Calibri" panose="020F0502020204030204" pitchFamily="34" charset="0"/>
               <a:cs typeface="Arial" panose="020B0604020202020204" pitchFamily="34" charset="0"/>
@@ -6883,18 +7055,13 @@
               </a:tabLst>
             </a:pPr>
             <a:r>
-              <a:rPr lang="en-US" sz="1200" dirty="0">
+              <a:rPr lang="en-US" sz="1200" noProof="1">
                 <a:latin typeface="Arial" panose="020B0604020202020204" pitchFamily="34" charset="0"/>
                 <a:ea typeface="Times New Roman" panose="02020603050405020304" pitchFamily="18" charset="0"/>
                 <a:cs typeface="Arial" panose="020B0604020202020204" pitchFamily="34" charset="0"/>
               </a:rPr>
-              <a:t>Story 4: User registration and login (74 tests)</a:t>
-            </a:r>
-            <a:endParaRPr lang="ro-RO" sz="1200" dirty="0">
-              <a:latin typeface="Arial" panose="020B0604020202020204" pitchFamily="34" charset="0"/>
-              <a:ea typeface="Times New Roman" panose="02020603050405020304" pitchFamily="18" charset="0"/>
-              <a:cs typeface="Arial" panose="020B0604020202020204" pitchFamily="34" charset="0"/>
-            </a:endParaRPr>
+              <a:t>Story 4: User registration and login (74 teste)</a:t>
+            </a:r>
           </a:p>
           <a:p>
             <a:pPr>
@@ -6910,22 +7077,38 @@
               </a:tabLst>
             </a:pPr>
             <a:r>
-              <a:rPr lang="en-US" sz="1200" b="1" dirty="0">
+              <a:rPr lang="en-US" sz="1200" b="1" noProof="1">
                 <a:latin typeface="Arial" panose="020B0604020202020204" pitchFamily="34" charset="0"/>
                 <a:ea typeface="Times New Roman" panose="02020603050405020304" pitchFamily="18" charset="0"/>
                 <a:cs typeface="Arial" panose="020B0604020202020204" pitchFamily="34" charset="0"/>
               </a:rPr>
-              <a:t>Tests executed User Stories:</a:t>
-            </a:r>
-            <a:r>
-              <a:rPr lang="en-US" sz="1200" dirty="0">
+              <a:t>Teste </a:t>
+            </a:r>
+            <a:r>
+              <a:rPr lang="ro-RO" sz="1200" b="1" noProof="1">
                 <a:latin typeface="Arial" panose="020B0604020202020204" pitchFamily="34" charset="0"/>
                 <a:ea typeface="Times New Roman" panose="02020603050405020304" pitchFamily="18" charset="0"/>
                 <a:cs typeface="Arial" panose="020B0604020202020204" pitchFamily="34" charset="0"/>
               </a:rPr>
-              <a:t> 2 (109 tests)</a:t>
-            </a:r>
-            <a:endParaRPr lang="ro-RO" sz="1200" dirty="0">
+              <a:t>teste </a:t>
+            </a:r>
+            <a:r>
+              <a:rPr lang="en-US" sz="1200" b="1" noProof="1">
+                <a:latin typeface="Arial" panose="020B0604020202020204" pitchFamily="34" charset="0"/>
+                <a:ea typeface="Times New Roman" panose="02020603050405020304" pitchFamily="18" charset="0"/>
+                <a:cs typeface="Arial" panose="020B0604020202020204" pitchFamily="34" charset="0"/>
+              </a:rPr>
+              <a:t>rulate per User Stories:</a:t>
+            </a:r>
+            <a:r>
+              <a:rPr lang="en-US" sz="1200" noProof="1">
+                <a:latin typeface="Arial" panose="020B0604020202020204" pitchFamily="34" charset="0"/>
+                <a:ea typeface="Times New Roman" panose="02020603050405020304" pitchFamily="18" charset="0"/>
+                <a:cs typeface="Arial" panose="020B0604020202020204" pitchFamily="34" charset="0"/>
+              </a:rPr>
+              <a:t> 2 (109 teste)</a:t>
+            </a:r>
+            <a:endParaRPr lang="en-US" sz="1200" noProof="1">
               <a:latin typeface="Arial" panose="020B0604020202020204" pitchFamily="34" charset="0"/>
               <a:ea typeface="Calibri" panose="020F0502020204030204" pitchFamily="34" charset="0"/>
               <a:cs typeface="Arial" panose="020B0604020202020204" pitchFamily="34" charset="0"/>
@@ -6947,14 +7130,14 @@
               </a:tabLst>
             </a:pPr>
             <a:r>
-              <a:rPr lang="en-US" sz="1200" dirty="0">
+              <a:rPr lang="en-US" sz="1200" noProof="1">
                 <a:latin typeface="Arial" panose="020B0604020202020204" pitchFamily="34" charset="0"/>
                 <a:ea typeface="Times New Roman" panose="02020603050405020304" pitchFamily="18" charset="0"/>
                 <a:cs typeface="Arial" panose="020B0604020202020204" pitchFamily="34" charset="0"/>
               </a:rPr>
-              <a:t>Story 2: Managing items in the shopping cart</a:t>
-            </a:r>
-            <a:endParaRPr lang="ro-RO" sz="1200" dirty="0">
+              <a:t>Story 2: Managing items in the shopping cart (35 teste)</a:t>
+            </a:r>
+            <a:endParaRPr lang="en-US" sz="1200" noProof="1">
               <a:latin typeface="Arial" panose="020B0604020202020204" pitchFamily="34" charset="0"/>
               <a:ea typeface="Calibri" panose="020F0502020204030204" pitchFamily="34" charset="0"/>
               <a:cs typeface="Arial" panose="020B0604020202020204" pitchFamily="34" charset="0"/>
@@ -6979,14 +7162,14 @@
               </a:tabLst>
             </a:pPr>
             <a:r>
-              <a:rPr lang="en-US" sz="1200" dirty="0">
+              <a:rPr lang="en-US" sz="1200" noProof="1">
                 <a:latin typeface="Arial" panose="020B0604020202020204" pitchFamily="34" charset="0"/>
                 <a:ea typeface="Times New Roman" panose="02020603050405020304" pitchFamily="18" charset="0"/>
                 <a:cs typeface="Arial" panose="020B0604020202020204" pitchFamily="34" charset="0"/>
               </a:rPr>
-              <a:t>Story 4: User registration and login</a:t>
-            </a:r>
-            <a:endParaRPr lang="ro-RO" sz="1200" dirty="0">
+              <a:t>Story 4: User registration and login (74 teste)</a:t>
+            </a:r>
+            <a:endParaRPr lang="en-US" sz="1200" noProof="1">
               <a:latin typeface="Arial" panose="020B0604020202020204" pitchFamily="34" charset="0"/>
               <a:ea typeface="Calibri" panose="020F0502020204030204" pitchFamily="34" charset="0"/>
               <a:cs typeface="Arial" panose="020B0604020202020204" pitchFamily="34" charset="0"/>
@@ -7002,22 +7185,22 @@
               </a:tabLst>
             </a:pPr>
             <a:r>
-              <a:rPr lang="en-US" sz="1200" b="1" dirty="0">
+              <a:rPr lang="en-US" sz="1200" b="1" noProof="1">
                 <a:latin typeface="Arial" panose="020B0604020202020204" pitchFamily="34" charset="0"/>
                 <a:ea typeface="Times New Roman" panose="02020603050405020304" pitchFamily="18" charset="0"/>
                 <a:cs typeface="Arial" panose="020B0604020202020204" pitchFamily="34" charset="0"/>
               </a:rPr>
-              <a:t>Total Tests Written:</a:t>
-            </a:r>
-            <a:r>
-              <a:rPr lang="en-US" sz="1200" dirty="0">
+              <a:t>Total teste scrise:</a:t>
+            </a:r>
+            <a:r>
+              <a:rPr lang="en-US" sz="1200" noProof="1">
                 <a:latin typeface="Arial" panose="020B0604020202020204" pitchFamily="34" charset="0"/>
                 <a:ea typeface="Times New Roman" panose="02020603050405020304" pitchFamily="18" charset="0"/>
                 <a:cs typeface="Arial" panose="020B0604020202020204" pitchFamily="34" charset="0"/>
               </a:rPr>
               <a:t> 212</a:t>
             </a:r>
-            <a:endParaRPr lang="ro-RO" sz="1200" dirty="0">
+            <a:endParaRPr lang="en-US" sz="1200" noProof="1">
               <a:latin typeface="Arial" panose="020B0604020202020204" pitchFamily="34" charset="0"/>
               <a:ea typeface="Calibri" panose="020F0502020204030204" pitchFamily="34" charset="0"/>
               <a:cs typeface="Arial" panose="020B0604020202020204" pitchFamily="34" charset="0"/>
@@ -7039,23 +7222,39 @@
               </a:tabLst>
             </a:pPr>
             <a:r>
-              <a:rPr lang="en-US" sz="1200" b="1" dirty="0">
+              <a:rPr lang="en-US" sz="1200" b="1" noProof="1">
                 <a:latin typeface="Arial" panose="020B0604020202020204" pitchFamily="34" charset="0"/>
                 <a:ea typeface="Times New Roman" panose="02020603050405020304" pitchFamily="18" charset="0"/>
                 <a:cs typeface="Arial" panose="020B0604020202020204" pitchFamily="34" charset="0"/>
               </a:rPr>
-              <a:t>Tests Executed:</a:t>
-            </a:r>
-            <a:r>
-              <a:rPr lang="en-US" sz="1200" dirty="0">
+              <a:t>Teste </a:t>
+            </a:r>
+            <a:r>
+              <a:rPr lang="ro-RO" sz="1200" b="1" noProof="1">
                 <a:latin typeface="Arial" panose="020B0604020202020204" pitchFamily="34" charset="0"/>
                 <a:ea typeface="Times New Roman" panose="02020603050405020304" pitchFamily="18" charset="0"/>
                 <a:cs typeface="Arial" panose="020B0604020202020204" pitchFamily="34" charset="0"/>
               </a:rPr>
+              <a:t>rulate</a:t>
+            </a:r>
+            <a:r>
+              <a:rPr lang="en-US" sz="1200" b="1" noProof="1">
+                <a:latin typeface="Arial" panose="020B0604020202020204" pitchFamily="34" charset="0"/>
+                <a:ea typeface="Times New Roman" panose="02020603050405020304" pitchFamily="18" charset="0"/>
+                <a:cs typeface="Arial" panose="020B0604020202020204" pitchFamily="34" charset="0"/>
+              </a:rPr>
+              <a:t>:</a:t>
+            </a:r>
+            <a:r>
+              <a:rPr lang="en-US" sz="1200" noProof="1">
+                <a:latin typeface="Arial" panose="020B0604020202020204" pitchFamily="34" charset="0"/>
+                <a:ea typeface="Times New Roman" panose="02020603050405020304" pitchFamily="18" charset="0"/>
+                <a:cs typeface="Arial" panose="020B0604020202020204" pitchFamily="34" charset="0"/>
+              </a:rPr>
               <a:t> 109 (</a:t>
             </a:r>
             <a:r>
-              <a:rPr lang="ro-RO" sz="1200" dirty="0">
+              <a:rPr lang="en-US" sz="1200" noProof="1">
                 <a:latin typeface="Arial" panose="020B0604020202020204" pitchFamily="34" charset="0"/>
                 <a:ea typeface="Calibri" panose="020F0502020204030204" pitchFamily="34" charset="0"/>
                 <a:cs typeface="Arial" panose="020B0604020202020204" pitchFamily="34" charset="0"/>
@@ -7063,14 +7262,30 @@
               <a:t>51.42</a:t>
             </a:r>
             <a:r>
-              <a:rPr lang="en-US" sz="1200" dirty="0">
+              <a:rPr lang="en-US" sz="1200" noProof="1">
                 <a:latin typeface="Arial" panose="020B0604020202020204" pitchFamily="34" charset="0"/>
                 <a:ea typeface="Times New Roman" panose="02020603050405020304" pitchFamily="18" charset="0"/>
                 <a:cs typeface="Arial" panose="020B0604020202020204" pitchFamily="34" charset="0"/>
               </a:rPr>
-              <a:t>% of total tests)</a:t>
-            </a:r>
-            <a:endParaRPr lang="ro-RO" sz="1200" dirty="0">
+              <a:t>% </a:t>
+            </a:r>
+            <a:r>
+              <a:rPr lang="ro-RO" sz="1200" noProof="1">
+                <a:latin typeface="Arial" panose="020B0604020202020204" pitchFamily="34" charset="0"/>
+                <a:ea typeface="Times New Roman" panose="02020603050405020304" pitchFamily="18" charset="0"/>
+                <a:cs typeface="Arial" panose="020B0604020202020204" pitchFamily="34" charset="0"/>
+              </a:rPr>
+              <a:t>din</a:t>
+            </a:r>
+            <a:r>
+              <a:rPr lang="en-US" sz="1200" noProof="1">
+                <a:latin typeface="Arial" panose="020B0604020202020204" pitchFamily="34" charset="0"/>
+                <a:ea typeface="Times New Roman" panose="02020603050405020304" pitchFamily="18" charset="0"/>
+                <a:cs typeface="Arial" panose="020B0604020202020204" pitchFamily="34" charset="0"/>
+              </a:rPr>
+              <a:t> total teste)</a:t>
+            </a:r>
+            <a:endParaRPr lang="en-US" sz="1200" noProof="1">
               <a:latin typeface="Arial" panose="020B0604020202020204" pitchFamily="34" charset="0"/>
               <a:ea typeface="Calibri" panose="020F0502020204030204" pitchFamily="34" charset="0"/>
               <a:cs typeface="Arial" panose="020B0604020202020204" pitchFamily="34" charset="0"/>
@@ -7092,23 +7307,39 @@
               </a:tabLst>
             </a:pPr>
             <a:r>
-              <a:rPr lang="en-US" sz="1200" b="1" dirty="0">
+              <a:rPr lang="en-US" sz="1200" b="1" noProof="1">
                 <a:latin typeface="Arial" panose="020B0604020202020204" pitchFamily="34" charset="0"/>
                 <a:ea typeface="Times New Roman" panose="02020603050405020304" pitchFamily="18" charset="0"/>
                 <a:cs typeface="Arial" panose="020B0604020202020204" pitchFamily="34" charset="0"/>
               </a:rPr>
-              <a:t>Tests Not Executed:</a:t>
-            </a:r>
-            <a:r>
-              <a:rPr lang="en-US" sz="1200" dirty="0">
+              <a:t>Teste </a:t>
+            </a:r>
+            <a:r>
+              <a:rPr lang="ro-RO" sz="1200" b="1" noProof="1">
                 <a:latin typeface="Arial" panose="020B0604020202020204" pitchFamily="34" charset="0"/>
                 <a:ea typeface="Times New Roman" panose="02020603050405020304" pitchFamily="18" charset="0"/>
                 <a:cs typeface="Arial" panose="020B0604020202020204" pitchFamily="34" charset="0"/>
               </a:rPr>
+              <a:t>nerulate</a:t>
+            </a:r>
+            <a:r>
+              <a:rPr lang="en-US" sz="1200" b="1" noProof="1">
+                <a:latin typeface="Arial" panose="020B0604020202020204" pitchFamily="34" charset="0"/>
+                <a:ea typeface="Times New Roman" panose="02020603050405020304" pitchFamily="18" charset="0"/>
+                <a:cs typeface="Arial" panose="020B0604020202020204" pitchFamily="34" charset="0"/>
+              </a:rPr>
+              <a:t>:</a:t>
+            </a:r>
+            <a:r>
+              <a:rPr lang="en-US" sz="1200" noProof="1">
+                <a:latin typeface="Arial" panose="020B0604020202020204" pitchFamily="34" charset="0"/>
+                <a:ea typeface="Times New Roman" panose="02020603050405020304" pitchFamily="18" charset="0"/>
+                <a:cs typeface="Arial" panose="020B0604020202020204" pitchFamily="34" charset="0"/>
+              </a:rPr>
               <a:t> 103 (</a:t>
             </a:r>
             <a:r>
-              <a:rPr lang="ro-RO" sz="1200" dirty="0">
+              <a:rPr lang="en-US" sz="1200" noProof="1">
                 <a:latin typeface="Arial" panose="020B0604020202020204" pitchFamily="34" charset="0"/>
                 <a:ea typeface="Calibri" panose="020F0502020204030204" pitchFamily="34" charset="0"/>
                 <a:cs typeface="Arial" panose="020B0604020202020204" pitchFamily="34" charset="0"/>
@@ -7116,14 +7347,30 @@
               <a:t>48.58</a:t>
             </a:r>
             <a:r>
-              <a:rPr lang="en-US" sz="1200" dirty="0">
+              <a:rPr lang="en-US" sz="1200" noProof="1">
                 <a:latin typeface="Arial" panose="020B0604020202020204" pitchFamily="34" charset="0"/>
                 <a:ea typeface="Times New Roman" panose="02020603050405020304" pitchFamily="18" charset="0"/>
                 <a:cs typeface="Arial" panose="020B0604020202020204" pitchFamily="34" charset="0"/>
               </a:rPr>
-              <a:t>% of total tests)</a:t>
-            </a:r>
-            <a:endParaRPr lang="ro-RO" sz="1200" dirty="0">
+              <a:t>% </a:t>
+            </a:r>
+            <a:r>
+              <a:rPr lang="ro-RO" sz="1200" noProof="1">
+                <a:latin typeface="Arial" panose="020B0604020202020204" pitchFamily="34" charset="0"/>
+                <a:ea typeface="Times New Roman" panose="02020603050405020304" pitchFamily="18" charset="0"/>
+                <a:cs typeface="Arial" panose="020B0604020202020204" pitchFamily="34" charset="0"/>
+              </a:rPr>
+              <a:t>din</a:t>
+            </a:r>
+            <a:r>
+              <a:rPr lang="en-US" sz="1200" noProof="1">
+                <a:latin typeface="Arial" panose="020B0604020202020204" pitchFamily="34" charset="0"/>
+                <a:ea typeface="Times New Roman" panose="02020603050405020304" pitchFamily="18" charset="0"/>
+                <a:cs typeface="Arial" panose="020B0604020202020204" pitchFamily="34" charset="0"/>
+              </a:rPr>
+              <a:t> total teste)</a:t>
+            </a:r>
+            <a:endParaRPr lang="en-US" sz="1200" noProof="1">
               <a:latin typeface="Arial" panose="020B0604020202020204" pitchFamily="34" charset="0"/>
               <a:ea typeface="Calibri" panose="020F0502020204030204" pitchFamily="34" charset="0"/>
               <a:cs typeface="Arial" panose="020B0604020202020204" pitchFamily="34" charset="0"/>
@@ -7682,7 +7929,7 @@
                   <a:noFill/>
                 </a:ln>
                 <a:solidFill>
-                  <a:prstClr val="black"/>
+                  <a:srgbClr val="75B000"/>
                 </a:solidFill>
                 <a:effectLst/>
                 <a:uLnTx/>
@@ -7692,6 +7939,23 @@
                 <a:cs typeface="Arial" panose="020B0604020202020204" pitchFamily="34" charset="0"/>
               </a:rPr>
               <a:t>Passed:</a:t>
+            </a:r>
+            <a:r>
+              <a:rPr kumimoji="0" lang="en-US" sz="1200" b="0" i="0" u="none" strike="noStrike" kern="1200" cap="none" spc="0" normalizeH="0" baseline="0" noProof="0" dirty="0">
+                <a:ln>
+                  <a:noFill/>
+                </a:ln>
+                <a:solidFill>
+                  <a:schemeClr val="accent6"/>
+                </a:solidFill>
+                <a:effectLst/>
+                <a:uLnTx/>
+                <a:uFillTx/>
+                <a:latin typeface="Arial" panose="020B0604020202020204" pitchFamily="34" charset="0"/>
+                <a:ea typeface="Times New Roman" panose="02020603050405020304" pitchFamily="18" charset="0"/>
+                <a:cs typeface="Arial" panose="020B0604020202020204" pitchFamily="34" charset="0"/>
+              </a:rPr>
+              <a:t> </a:t>
             </a:r>
             <a:r>
               <a:rPr kumimoji="0" lang="en-US" sz="1200" b="0" i="0" u="none" strike="noStrike" kern="1200" cap="none" spc="0" normalizeH="0" baseline="0" noProof="0" dirty="0">
@@ -7708,7 +7972,7 @@
                 <a:ea typeface="Times New Roman" panose="02020603050405020304" pitchFamily="18" charset="0"/>
                 <a:cs typeface="Arial" panose="020B0604020202020204" pitchFamily="34" charset="0"/>
               </a:rPr>
-              <a:t> 11 (14.86%)</a:t>
+              <a:t>11 (14.86%)</a:t>
             </a:r>
             <a:endParaRPr kumimoji="0" lang="ro-RO" sz="1200" b="0" i="0" u="none" strike="noStrike" kern="1200" cap="none" spc="0" normalizeH="0" baseline="0" noProof="0" dirty="0">
               <a:ln>
@@ -7741,7 +8005,7 @@
                   <a:noFill/>
                 </a:ln>
                 <a:solidFill>
-                  <a:prstClr val="black"/>
+                  <a:srgbClr val="CC3300"/>
                 </a:solidFill>
                 <a:effectLst/>
                 <a:uLnTx/>
@@ -7800,7 +8064,7 @@
                   <a:noFill/>
                 </a:ln>
                 <a:solidFill>
-                  <a:prstClr val="black"/>
+                  <a:srgbClr val="6693B0"/>
                 </a:solidFill>
                 <a:effectLst/>
                 <a:uLnTx/>
@@ -7859,7 +8123,7 @@
                   <a:noFill/>
                 </a:ln>
                 <a:solidFill>
-                  <a:prstClr val="black"/>
+                  <a:srgbClr val="FF0000"/>
                 </a:solidFill>
                 <a:effectLst/>
                 <a:uLnTx/>
@@ -7914,13 +8178,13 @@
   <p:clrMapOvr>
     <a:masterClrMapping/>
   </p:clrMapOvr>
-  <mc:AlternateContent xmlns:mc="http://schemas.openxmlformats.org/markup-compatibility/2006" xmlns:p159="http://schemas.microsoft.com/office/powerpoint/2015/09/main">
-    <mc:Choice Requires="p159">
+  <mc:AlternateContent xmlns:mc="http://schemas.openxmlformats.org/markup-compatibility/2006">
+    <mc:Choice xmlns:p159="http://schemas.microsoft.com/office/powerpoint/2015/09/main" Requires="p159">
       <p:transition xmlns:p14="http://schemas.microsoft.com/office/powerpoint/2010/main" spd="slow" p14:dur="2000">
         <p159:morph option="byObject"/>
       </p:transition>
     </mc:Choice>
-    <mc:Fallback xmlns="">
+    <mc:Fallback>
       <p:transition spd="slow">
         <p:fade/>
       </p:transition>
@@ -8133,13 +8397,13 @@
   <p:clrMapOvr>
     <a:masterClrMapping/>
   </p:clrMapOvr>
-  <mc:AlternateContent xmlns:mc="http://schemas.openxmlformats.org/markup-compatibility/2006" xmlns:p159="http://schemas.microsoft.com/office/powerpoint/2015/09/main">
-    <mc:Choice Requires="p159">
+  <mc:AlternateContent xmlns:mc="http://schemas.openxmlformats.org/markup-compatibility/2006">
+    <mc:Choice xmlns:p159="http://schemas.microsoft.com/office/powerpoint/2015/09/main" Requires="p159">
       <p:transition xmlns:p14="http://schemas.microsoft.com/office/powerpoint/2010/main" spd="slow" p14:dur="2000">
         <p159:morph option="byObject"/>
       </p:transition>
     </mc:Choice>
-    <mc:Fallback xmlns="">
+    <mc:Fallback>
       <p:transition spd="slow">
         <p:fade/>
       </p:transition>
@@ -8551,7 +8815,7 @@
         </p:blipFill>
         <p:spPr>
           <a:xfrm>
-            <a:off x="402425" y="899162"/>
+            <a:off x="402423" y="876996"/>
             <a:ext cx="196307" cy="244113"/>
           </a:xfrm>
           <a:prstGeom prst="rect">
@@ -9184,13 +9448,13 @@
   <p:clrMapOvr>
     <a:masterClrMapping/>
   </p:clrMapOvr>
-  <mc:AlternateContent xmlns:mc="http://schemas.openxmlformats.org/markup-compatibility/2006" xmlns:p159="http://schemas.microsoft.com/office/powerpoint/2015/09/main">
-    <mc:Choice Requires="p159">
+  <mc:AlternateContent xmlns:mc="http://schemas.openxmlformats.org/markup-compatibility/2006">
+    <mc:Choice xmlns:p159="http://schemas.microsoft.com/office/powerpoint/2015/09/main" Requires="p159">
       <p:transition xmlns:p14="http://schemas.microsoft.com/office/powerpoint/2010/main" spd="slow" p14:dur="2000">
         <p159:morph option="byObject"/>
       </p:transition>
     </mc:Choice>
-    <mc:Fallback xmlns="">
+    <mc:Fallback>
       <p:transition spd="slow">
         <p:fade/>
       </p:transition>
@@ -9970,13 +10234,13 @@
   <p:clrMapOvr>
     <a:masterClrMapping/>
   </p:clrMapOvr>
-  <mc:AlternateContent xmlns:mc="http://schemas.openxmlformats.org/markup-compatibility/2006" xmlns:p159="http://schemas.microsoft.com/office/powerpoint/2015/09/main">
-    <mc:Choice Requires="p159">
+  <mc:AlternateContent xmlns:mc="http://schemas.openxmlformats.org/markup-compatibility/2006">
+    <mc:Choice xmlns:p159="http://schemas.microsoft.com/office/powerpoint/2015/09/main" Requires="p159">
       <p:transition xmlns:p14="http://schemas.microsoft.com/office/powerpoint/2010/main" spd="slow" p14:dur="2000">
         <p159:morph option="byObject"/>
       </p:transition>
     </mc:Choice>
-    <mc:Fallback xmlns="">
+    <mc:Fallback>
       <p:transition spd="slow">
         <p:fade/>
       </p:transition>
@@ -10858,13 +11122,13 @@
   <p:clrMapOvr>
     <a:masterClrMapping/>
   </p:clrMapOvr>
-  <mc:AlternateContent xmlns:mc="http://schemas.openxmlformats.org/markup-compatibility/2006" xmlns:p159="http://schemas.microsoft.com/office/powerpoint/2015/09/main">
-    <mc:Choice Requires="p159">
+  <mc:AlternateContent xmlns:mc="http://schemas.openxmlformats.org/markup-compatibility/2006">
+    <mc:Choice xmlns:p159="http://schemas.microsoft.com/office/powerpoint/2015/09/main" Requires="p159">
       <p:transition xmlns:p14="http://schemas.microsoft.com/office/powerpoint/2010/main" spd="slow" p14:dur="2000">
         <p159:morph option="byObject"/>
       </p:transition>
     </mc:Choice>
-    <mc:Fallback xmlns="">
+    <mc:Fallback>
       <p:transition spd="slow">
         <p:fade/>
       </p:transition>
@@ -11418,13 +11682,13 @@
   <p:clrMapOvr>
     <a:masterClrMapping/>
   </p:clrMapOvr>
-  <mc:AlternateContent xmlns:mc="http://schemas.openxmlformats.org/markup-compatibility/2006" xmlns:p159="http://schemas.microsoft.com/office/powerpoint/2015/09/main">
-    <mc:Choice Requires="p159">
+  <mc:AlternateContent xmlns:mc="http://schemas.openxmlformats.org/markup-compatibility/2006">
+    <mc:Choice xmlns:p159="http://schemas.microsoft.com/office/powerpoint/2015/09/main" Requires="p159">
       <p:transition xmlns:p14="http://schemas.microsoft.com/office/powerpoint/2010/main" spd="slow" p14:dur="2000">
         <p159:morph option="byObject"/>
       </p:transition>
     </mc:Choice>
-    <mc:Fallback xmlns="">
+    <mc:Fallback>
       <p:transition spd="slow">
         <p:fade/>
       </p:transition>
@@ -12134,13 +12398,13 @@
   <p:clrMapOvr>
     <a:masterClrMapping/>
   </p:clrMapOvr>
-  <mc:AlternateContent xmlns:mc="http://schemas.openxmlformats.org/markup-compatibility/2006" xmlns:p159="http://schemas.microsoft.com/office/powerpoint/2015/09/main">
-    <mc:Choice Requires="p159">
+  <mc:AlternateContent xmlns:mc="http://schemas.openxmlformats.org/markup-compatibility/2006">
+    <mc:Choice xmlns:p159="http://schemas.microsoft.com/office/powerpoint/2015/09/main" Requires="p159">
       <p:transition xmlns:p14="http://schemas.microsoft.com/office/powerpoint/2010/main" spd="slow" p14:dur="2000">
         <p159:morph option="byObject"/>
       </p:transition>
     </mc:Choice>
-    <mc:Fallback xmlns="">
+    <mc:Fallback>
       <p:transition spd="slow">
         <p:fade/>
       </p:transition>
@@ -12870,13 +13134,13 @@
   <p:clrMapOvr>
     <a:masterClrMapping/>
   </p:clrMapOvr>
-  <mc:AlternateContent xmlns:mc="http://schemas.openxmlformats.org/markup-compatibility/2006" xmlns:p159="http://schemas.microsoft.com/office/powerpoint/2015/09/main">
-    <mc:Choice Requires="p159">
+  <mc:AlternateContent xmlns:mc="http://schemas.openxmlformats.org/markup-compatibility/2006">
+    <mc:Choice xmlns:p159="http://schemas.microsoft.com/office/powerpoint/2015/09/main" Requires="p159">
       <p:transition xmlns:p14="http://schemas.microsoft.com/office/powerpoint/2010/main" spd="slow" p14:dur="2000">
         <p159:morph option="byObject"/>
       </p:transition>
     </mc:Choice>
-    <mc:Fallback xmlns="">
+    <mc:Fallback>
       <p:transition spd="slow">
         <p:fade/>
       </p:transition>
@@ -13052,13 +13316,13 @@
   <p:clrMapOvr>
     <a:masterClrMapping/>
   </p:clrMapOvr>
-  <mc:AlternateContent xmlns:mc="http://schemas.openxmlformats.org/markup-compatibility/2006" xmlns:p159="http://schemas.microsoft.com/office/powerpoint/2015/09/main">
-    <mc:Choice Requires="p159">
+  <mc:AlternateContent xmlns:mc="http://schemas.openxmlformats.org/markup-compatibility/2006">
+    <mc:Choice xmlns:p159="http://schemas.microsoft.com/office/powerpoint/2015/09/main" Requires="p159">
       <p:transition xmlns:p14="http://schemas.microsoft.com/office/powerpoint/2010/main" spd="slow" p14:dur="2000">
         <p159:morph option="byObject"/>
       </p:transition>
     </mc:Choice>
-    <mc:Fallback xmlns="">
+    <mc:Fallback>
       <p:transition spd="slow">
         <p:fade/>
       </p:transition>
@@ -13886,13 +14150,13 @@
   <p:clrMapOvr>
     <a:masterClrMapping/>
   </p:clrMapOvr>
-  <mc:AlternateContent xmlns:mc="http://schemas.openxmlformats.org/markup-compatibility/2006" xmlns:p159="http://schemas.microsoft.com/office/powerpoint/2015/09/main">
-    <mc:Choice Requires="p159">
+  <mc:AlternateContent xmlns:mc="http://schemas.openxmlformats.org/markup-compatibility/2006">
+    <mc:Choice xmlns:p159="http://schemas.microsoft.com/office/powerpoint/2015/09/main" Requires="p159">
       <p:transition xmlns:p14="http://schemas.microsoft.com/office/powerpoint/2010/main" spd="slow" p14:dur="2000">
         <p159:morph option="byObject"/>
       </p:transition>
     </mc:Choice>
-    <mc:Fallback xmlns="">
+    <mc:Fallback>
       <p:transition spd="slow">
         <p:fade/>
       </p:transition>

--- a/Testing Project for Automation Exercise E-commerce Website.pptx
+++ b/Testing Project for Automation Exercise E-commerce Website.pptx
@@ -262,7 +262,7 @@
           <a:p>
             <a:fld id="{276D79ED-3FA7-4EF8-964B-EB8BCFAB02F8}" type="datetimeFigureOut">
               <a:rPr lang="en-US" smtClean="0"/>
-              <a:t>7/18/2024</a:t>
+              <a:t>7/22/2024</a:t>
             </a:fld>
             <a:endParaRPr lang="en-US"/>
           </a:p>
@@ -430,7 +430,7 @@
           <a:p>
             <a:fld id="{276D79ED-3FA7-4EF8-964B-EB8BCFAB02F8}" type="datetimeFigureOut">
               <a:rPr lang="en-US" smtClean="0"/>
-              <a:t>7/18/2024</a:t>
+              <a:t>7/22/2024</a:t>
             </a:fld>
             <a:endParaRPr lang="en-US"/>
           </a:p>
@@ -676,7 +676,7 @@
           <a:p>
             <a:fld id="{276D79ED-3FA7-4EF8-964B-EB8BCFAB02F8}" type="datetimeFigureOut">
               <a:rPr lang="en-US" smtClean="0"/>
-              <a:t>7/18/2024</a:t>
+              <a:t>7/22/2024</a:t>
             </a:fld>
             <a:endParaRPr lang="en-US"/>
           </a:p>
@@ -907,7 +907,7 @@
           <a:p>
             <a:fld id="{276D79ED-3FA7-4EF8-964B-EB8BCFAB02F8}" type="datetimeFigureOut">
               <a:rPr lang="en-US" smtClean="0"/>
-              <a:t>7/18/2024</a:t>
+              <a:t>7/22/2024</a:t>
             </a:fld>
             <a:endParaRPr lang="en-US"/>
           </a:p>
@@ -1271,7 +1271,7 @@
           <a:p>
             <a:fld id="{276D79ED-3FA7-4EF8-964B-EB8BCFAB02F8}" type="datetimeFigureOut">
               <a:rPr lang="en-US" smtClean="0"/>
-              <a:t>7/18/2024</a:t>
+              <a:t>7/22/2024</a:t>
             </a:fld>
             <a:endParaRPr lang="en-US"/>
           </a:p>
@@ -1388,7 +1388,7 @@
           <a:p>
             <a:fld id="{276D79ED-3FA7-4EF8-964B-EB8BCFAB02F8}" type="datetimeFigureOut">
               <a:rPr lang="en-US" smtClean="0"/>
-              <a:t>7/18/2024</a:t>
+              <a:t>7/22/2024</a:t>
             </a:fld>
             <a:endParaRPr lang="en-US"/>
           </a:p>
@@ -1483,7 +1483,7 @@
           <a:p>
             <a:fld id="{276D79ED-3FA7-4EF8-964B-EB8BCFAB02F8}" type="datetimeFigureOut">
               <a:rPr lang="en-US" smtClean="0"/>
-              <a:t>7/18/2024</a:t>
+              <a:t>7/22/2024</a:t>
             </a:fld>
             <a:endParaRPr lang="en-US"/>
           </a:p>
@@ -1759,7 +1759,7 @@
           <a:p>
             <a:fld id="{276D79ED-3FA7-4EF8-964B-EB8BCFAB02F8}" type="datetimeFigureOut">
               <a:rPr lang="en-US" smtClean="0"/>
-              <a:t>7/18/2024</a:t>
+              <a:t>7/22/2024</a:t>
             </a:fld>
             <a:endParaRPr lang="en-US"/>
           </a:p>
@@ -2015,7 +2015,7 @@
           <a:p>
             <a:fld id="{276D79ED-3FA7-4EF8-964B-EB8BCFAB02F8}" type="datetimeFigureOut">
               <a:rPr lang="en-US" smtClean="0"/>
-              <a:t>7/18/2024</a:t>
+              <a:t>7/22/2024</a:t>
             </a:fld>
             <a:endParaRPr lang="en-US"/>
           </a:p>
@@ -2235,7 +2235,7 @@
           <a:p>
             <a:fld id="{276D79ED-3FA7-4EF8-964B-EB8BCFAB02F8}" type="datetimeFigureOut">
               <a:rPr lang="en-US" smtClean="0"/>
-              <a:t>7/18/2024</a:t>
+              <a:t>7/22/2024</a:t>
             </a:fld>
             <a:endParaRPr lang="en-US"/>
           </a:p>
@@ -3036,13 +3036,13 @@
   <p:clrMapOvr>
     <a:masterClrMapping/>
   </p:clrMapOvr>
-  <mc:AlternateContent xmlns:mc="http://schemas.openxmlformats.org/markup-compatibility/2006">
-    <mc:Choice xmlns:p159="http://schemas.microsoft.com/office/powerpoint/2015/09/main" Requires="p159">
+  <mc:AlternateContent xmlns:mc="http://schemas.openxmlformats.org/markup-compatibility/2006" xmlns:p159="http://schemas.microsoft.com/office/powerpoint/2015/09/main">
+    <mc:Choice Requires="p159">
       <p:transition xmlns:p14="http://schemas.microsoft.com/office/powerpoint/2010/main" spd="slow" p14:dur="2000">
         <p159:morph option="byObject"/>
       </p:transition>
     </mc:Choice>
-    <mc:Fallback>
+    <mc:Fallback xmlns="">
       <p:transition spd="slow">
         <p:fade/>
       </p:transition>
@@ -3747,13 +3747,13 @@
   <p:clrMapOvr>
     <a:masterClrMapping/>
   </p:clrMapOvr>
-  <mc:AlternateContent xmlns:mc="http://schemas.openxmlformats.org/markup-compatibility/2006">
-    <mc:Choice xmlns:p159="http://schemas.microsoft.com/office/powerpoint/2015/09/main" Requires="p159">
+  <mc:AlternateContent xmlns:mc="http://schemas.openxmlformats.org/markup-compatibility/2006" xmlns:p159="http://schemas.microsoft.com/office/powerpoint/2015/09/main">
+    <mc:Choice Requires="p159">
       <p:transition xmlns:p14="http://schemas.microsoft.com/office/powerpoint/2010/main" spd="slow" p14:dur="2000">
         <p159:morph option="byObject"/>
       </p:transition>
     </mc:Choice>
-    <mc:Fallback>
+    <mc:Fallback xmlns="">
       <p:transition spd="slow">
         <p:fade/>
       </p:transition>
@@ -3823,12 +3823,36 @@
               <a:t> </a:t>
             </a:r>
             <a:r>
+              <a:rPr lang="en-US" sz="1600" noProof="1">
+                <a:latin typeface="Calibri" panose="020F0502020204030204" pitchFamily="34" charset="0"/>
+                <a:ea typeface="Calibri" panose="020F0502020204030204" pitchFamily="34" charset="0"/>
+                <a:cs typeface="Times New Roman" panose="02020603050405020304" pitchFamily="18" charset="0"/>
+              </a:rPr>
+              <a:t>poate fi</a:t>
+            </a:r>
+            <a:r>
               <a:rPr lang="ro-RO" sz="1600" noProof="1">
                 <a:latin typeface="Calibri" panose="020F0502020204030204" pitchFamily="34" charset="0"/>
                 <a:ea typeface="Calibri" panose="020F0502020204030204" pitchFamily="34" charset="0"/>
                 <a:cs typeface="Times New Roman" panose="02020603050405020304" pitchFamily="18" charset="0"/>
               </a:rPr>
-              <a:t>îl puteți găsi </a:t>
+              <a:t> găsi</a:t>
+            </a:r>
+            <a:r>
+              <a:rPr lang="en-US" sz="1600" noProof="1">
+                <a:latin typeface="Calibri" panose="020F0502020204030204" pitchFamily="34" charset="0"/>
+                <a:ea typeface="Calibri" panose="020F0502020204030204" pitchFamily="34" charset="0"/>
+                <a:cs typeface="Times New Roman" panose="02020603050405020304" pitchFamily="18" charset="0"/>
+              </a:rPr>
+              <a:t>t</a:t>
+            </a:r>
+            <a:r>
+              <a:rPr lang="ro-RO" sz="1600" noProof="1">
+                <a:latin typeface="Calibri" panose="020F0502020204030204" pitchFamily="34" charset="0"/>
+                <a:ea typeface="Calibri" panose="020F0502020204030204" pitchFamily="34" charset="0"/>
+                <a:cs typeface="Times New Roman" panose="02020603050405020304" pitchFamily="18" charset="0"/>
+              </a:rPr>
+              <a:t> </a:t>
             </a:r>
             <a:endParaRPr lang="en-US" sz="1600" noProof="1">
               <a:latin typeface="Calibri" panose="020F0502020204030204" pitchFamily="34" charset="0"/>
@@ -4629,13 +4653,13 @@
   <p:clrMapOvr>
     <a:masterClrMapping/>
   </p:clrMapOvr>
-  <mc:AlternateContent xmlns:mc="http://schemas.openxmlformats.org/markup-compatibility/2006">
-    <mc:Choice xmlns:p159="http://schemas.microsoft.com/office/powerpoint/2015/09/main" Requires="p159">
+  <mc:AlternateContent xmlns:mc="http://schemas.openxmlformats.org/markup-compatibility/2006" xmlns:p159="http://schemas.microsoft.com/office/powerpoint/2015/09/main">
+    <mc:Choice Requires="p159">
       <p:transition xmlns:p14="http://schemas.microsoft.com/office/powerpoint/2010/main" spd="slow" p14:dur="2000">
         <p159:morph option="byObject"/>
       </p:transition>
     </mc:Choice>
-    <mc:Fallback>
+    <mc:Fallback xmlns="">
       <p:transition spd="slow">
         <p:fade/>
       </p:transition>
@@ -4982,13 +5006,13 @@
   <p:clrMapOvr>
     <a:masterClrMapping/>
   </p:clrMapOvr>
-  <mc:AlternateContent xmlns:mc="http://schemas.openxmlformats.org/markup-compatibility/2006">
-    <mc:Choice xmlns:p159="http://schemas.microsoft.com/office/powerpoint/2015/09/main" Requires="p159">
+  <mc:AlternateContent xmlns:mc="http://schemas.openxmlformats.org/markup-compatibility/2006" xmlns:p159="http://schemas.microsoft.com/office/powerpoint/2015/09/main">
+    <mc:Choice Requires="p159">
       <p:transition xmlns:p14="http://schemas.microsoft.com/office/powerpoint/2010/main" spd="slow" p14:dur="2000">
         <p159:morph option="byObject"/>
       </p:transition>
     </mc:Choice>
-    <mc:Fallback>
+    <mc:Fallback xmlns="">
       <p:transition spd="slow">
         <p:fade/>
       </p:transition>
@@ -5462,13 +5486,13 @@
   <p:clrMapOvr>
     <a:masterClrMapping/>
   </p:clrMapOvr>
-  <mc:AlternateContent xmlns:mc="http://schemas.openxmlformats.org/markup-compatibility/2006">
-    <mc:Choice xmlns:p159="http://schemas.microsoft.com/office/powerpoint/2015/09/main" Requires="p159">
+  <mc:AlternateContent xmlns:mc="http://schemas.openxmlformats.org/markup-compatibility/2006" xmlns:p159="http://schemas.microsoft.com/office/powerpoint/2015/09/main">
+    <mc:Choice Requires="p159">
       <p:transition xmlns:p14="http://schemas.microsoft.com/office/powerpoint/2010/main" spd="slow" p14:dur="2000">
         <p159:morph option="byObject"/>
       </p:transition>
     </mc:Choice>
-    <mc:Fallback>
+    <mc:Fallback xmlns="">
       <p:transition spd="slow">
         <p:fade/>
       </p:transition>
@@ -6129,13 +6153,13 @@
   <p:clrMapOvr>
     <a:masterClrMapping/>
   </p:clrMapOvr>
-  <mc:AlternateContent xmlns:mc="http://schemas.openxmlformats.org/markup-compatibility/2006">
-    <mc:Choice xmlns:p159="http://schemas.microsoft.com/office/powerpoint/2015/09/main" Requires="p159">
+  <mc:AlternateContent xmlns:mc="http://schemas.openxmlformats.org/markup-compatibility/2006" xmlns:p159="http://schemas.microsoft.com/office/powerpoint/2015/09/main">
+    <mc:Choice Requires="p159">
       <p:transition xmlns:p14="http://schemas.microsoft.com/office/powerpoint/2010/main" spd="slow" p14:dur="2000">
         <p159:morph option="byObject"/>
       </p:transition>
     </mc:Choice>
-    <mc:Fallback>
+    <mc:Fallback xmlns="">
       <p:transition spd="slow">
         <p:fade/>
       </p:transition>
@@ -8178,13 +8202,13 @@
   <p:clrMapOvr>
     <a:masterClrMapping/>
   </p:clrMapOvr>
-  <mc:AlternateContent xmlns:mc="http://schemas.openxmlformats.org/markup-compatibility/2006">
-    <mc:Choice xmlns:p159="http://schemas.microsoft.com/office/powerpoint/2015/09/main" Requires="p159">
+  <mc:AlternateContent xmlns:mc="http://schemas.openxmlformats.org/markup-compatibility/2006" xmlns:p159="http://schemas.microsoft.com/office/powerpoint/2015/09/main">
+    <mc:Choice Requires="p159">
       <p:transition xmlns:p14="http://schemas.microsoft.com/office/powerpoint/2010/main" spd="slow" p14:dur="2000">
         <p159:morph option="byObject"/>
       </p:transition>
     </mc:Choice>
-    <mc:Fallback>
+    <mc:Fallback xmlns="">
       <p:transition spd="slow">
         <p:fade/>
       </p:transition>
@@ -8397,13 +8421,13 @@
   <p:clrMapOvr>
     <a:masterClrMapping/>
   </p:clrMapOvr>
-  <mc:AlternateContent xmlns:mc="http://schemas.openxmlformats.org/markup-compatibility/2006">
-    <mc:Choice xmlns:p159="http://schemas.microsoft.com/office/powerpoint/2015/09/main" Requires="p159">
+  <mc:AlternateContent xmlns:mc="http://schemas.openxmlformats.org/markup-compatibility/2006" xmlns:p159="http://schemas.microsoft.com/office/powerpoint/2015/09/main">
+    <mc:Choice Requires="p159">
       <p:transition xmlns:p14="http://schemas.microsoft.com/office/powerpoint/2010/main" spd="slow" p14:dur="2000">
         <p159:morph option="byObject"/>
       </p:transition>
     </mc:Choice>
-    <mc:Fallback>
+    <mc:Fallback xmlns="">
       <p:transition spd="slow">
         <p:fade/>
       </p:transition>
@@ -9448,13 +9472,13 @@
   <p:clrMapOvr>
     <a:masterClrMapping/>
   </p:clrMapOvr>
-  <mc:AlternateContent xmlns:mc="http://schemas.openxmlformats.org/markup-compatibility/2006">
-    <mc:Choice xmlns:p159="http://schemas.microsoft.com/office/powerpoint/2015/09/main" Requires="p159">
+  <mc:AlternateContent xmlns:mc="http://schemas.openxmlformats.org/markup-compatibility/2006" xmlns:p159="http://schemas.microsoft.com/office/powerpoint/2015/09/main">
+    <mc:Choice Requires="p159">
       <p:transition xmlns:p14="http://schemas.microsoft.com/office/powerpoint/2010/main" spd="slow" p14:dur="2000">
         <p159:morph option="byObject"/>
       </p:transition>
     </mc:Choice>
-    <mc:Fallback>
+    <mc:Fallback xmlns="">
       <p:transition spd="slow">
         <p:fade/>
       </p:transition>
@@ -10234,13 +10258,13 @@
   <p:clrMapOvr>
     <a:masterClrMapping/>
   </p:clrMapOvr>
-  <mc:AlternateContent xmlns:mc="http://schemas.openxmlformats.org/markup-compatibility/2006">
-    <mc:Choice xmlns:p159="http://schemas.microsoft.com/office/powerpoint/2015/09/main" Requires="p159">
+  <mc:AlternateContent xmlns:mc="http://schemas.openxmlformats.org/markup-compatibility/2006" xmlns:p159="http://schemas.microsoft.com/office/powerpoint/2015/09/main">
+    <mc:Choice Requires="p159">
       <p:transition xmlns:p14="http://schemas.microsoft.com/office/powerpoint/2010/main" spd="slow" p14:dur="2000">
         <p159:morph option="byObject"/>
       </p:transition>
     </mc:Choice>
-    <mc:Fallback>
+    <mc:Fallback xmlns="">
       <p:transition spd="slow">
         <p:fade/>
       </p:transition>
@@ -11122,13 +11146,13 @@
   <p:clrMapOvr>
     <a:masterClrMapping/>
   </p:clrMapOvr>
-  <mc:AlternateContent xmlns:mc="http://schemas.openxmlformats.org/markup-compatibility/2006">
-    <mc:Choice xmlns:p159="http://schemas.microsoft.com/office/powerpoint/2015/09/main" Requires="p159">
+  <mc:AlternateContent xmlns:mc="http://schemas.openxmlformats.org/markup-compatibility/2006" xmlns:p159="http://schemas.microsoft.com/office/powerpoint/2015/09/main">
+    <mc:Choice Requires="p159">
       <p:transition xmlns:p14="http://schemas.microsoft.com/office/powerpoint/2010/main" spd="slow" p14:dur="2000">
         <p159:morph option="byObject"/>
       </p:transition>
     </mc:Choice>
-    <mc:Fallback>
+    <mc:Fallback xmlns="">
       <p:transition spd="slow">
         <p:fade/>
       </p:transition>
@@ -11682,13 +11706,13 @@
   <p:clrMapOvr>
     <a:masterClrMapping/>
   </p:clrMapOvr>
-  <mc:AlternateContent xmlns:mc="http://schemas.openxmlformats.org/markup-compatibility/2006">
-    <mc:Choice xmlns:p159="http://schemas.microsoft.com/office/powerpoint/2015/09/main" Requires="p159">
+  <mc:AlternateContent xmlns:mc="http://schemas.openxmlformats.org/markup-compatibility/2006" xmlns:p159="http://schemas.microsoft.com/office/powerpoint/2015/09/main">
+    <mc:Choice Requires="p159">
       <p:transition xmlns:p14="http://schemas.microsoft.com/office/powerpoint/2010/main" spd="slow" p14:dur="2000">
         <p159:morph option="byObject"/>
       </p:transition>
     </mc:Choice>
-    <mc:Fallback>
+    <mc:Fallback xmlns="">
       <p:transition spd="slow">
         <p:fade/>
       </p:transition>
@@ -12398,13 +12422,13 @@
   <p:clrMapOvr>
     <a:masterClrMapping/>
   </p:clrMapOvr>
-  <mc:AlternateContent xmlns:mc="http://schemas.openxmlformats.org/markup-compatibility/2006">
-    <mc:Choice xmlns:p159="http://schemas.microsoft.com/office/powerpoint/2015/09/main" Requires="p159">
+  <mc:AlternateContent xmlns:mc="http://schemas.openxmlformats.org/markup-compatibility/2006" xmlns:p159="http://schemas.microsoft.com/office/powerpoint/2015/09/main">
+    <mc:Choice Requires="p159">
       <p:transition xmlns:p14="http://schemas.microsoft.com/office/powerpoint/2010/main" spd="slow" p14:dur="2000">
         <p159:morph option="byObject"/>
       </p:transition>
     </mc:Choice>
-    <mc:Fallback>
+    <mc:Fallback xmlns="">
       <p:transition spd="slow">
         <p:fade/>
       </p:transition>
@@ -13134,13 +13158,13 @@
   <p:clrMapOvr>
     <a:masterClrMapping/>
   </p:clrMapOvr>
-  <mc:AlternateContent xmlns:mc="http://schemas.openxmlformats.org/markup-compatibility/2006">
-    <mc:Choice xmlns:p159="http://schemas.microsoft.com/office/powerpoint/2015/09/main" Requires="p159">
+  <mc:AlternateContent xmlns:mc="http://schemas.openxmlformats.org/markup-compatibility/2006" xmlns:p159="http://schemas.microsoft.com/office/powerpoint/2015/09/main">
+    <mc:Choice Requires="p159">
       <p:transition xmlns:p14="http://schemas.microsoft.com/office/powerpoint/2010/main" spd="slow" p14:dur="2000">
         <p159:morph option="byObject"/>
       </p:transition>
     </mc:Choice>
-    <mc:Fallback>
+    <mc:Fallback xmlns="">
       <p:transition spd="slow">
         <p:fade/>
       </p:transition>
@@ -13316,13 +13340,13 @@
   <p:clrMapOvr>
     <a:masterClrMapping/>
   </p:clrMapOvr>
-  <mc:AlternateContent xmlns:mc="http://schemas.openxmlformats.org/markup-compatibility/2006">
-    <mc:Choice xmlns:p159="http://schemas.microsoft.com/office/powerpoint/2015/09/main" Requires="p159">
+  <mc:AlternateContent xmlns:mc="http://schemas.openxmlformats.org/markup-compatibility/2006" xmlns:p159="http://schemas.microsoft.com/office/powerpoint/2015/09/main">
+    <mc:Choice Requires="p159">
       <p:transition xmlns:p14="http://schemas.microsoft.com/office/powerpoint/2010/main" spd="slow" p14:dur="2000">
         <p159:morph option="byObject"/>
       </p:transition>
     </mc:Choice>
-    <mc:Fallback>
+    <mc:Fallback xmlns="">
       <p:transition spd="slow">
         <p:fade/>
       </p:transition>
@@ -14150,13 +14174,13 @@
   <p:clrMapOvr>
     <a:masterClrMapping/>
   </p:clrMapOvr>
-  <mc:AlternateContent xmlns:mc="http://schemas.openxmlformats.org/markup-compatibility/2006">
-    <mc:Choice xmlns:p159="http://schemas.microsoft.com/office/powerpoint/2015/09/main" Requires="p159">
+  <mc:AlternateContent xmlns:mc="http://schemas.openxmlformats.org/markup-compatibility/2006" xmlns:p159="http://schemas.microsoft.com/office/powerpoint/2015/09/main">
+    <mc:Choice Requires="p159">
       <p:transition xmlns:p14="http://schemas.microsoft.com/office/powerpoint/2010/main" spd="slow" p14:dur="2000">
         <p159:morph option="byObject"/>
       </p:transition>
     </mc:Choice>
-    <mc:Fallback>
+    <mc:Fallback xmlns="">
       <p:transition spd="slow">
         <p:fade/>
       </p:transition>

--- a/Testing Project for Automation Exercise E-commerce Website.pptx
+++ b/Testing Project for Automation Exercise E-commerce Website.pptx
@@ -262,7 +262,7 @@
           <a:p>
             <a:fld id="{276D79ED-3FA7-4EF8-964B-EB8BCFAB02F8}" type="datetimeFigureOut">
               <a:rPr lang="en-US" smtClean="0"/>
-              <a:t>7/22/2024</a:t>
+              <a:t>7/30/2024</a:t>
             </a:fld>
             <a:endParaRPr lang="en-US"/>
           </a:p>
@@ -430,7 +430,7 @@
           <a:p>
             <a:fld id="{276D79ED-3FA7-4EF8-964B-EB8BCFAB02F8}" type="datetimeFigureOut">
               <a:rPr lang="en-US" smtClean="0"/>
-              <a:t>7/22/2024</a:t>
+              <a:t>7/30/2024</a:t>
             </a:fld>
             <a:endParaRPr lang="en-US"/>
           </a:p>
@@ -676,7 +676,7 @@
           <a:p>
             <a:fld id="{276D79ED-3FA7-4EF8-964B-EB8BCFAB02F8}" type="datetimeFigureOut">
               <a:rPr lang="en-US" smtClean="0"/>
-              <a:t>7/22/2024</a:t>
+              <a:t>7/30/2024</a:t>
             </a:fld>
             <a:endParaRPr lang="en-US"/>
           </a:p>
@@ -907,7 +907,7 @@
           <a:p>
             <a:fld id="{276D79ED-3FA7-4EF8-964B-EB8BCFAB02F8}" type="datetimeFigureOut">
               <a:rPr lang="en-US" smtClean="0"/>
-              <a:t>7/22/2024</a:t>
+              <a:t>7/30/2024</a:t>
             </a:fld>
             <a:endParaRPr lang="en-US"/>
           </a:p>
@@ -1271,7 +1271,7 @@
           <a:p>
             <a:fld id="{276D79ED-3FA7-4EF8-964B-EB8BCFAB02F8}" type="datetimeFigureOut">
               <a:rPr lang="en-US" smtClean="0"/>
-              <a:t>7/22/2024</a:t>
+              <a:t>7/30/2024</a:t>
             </a:fld>
             <a:endParaRPr lang="en-US"/>
           </a:p>
@@ -1388,7 +1388,7 @@
           <a:p>
             <a:fld id="{276D79ED-3FA7-4EF8-964B-EB8BCFAB02F8}" type="datetimeFigureOut">
               <a:rPr lang="en-US" smtClean="0"/>
-              <a:t>7/22/2024</a:t>
+              <a:t>7/30/2024</a:t>
             </a:fld>
             <a:endParaRPr lang="en-US"/>
           </a:p>
@@ -1483,7 +1483,7 @@
           <a:p>
             <a:fld id="{276D79ED-3FA7-4EF8-964B-EB8BCFAB02F8}" type="datetimeFigureOut">
               <a:rPr lang="en-US" smtClean="0"/>
-              <a:t>7/22/2024</a:t>
+              <a:t>7/30/2024</a:t>
             </a:fld>
             <a:endParaRPr lang="en-US"/>
           </a:p>
@@ -1759,7 +1759,7 @@
           <a:p>
             <a:fld id="{276D79ED-3FA7-4EF8-964B-EB8BCFAB02F8}" type="datetimeFigureOut">
               <a:rPr lang="en-US" smtClean="0"/>
-              <a:t>7/22/2024</a:t>
+              <a:t>7/30/2024</a:t>
             </a:fld>
             <a:endParaRPr lang="en-US"/>
           </a:p>
@@ -2015,7 +2015,7 @@
           <a:p>
             <a:fld id="{276D79ED-3FA7-4EF8-964B-EB8BCFAB02F8}" type="datetimeFigureOut">
               <a:rPr lang="en-US" smtClean="0"/>
-              <a:t>7/22/2024</a:t>
+              <a:t>7/30/2024</a:t>
             </a:fld>
             <a:endParaRPr lang="en-US"/>
           </a:p>
@@ -2235,7 +2235,7 @@
           <a:p>
             <a:fld id="{276D79ED-3FA7-4EF8-964B-EB8BCFAB02F8}" type="datetimeFigureOut">
               <a:rPr lang="en-US" smtClean="0"/>
-              <a:t>7/22/2024</a:t>
+              <a:t>7/30/2024</a:t>
             </a:fld>
             <a:endParaRPr lang="en-US"/>
           </a:p>
@@ -3036,13 +3036,13 @@
   <p:clrMapOvr>
     <a:masterClrMapping/>
   </p:clrMapOvr>
-  <mc:AlternateContent xmlns:mc="http://schemas.openxmlformats.org/markup-compatibility/2006" xmlns:p159="http://schemas.microsoft.com/office/powerpoint/2015/09/main">
-    <mc:Choice Requires="p159">
+  <mc:AlternateContent xmlns:mc="http://schemas.openxmlformats.org/markup-compatibility/2006">
+    <mc:Choice xmlns:p159="http://schemas.microsoft.com/office/powerpoint/2015/09/main" Requires="p159">
       <p:transition xmlns:p14="http://schemas.microsoft.com/office/powerpoint/2010/main" spd="slow" p14:dur="2000">
         <p159:morph option="byObject"/>
       </p:transition>
     </mc:Choice>
-    <mc:Fallback xmlns="">
+    <mc:Fallback>
       <p:transition spd="slow">
         <p:fade/>
       </p:transition>
@@ -3747,13 +3747,13 @@
   <p:clrMapOvr>
     <a:masterClrMapping/>
   </p:clrMapOvr>
-  <mc:AlternateContent xmlns:mc="http://schemas.openxmlformats.org/markup-compatibility/2006" xmlns:p159="http://schemas.microsoft.com/office/powerpoint/2015/09/main">
-    <mc:Choice Requires="p159">
+  <mc:AlternateContent xmlns:mc="http://schemas.openxmlformats.org/markup-compatibility/2006">
+    <mc:Choice xmlns:p159="http://schemas.microsoft.com/office/powerpoint/2015/09/main" Requires="p159">
       <p:transition xmlns:p14="http://schemas.microsoft.com/office/powerpoint/2010/main" spd="slow" p14:dur="2000">
         <p159:morph option="byObject"/>
       </p:transition>
     </mc:Choice>
-    <mc:Fallback xmlns="">
+    <mc:Fallback>
       <p:transition spd="slow">
         <p:fade/>
       </p:transition>
@@ -4653,13 +4653,13 @@
   <p:clrMapOvr>
     <a:masterClrMapping/>
   </p:clrMapOvr>
-  <mc:AlternateContent xmlns:mc="http://schemas.openxmlformats.org/markup-compatibility/2006" xmlns:p159="http://schemas.microsoft.com/office/powerpoint/2015/09/main">
-    <mc:Choice Requires="p159">
+  <mc:AlternateContent xmlns:mc="http://schemas.openxmlformats.org/markup-compatibility/2006">
+    <mc:Choice xmlns:p159="http://schemas.microsoft.com/office/powerpoint/2015/09/main" Requires="p159">
       <p:transition xmlns:p14="http://schemas.microsoft.com/office/powerpoint/2010/main" spd="slow" p14:dur="2000">
         <p159:morph option="byObject"/>
       </p:transition>
     </mc:Choice>
-    <mc:Fallback xmlns="">
+    <mc:Fallback>
       <p:transition spd="slow">
         <p:fade/>
       </p:transition>
@@ -5006,13 +5006,13 @@
   <p:clrMapOvr>
     <a:masterClrMapping/>
   </p:clrMapOvr>
-  <mc:AlternateContent xmlns:mc="http://schemas.openxmlformats.org/markup-compatibility/2006" xmlns:p159="http://schemas.microsoft.com/office/powerpoint/2015/09/main">
-    <mc:Choice Requires="p159">
+  <mc:AlternateContent xmlns:mc="http://schemas.openxmlformats.org/markup-compatibility/2006">
+    <mc:Choice xmlns:p159="http://schemas.microsoft.com/office/powerpoint/2015/09/main" Requires="p159">
       <p:transition xmlns:p14="http://schemas.microsoft.com/office/powerpoint/2010/main" spd="slow" p14:dur="2000">
         <p159:morph option="byObject"/>
       </p:transition>
     </mc:Choice>
-    <mc:Fallback xmlns="">
+    <mc:Fallback>
       <p:transition spd="slow">
         <p:fade/>
       </p:transition>
@@ -5115,7 +5115,25 @@
                 <a:ea typeface="Calibri" panose="020F0502020204030204" pitchFamily="34" charset="0"/>
                 <a:cs typeface="Times New Roman" panose="02020603050405020304" pitchFamily="18" charset="0"/>
               </a:rPr>
-              <a:t>Trasability Matrix (Matricea de trasabilitate)</a:t>
+              <a:t>Tra</a:t>
+            </a:r>
+            <a:r>
+              <a:rPr lang="en-US" sz="1200" b="1" noProof="1">
+                <a:effectLst/>
+                <a:latin typeface="Calibri" panose="020F0502020204030204" pitchFamily="34" charset="0"/>
+                <a:ea typeface="Calibri" panose="020F0502020204030204" pitchFamily="34" charset="0"/>
+                <a:cs typeface="Times New Roman" panose="02020603050405020304" pitchFamily="18" charset="0"/>
+              </a:rPr>
+              <a:t>ce</a:t>
+            </a:r>
+            <a:r>
+              <a:rPr lang="ro-RO" sz="1200" b="1" noProof="1">
+                <a:effectLst/>
+                <a:latin typeface="Calibri" panose="020F0502020204030204" pitchFamily="34" charset="0"/>
+                <a:ea typeface="Calibri" panose="020F0502020204030204" pitchFamily="34" charset="0"/>
+                <a:cs typeface="Times New Roman" panose="02020603050405020304" pitchFamily="18" charset="0"/>
+              </a:rPr>
+              <a:t>ability Matrix (Matricea de trasabilitate)</a:t>
             </a:r>
           </a:p>
           <a:p>
@@ -5486,13 +5504,13 @@
   <p:clrMapOvr>
     <a:masterClrMapping/>
   </p:clrMapOvr>
-  <mc:AlternateContent xmlns:mc="http://schemas.openxmlformats.org/markup-compatibility/2006" xmlns:p159="http://schemas.microsoft.com/office/powerpoint/2015/09/main">
-    <mc:Choice Requires="p159">
+  <mc:AlternateContent xmlns:mc="http://schemas.openxmlformats.org/markup-compatibility/2006">
+    <mc:Choice xmlns:p159="http://schemas.microsoft.com/office/powerpoint/2015/09/main" Requires="p159">
       <p:transition xmlns:p14="http://schemas.microsoft.com/office/powerpoint/2010/main" spd="slow" p14:dur="2000">
         <p159:morph option="byObject"/>
       </p:transition>
     </mc:Choice>
-    <mc:Fallback xmlns="">
+    <mc:Fallback>
       <p:transition spd="slow">
         <p:fade/>
       </p:transition>
@@ -6153,13 +6171,13 @@
   <p:clrMapOvr>
     <a:masterClrMapping/>
   </p:clrMapOvr>
-  <mc:AlternateContent xmlns:mc="http://schemas.openxmlformats.org/markup-compatibility/2006" xmlns:p159="http://schemas.microsoft.com/office/powerpoint/2015/09/main">
-    <mc:Choice Requires="p159">
+  <mc:AlternateContent xmlns:mc="http://schemas.openxmlformats.org/markup-compatibility/2006">
+    <mc:Choice xmlns:p159="http://schemas.microsoft.com/office/powerpoint/2015/09/main" Requires="p159">
       <p:transition xmlns:p14="http://schemas.microsoft.com/office/powerpoint/2010/main" spd="slow" p14:dur="2000">
         <p159:morph option="byObject"/>
       </p:transition>
     </mc:Choice>
-    <mc:Fallback xmlns="">
+    <mc:Fallback>
       <p:transition spd="slow">
         <p:fade/>
       </p:transition>
@@ -8202,13 +8220,13 @@
   <p:clrMapOvr>
     <a:masterClrMapping/>
   </p:clrMapOvr>
-  <mc:AlternateContent xmlns:mc="http://schemas.openxmlformats.org/markup-compatibility/2006" xmlns:p159="http://schemas.microsoft.com/office/powerpoint/2015/09/main">
-    <mc:Choice Requires="p159">
+  <mc:AlternateContent xmlns:mc="http://schemas.openxmlformats.org/markup-compatibility/2006">
+    <mc:Choice xmlns:p159="http://schemas.microsoft.com/office/powerpoint/2015/09/main" Requires="p159">
       <p:transition xmlns:p14="http://schemas.microsoft.com/office/powerpoint/2010/main" spd="slow" p14:dur="2000">
         <p159:morph option="byObject"/>
       </p:transition>
     </mc:Choice>
-    <mc:Fallback xmlns="">
+    <mc:Fallback>
       <p:transition spd="slow">
         <p:fade/>
       </p:transition>
@@ -8421,13 +8439,13 @@
   <p:clrMapOvr>
     <a:masterClrMapping/>
   </p:clrMapOvr>
-  <mc:AlternateContent xmlns:mc="http://schemas.openxmlformats.org/markup-compatibility/2006" xmlns:p159="http://schemas.microsoft.com/office/powerpoint/2015/09/main">
-    <mc:Choice Requires="p159">
+  <mc:AlternateContent xmlns:mc="http://schemas.openxmlformats.org/markup-compatibility/2006">
+    <mc:Choice xmlns:p159="http://schemas.microsoft.com/office/powerpoint/2015/09/main" Requires="p159">
       <p:transition xmlns:p14="http://schemas.microsoft.com/office/powerpoint/2010/main" spd="slow" p14:dur="2000">
         <p159:morph option="byObject"/>
       </p:transition>
     </mc:Choice>
-    <mc:Fallback xmlns="">
+    <mc:Fallback>
       <p:transition spd="slow">
         <p:fade/>
       </p:transition>
@@ -8624,7 +8642,7 @@
         <p:spPr>
           <a:xfrm>
             <a:off x="402426" y="1"/>
-            <a:ext cx="9072545" cy="1021218"/>
+            <a:ext cx="9072545" cy="704356"/>
           </a:xfrm>
         </p:spPr>
         <p:txBody>
@@ -8650,13 +8668,13 @@
         </p:nvSpPr>
         <p:spPr>
           <a:xfrm>
-            <a:off x="402425" y="928160"/>
-            <a:ext cx="9072545" cy="2268600"/>
+            <a:off x="400977" y="704357"/>
+            <a:ext cx="9072545" cy="2068741"/>
           </a:xfrm>
         </p:spPr>
         <p:txBody>
           <a:bodyPr>
-            <a:normAutofit fontScale="77500" lnSpcReduction="20000"/>
+            <a:normAutofit fontScale="92500" lnSpcReduction="10000"/>
           </a:bodyPr>
           <a:lstStyle/>
           <a:p>
@@ -8674,7 +8692,7 @@
               <a:t>   </a:t>
             </a:r>
             <a:r>
-              <a:rPr lang="en-US" sz="1800" b="1" noProof="1">
+              <a:rPr lang="en-US" sz="1400" b="1" noProof="1">
                 <a:latin typeface="Arial" panose="020B0604020202020204" pitchFamily="34" charset="0"/>
                 <a:cs typeface="Arial" panose="020B0604020202020204" pitchFamily="34" charset="0"/>
               </a:rPr>
@@ -8686,41 +8704,26 @@
               <a:buNone/>
             </a:pPr>
             <a:r>
-              <a:rPr lang="en-US" sz="1800" noProof="1">
+              <a:rPr lang="en-US" sz="1400" noProof="1">
                 <a:latin typeface="Arial" panose="020B0604020202020204" pitchFamily="34" charset="0"/>
                 <a:cs typeface="Arial" panose="020B0604020202020204" pitchFamily="34" charset="0"/>
               </a:rPr>
               <a:t>Descrierea nevoilor și așteptărilor utilizatorilor finali, a funcționalităților dorite și a constrângerilor proiectului</a:t>
             </a:r>
-          </a:p>
-          <a:p>
-            <a:pPr marL="0" indent="0" algn="just" defTabSz="360000">
-              <a:lnSpc>
-                <a:spcPct val="120000"/>
-              </a:lnSpc>
-              <a:spcBef>
-                <a:spcPts val="0"/>
-              </a:spcBef>
-              <a:buNone/>
-            </a:pPr>
-            <a:endParaRPr lang="en-US" sz="1300" noProof="1">
-              <a:latin typeface="Arial" panose="020B0604020202020204" pitchFamily="34" charset="0"/>
-              <a:cs typeface="Arial" panose="020B0604020202020204" pitchFamily="34" charset="0"/>
-            </a:endParaRPr>
           </a:p>
           <a:p>
             <a:pPr marL="0" indent="0" algn="just" defTabSz="360000">
               <a:buNone/>
             </a:pPr>
             <a:r>
-              <a:rPr lang="ro-RO" sz="1800" b="1" noProof="1">
+              <a:rPr lang="ro-RO" sz="1400" b="1" noProof="1">
                 <a:latin typeface="Arial" panose="020B0604020202020204" pitchFamily="34" charset="0"/>
                 <a:cs typeface="Arial" panose="020B0604020202020204" pitchFamily="34" charset="0"/>
               </a:rPr>
               <a:t>   </a:t>
             </a:r>
             <a:r>
-              <a:rPr lang="en-US" sz="1800" b="1" noProof="1">
+              <a:rPr lang="en-US" sz="1400" b="1" noProof="1">
                 <a:latin typeface="Arial" panose="020B0604020202020204" pitchFamily="34" charset="0"/>
                 <a:cs typeface="Arial" panose="020B0604020202020204" pitchFamily="34" charset="0"/>
               </a:rPr>
@@ -8732,7 +8735,7 @@
               <a:buNone/>
             </a:pPr>
             <a:r>
-              <a:rPr lang="en-US" sz="1800" noProof="1">
+              <a:rPr lang="en-US" sz="1400" noProof="1">
                 <a:latin typeface="Arial" panose="020B0604020202020204" pitchFamily="34" charset="0"/>
                 <a:cs typeface="Arial" panose="020B0604020202020204" pitchFamily="34" charset="0"/>
               </a:rPr>
@@ -8744,7 +8747,7 @@
               <a:buNone/>
             </a:pPr>
             <a:r>
-              <a:rPr lang="en-US" sz="1800" noProof="1">
+              <a:rPr lang="en-US" sz="1400" noProof="1">
                 <a:latin typeface="Arial" panose="020B0604020202020204" pitchFamily="34" charset="0"/>
                 <a:cs typeface="Arial" panose="020B0604020202020204" pitchFamily="34" charset="0"/>
               </a:rPr>
@@ -8756,41 +8759,26 @@
               <a:buNone/>
             </a:pPr>
             <a:r>
-              <a:rPr lang="en-US" sz="1800" noProof="1">
+              <a:rPr lang="en-US" sz="1400" noProof="1">
                 <a:latin typeface="Arial" panose="020B0604020202020204" pitchFamily="34" charset="0"/>
                 <a:cs typeface="Arial" panose="020B0604020202020204" pitchFamily="34" charset="0"/>
               </a:rPr>
               <a:t>● Asigurarea alinierii produsului cu obiectivele de afaceri.</a:t>
             </a:r>
-          </a:p>
-          <a:p>
-            <a:pPr marL="457200" lvl="1" indent="0" algn="just" defTabSz="360000">
-              <a:lnSpc>
-                <a:spcPct val="120000"/>
-              </a:lnSpc>
-              <a:spcBef>
-                <a:spcPts val="0"/>
-              </a:spcBef>
-              <a:buNone/>
-            </a:pPr>
-            <a:endParaRPr lang="en-US" sz="1300" noProof="1">
-              <a:latin typeface="Arial" panose="020B0604020202020204" pitchFamily="34" charset="0"/>
-              <a:cs typeface="Arial" panose="020B0604020202020204" pitchFamily="34" charset="0"/>
-            </a:endParaRPr>
           </a:p>
           <a:p>
             <a:pPr marL="0" indent="0" algn="just" defTabSz="360000">
               <a:buNone/>
             </a:pPr>
             <a:r>
-              <a:rPr lang="ro-RO" sz="1800" b="1" noProof="1">
+              <a:rPr lang="ro-RO" sz="1400" b="1" noProof="1">
                 <a:latin typeface="Arial" panose="020B0604020202020204" pitchFamily="34" charset="0"/>
                 <a:cs typeface="Arial" panose="020B0604020202020204" pitchFamily="34" charset="0"/>
               </a:rPr>
               <a:t>   </a:t>
             </a:r>
             <a:r>
-              <a:rPr lang="en-US" sz="1800" b="1" noProof="1">
+              <a:rPr lang="en-US" sz="1400" b="1" noProof="1">
                 <a:latin typeface="Arial" panose="020B0604020202020204" pitchFamily="34" charset="0"/>
                 <a:cs typeface="Arial" panose="020B0604020202020204" pitchFamily="34" charset="0"/>
               </a:rPr>
@@ -8802,7 +8790,7 @@
               <a:buNone/>
             </a:pPr>
             <a:r>
-              <a:rPr lang="en-US" sz="1800" noProof="1">
+              <a:rPr lang="en-US" sz="1400" noProof="1">
                 <a:latin typeface="Arial" panose="020B0604020202020204" pitchFamily="34" charset="0"/>
                 <a:cs typeface="Arial" panose="020B0604020202020204" pitchFamily="34" charset="0"/>
               </a:rPr>
@@ -8839,7 +8827,7 @@
         </p:blipFill>
         <p:spPr>
           <a:xfrm>
-            <a:off x="402423" y="876996"/>
+            <a:off x="398173" y="733735"/>
             <a:ext cx="196307" cy="244113"/>
           </a:xfrm>
           <a:prstGeom prst="rect">
@@ -8875,7 +8863,7 @@
         </p:blipFill>
         <p:spPr>
           <a:xfrm>
-            <a:off x="402424" y="1506438"/>
+            <a:off x="398173" y="1260674"/>
             <a:ext cx="196307" cy="244113"/>
           </a:xfrm>
           <a:prstGeom prst="rect">
@@ -8911,7 +8899,7 @@
         </p:blipFill>
         <p:spPr>
           <a:xfrm>
-            <a:off x="405430" y="2564697"/>
+            <a:off x="398173" y="2205236"/>
             <a:ext cx="196307" cy="244113"/>
           </a:xfrm>
           <a:prstGeom prst="rect">
@@ -8935,8 +8923,8 @@
         </p:nvSpPr>
         <p:spPr>
           <a:xfrm>
-            <a:off x="500579" y="3375062"/>
-            <a:ext cx="8974392" cy="926313"/>
+            <a:off x="557755" y="2930247"/>
+            <a:ext cx="8974392" cy="612400"/>
           </a:xfrm>
           <a:prstGeom prst="rect">
             <a:avLst/>
@@ -8944,7 +8932,7 @@
         </p:spPr>
         <p:txBody>
           <a:bodyPr vert="horz" lIns="91440" tIns="45720" rIns="91440" bIns="45720" rtlCol="0" anchor="ctr">
-            <a:normAutofit/>
+            <a:normAutofit fontScale="92500" lnSpcReduction="10000"/>
           </a:bodyPr>
           <a:lstStyle>
             <a:lvl1pPr algn="ctr" defTabSz="914400" rtl="0" eaLnBrk="1" latinLnBrk="0" hangingPunct="1">
@@ -8990,8 +8978,8 @@
         </p:nvSpPr>
         <p:spPr>
           <a:xfrm>
-            <a:off x="500579" y="4311033"/>
-            <a:ext cx="8974392" cy="2418165"/>
+            <a:off x="496326" y="3429001"/>
+            <a:ext cx="8881849" cy="3317488"/>
           </a:xfrm>
           <a:prstGeom prst="rect">
             <a:avLst/>
@@ -8999,7 +8987,7 @@
         </p:spPr>
         <p:txBody>
           <a:bodyPr vert="horz" lIns="91440" tIns="45720" rIns="91440" bIns="45720" rtlCol="0">
-            <a:normAutofit fontScale="77500" lnSpcReduction="20000"/>
+            <a:noAutofit/>
           </a:bodyPr>
           <a:lstStyle>
             <a:lvl1pPr marL="228600" indent="-228600" algn="l" defTabSz="914400" rtl="0" eaLnBrk="1" latinLnBrk="0" hangingPunct="1">
@@ -9173,14 +9161,7 @@
               <a:buNone/>
             </a:pPr>
             <a:r>
-              <a:rPr lang="ro-RO" sz="1800" b="1" noProof="1">
-                <a:latin typeface="Arial" panose="020B0604020202020204" pitchFamily="34" charset="0"/>
-                <a:ea typeface="Arial" panose="020B0604020202020204" pitchFamily="34" charset="0"/>
-              </a:rPr>
-              <a:t>   </a:t>
-            </a:r>
-            <a:r>
-              <a:rPr lang="en-US" sz="1800" b="1" noProof="1">
+              <a:rPr lang="en-US" sz="1200" b="1" noProof="1">
                 <a:latin typeface="Arial" panose="020B0604020202020204" pitchFamily="34" charset="0"/>
                 <a:ea typeface="Arial" panose="020B0604020202020204" pitchFamily="34" charset="0"/>
               </a:rPr>
@@ -9188,136 +9169,97 @@
             </a:r>
           </a:p>
           <a:p>
-            <a:pPr marL="0" indent="0" algn="just">
-              <a:lnSpc>
-                <a:spcPct val="115000"/>
-              </a:lnSpc>
-              <a:buFont typeface="Arial" panose="020B0604020202020204" pitchFamily="34" charset="0"/>
+            <a:pPr marL="457200" lvl="1" indent="0" algn="just" defTabSz="360000">
+              <a:lnSpc>
+                <a:spcPct val="120000"/>
+              </a:lnSpc>
               <a:buNone/>
             </a:pPr>
             <a:r>
-              <a:rPr lang="en-US" sz="1800" b="1" noProof="1">
-                <a:latin typeface="Arial" panose="020B0604020202020204" pitchFamily="34" charset="0"/>
-                <a:ea typeface="Arial" panose="020B0604020202020204" pitchFamily="34" charset="0"/>
-              </a:rPr>
-              <a:t>	</a:t>
-            </a:r>
-            <a:r>
-              <a:rPr lang="en-US" sz="1800" noProof="1">
-                <a:latin typeface="Arial" panose="020B0604020202020204" pitchFamily="34" charset="0"/>
-                <a:ea typeface="Arial" panose="020B0604020202020204" pitchFamily="34" charset="0"/>
-              </a:rPr>
-              <a:t>Un set de instrucțiuni detaliate pentru a verifica o anumită funcționalitate.</a:t>
-            </a:r>
-          </a:p>
-          <a:p>
-            <a:pPr marL="0" indent="0" algn="just">
-              <a:lnSpc>
-                <a:spcPct val="110000"/>
-              </a:lnSpc>
-              <a:spcBef>
-                <a:spcPts val="0"/>
-              </a:spcBef>
-              <a:buFont typeface="Arial" panose="020B0604020202020204" pitchFamily="34" charset="0"/>
+              <a:rPr lang="en-US" sz="1200" noProof="1">
+                <a:latin typeface="Arial" panose="020B0604020202020204" pitchFamily="34" charset="0"/>
+                <a:cs typeface="Arial" panose="020B0604020202020204" pitchFamily="34" charset="0"/>
+              </a:rPr>
+              <a:t>● </a:t>
+            </a:r>
+            <a:r>
+              <a:rPr lang="ro-RO" sz="1200" noProof="1">
+                <a:latin typeface="Arial" panose="020B0604020202020204" pitchFamily="34" charset="0"/>
+                <a:cs typeface="Arial" panose="020B0604020202020204" pitchFamily="34" charset="0"/>
+              </a:rPr>
+              <a:t>u</a:t>
+            </a:r>
+            <a:r>
+              <a:rPr lang="en-US" sz="1200" noProof="1">
+                <a:latin typeface="Arial" panose="020B0604020202020204" pitchFamily="34" charset="0"/>
+              </a:rPr>
+              <a:t>n set de condiții și pași specifici, inclusiv input data </a:t>
+            </a:r>
+            <a:r>
+              <a:rPr lang="ro-RO" sz="1200" noProof="1">
+                <a:latin typeface="Arial" panose="020B0604020202020204" pitchFamily="34" charset="0"/>
+              </a:rPr>
+              <a:t>și</a:t>
+            </a:r>
+            <a:r>
+              <a:rPr lang="en-US" sz="1200" noProof="1">
+                <a:latin typeface="Arial" panose="020B0604020202020204" pitchFamily="34" charset="0"/>
+              </a:rPr>
+              <a:t> expected results, folosite pentru a verifica dacă o caracteristică sau o funcționalitate a software-ului funcționează conform specificațiilor.</a:t>
+            </a:r>
+            <a:endParaRPr lang="ro-RO" sz="1200" noProof="1">
+              <a:latin typeface="Arial" panose="020B0604020202020204" pitchFamily="34" charset="0"/>
+            </a:endParaRPr>
+          </a:p>
+          <a:p>
+            <a:pPr marL="0" indent="0" algn="just" defTabSz="360000">
+              <a:lnSpc>
+                <a:spcPct val="120000"/>
+              </a:lnSpc>
               <a:buNone/>
             </a:pPr>
-            <a:endParaRPr lang="en-US" sz="1300" b="1" noProof="1">
-              <a:latin typeface="Arial" panose="020B0604020202020204" pitchFamily="34" charset="0"/>
-              <a:ea typeface="Arial" panose="020B0604020202020204" pitchFamily="34" charset="0"/>
-            </a:endParaRPr>
-          </a:p>
-          <a:p>
-            <a:pPr marL="0" indent="0" algn="just">
-              <a:lnSpc>
-                <a:spcPct val="115000"/>
+            <a:r>
+              <a:rPr lang="en-US" sz="1200" b="1" noProof="1">
+                <a:latin typeface="Arial" panose="020B0604020202020204" pitchFamily="34" charset="0"/>
+              </a:rPr>
+              <a:t>Test condition:</a:t>
+            </a:r>
+          </a:p>
+          <a:p>
+            <a:pPr marL="457200" lvl="1" indent="0" algn="just" defTabSz="360000">
+              <a:lnSpc>
+                <a:spcPct val="120000"/>
               </a:lnSpc>
               <a:buNone/>
             </a:pPr>
             <a:r>
-              <a:rPr lang="ro-RO" sz="1800" b="1" noProof="1">
-                <a:latin typeface="Arial" panose="020B0604020202020204" pitchFamily="34" charset="0"/>
-                <a:ea typeface="Arial" panose="020B0604020202020204" pitchFamily="34" charset="0"/>
-              </a:rPr>
-              <a:t>   </a:t>
-            </a:r>
-            <a:r>
-              <a:rPr lang="en-US" sz="1800" b="1" noProof="1">
-                <a:latin typeface="Arial" panose="020B0604020202020204" pitchFamily="34" charset="0"/>
-                <a:ea typeface="Arial" panose="020B0604020202020204" pitchFamily="34" charset="0"/>
-              </a:rPr>
-              <a:t>Test condition:</a:t>
-            </a:r>
-          </a:p>
-          <a:p>
-            <a:pPr marL="0" indent="0" algn="just">
-              <a:lnSpc>
-                <a:spcPct val="115000"/>
-              </a:lnSpc>
-              <a:buFont typeface="Arial" panose="020B0604020202020204" pitchFamily="34" charset="0"/>
-              <a:buNone/>
-            </a:pPr>
-            <a:r>
-              <a:rPr lang="en-US" sz="1800" b="1" noProof="1">
-                <a:latin typeface="Arial" panose="020B0604020202020204" pitchFamily="34" charset="0"/>
-                <a:ea typeface="Arial" panose="020B0604020202020204" pitchFamily="34" charset="0"/>
-              </a:rPr>
-              <a:t>	</a:t>
-            </a:r>
-            <a:r>
-              <a:rPr lang="en-US" sz="1800" noProof="1">
-                <a:latin typeface="Arial" panose="020B0604020202020204" pitchFamily="34" charset="0"/>
-                <a:ea typeface="Arial" panose="020B0604020202020204" pitchFamily="34" charset="0"/>
-              </a:rPr>
-              <a:t>O condiție specifică ce trebuie verificată pentru a valida o funcționalitate.</a:t>
-            </a:r>
-          </a:p>
-          <a:p>
-            <a:pPr algn="just">
-              <a:lnSpc>
-                <a:spcPct val="120000"/>
-              </a:lnSpc>
-              <a:spcBef>
-                <a:spcPts val="0"/>
-              </a:spcBef>
-            </a:pPr>
-            <a:endParaRPr lang="en-US" sz="700" noProof="1">
-              <a:latin typeface="Arial" panose="020B0604020202020204" pitchFamily="34" charset="0"/>
-              <a:ea typeface="Arial" panose="020B0604020202020204" pitchFamily="34" charset="0"/>
-            </a:endParaRPr>
-          </a:p>
-          <a:p>
-            <a:pPr marL="457200" lvl="1" indent="0" algn="just">
-              <a:lnSpc>
-                <a:spcPct val="115000"/>
-              </a:lnSpc>
-              <a:buFont typeface="Arial" panose="020B0604020202020204" pitchFamily="34" charset="0"/>
-              <a:buNone/>
-            </a:pPr>
-            <a:r>
-              <a:rPr lang="ro-RO" sz="2200" b="1" i="1" noProof="1">
-                <a:solidFill>
-                  <a:schemeClr val="bg2">
-                    <a:lumMod val="50000"/>
-                  </a:schemeClr>
-                </a:solidFill>
-                <a:latin typeface="Arial" panose="020B0604020202020204" pitchFamily="34" charset="0"/>
-                <a:ea typeface="Arial" panose="020B0604020202020204" pitchFamily="34" charset="0"/>
-              </a:rPr>
-              <a:t>   </a:t>
-            </a:r>
-            <a:r>
-              <a:rPr lang="en-US" sz="1800" b="1" i="1" noProof="1">
-                <a:solidFill>
-                  <a:schemeClr val="bg2">
-                    <a:lumMod val="50000"/>
-                  </a:schemeClr>
-                </a:solidFill>
-                <a:latin typeface="Arial" panose="020B0604020202020204" pitchFamily="34" charset="0"/>
-                <a:ea typeface="Arial" panose="020B0604020202020204" pitchFamily="34" charset="0"/>
-              </a:rPr>
-              <a:t>Diferența:</a:t>
-            </a:r>
-            <a:endParaRPr lang="en-US" sz="1800" noProof="1">
+              <a:rPr lang="en-US" sz="1200" noProof="1">
+                <a:latin typeface="Arial" panose="020B0604020202020204" pitchFamily="34" charset="0"/>
+                <a:cs typeface="Arial" panose="020B0604020202020204" pitchFamily="34" charset="0"/>
+              </a:rPr>
+              <a:t>● o situație sau un set de criterii pe care un tester dorește să le verifice sau să le valideze. Condițiile de test sunt mai generale și pot include cerințe, funcționalități, tranzacții, sau orice alte aspecte </a:t>
+            </a:r>
+            <a:r>
+              <a:rPr lang="en-US" sz="1200" noProof="1">
+                <a:latin typeface="Arial" panose="020B0604020202020204" pitchFamily="34" charset="0"/>
+              </a:rPr>
+              <a:t>care trebuie verificate pentru a se asigura că </a:t>
+            </a:r>
+            <a:r>
+              <a:rPr lang="en-US" sz="1200" noProof="1">
+                <a:latin typeface="Arial" panose="020B0604020202020204" pitchFamily="34" charset="0"/>
+                <a:cs typeface="Arial" panose="020B0604020202020204" pitchFamily="34" charset="0"/>
+              </a:rPr>
+              <a:t>software-ul funcționează corect</a:t>
+            </a:r>
+            <a:r>
+              <a:rPr lang="ro-RO" sz="1200" noProof="1">
+                <a:latin typeface="Arial" panose="020B0604020202020204" pitchFamily="34" charset="0"/>
+                <a:cs typeface="Arial" panose="020B0604020202020204" pitchFamily="34" charset="0"/>
+              </a:rPr>
+              <a:t>.</a:t>
+            </a:r>
+            <a:endParaRPr lang="ro-RO" sz="1200" b="1" i="1" noProof="1">
               <a:solidFill>
                 <a:schemeClr val="bg2">
                   <a:lumMod val="50000"/>
@@ -9328,29 +9270,56 @@
             </a:endParaRPr>
           </a:p>
           <a:p>
-            <a:pPr lvl="2" algn="just">
+            <a:pPr marL="0" indent="0" algn="just">
               <a:lnSpc>
                 <a:spcPct val="115000"/>
               </a:lnSpc>
-            </a:pPr>
-            <a:r>
-              <a:rPr lang="en-US" sz="1800" noProof="1">
-                <a:latin typeface="Arial" panose="020B0604020202020204" pitchFamily="34" charset="0"/>
-                <a:ea typeface="Arial" panose="020B0604020202020204" pitchFamily="34" charset="0"/>
-              </a:rPr>
-              <a:t>Un test case poate include mai multe test conditions.</a:t>
-            </a:r>
-          </a:p>
-          <a:p>
-            <a:pPr lvl="2" algn="just"/>
-            <a:r>
-              <a:rPr lang="en-US" sz="1800" noProof="1">
-                <a:latin typeface="Arial" panose="020B0604020202020204" pitchFamily="34" charset="0"/>
-                <a:ea typeface="Arial" panose="020B0604020202020204" pitchFamily="34" charset="0"/>
-              </a:rPr>
-              <a:t>Un test condition este o componentă a unui test case.</a:t>
-            </a:r>
-            <a:endParaRPr lang="en-US" sz="1800" noProof="1"/>
+              <a:buNone/>
+            </a:pPr>
+            <a:r>
+              <a:rPr lang="en-US" sz="1200" b="1" i="1" noProof="1">
+                <a:solidFill>
+                  <a:schemeClr val="bg2">
+                    <a:lumMod val="50000"/>
+                  </a:schemeClr>
+                </a:solidFill>
+                <a:latin typeface="Arial" panose="020B0604020202020204" pitchFamily="34" charset="0"/>
+                <a:ea typeface="Arial" panose="020B0604020202020204" pitchFamily="34" charset="0"/>
+              </a:rPr>
+              <a:t>Relația dintre Test Case și Test Condition:</a:t>
+            </a:r>
+            <a:endParaRPr lang="en-US" sz="1200" noProof="1">
+              <a:solidFill>
+                <a:schemeClr val="bg2">
+                  <a:lumMod val="50000"/>
+                </a:schemeClr>
+              </a:solidFill>
+              <a:latin typeface="Arial" panose="020B0604020202020204" pitchFamily="34" charset="0"/>
+              <a:ea typeface="Arial" panose="020B0604020202020204" pitchFamily="34" charset="0"/>
+            </a:endParaRPr>
+          </a:p>
+          <a:p>
+            <a:pPr marL="457200" lvl="1" indent="0" algn="just">
+              <a:lnSpc>
+                <a:spcPct val="120000"/>
+              </a:lnSpc>
+              <a:buNone/>
+            </a:pPr>
+            <a:r>
+              <a:rPr lang="en-US" sz="1200" noProof="1">
+                <a:latin typeface="Arial" panose="020B0604020202020204" pitchFamily="34" charset="0"/>
+                <a:ea typeface="Arial" panose="020B0604020202020204" pitchFamily="34" charset="0"/>
+              </a:rPr>
+              <a:t>Un test case este specific și detaliat și este creat pentru a verifica una sau mai multe test conditions. Cu alte cuvinte, fiecare test case derivă din una sau mai multe test conditions. De exemplu, dacă avem o test condition care cere ca utilizatorul să se poată autentifica, putem avea mai multe test cases care acoperă autentificarea cu date corecte, autentificarea cu date incorecte, autentificarea cu cont blocat, etc.</a:t>
+            </a:r>
+            <a:r>
+              <a:rPr lang="ro-RO" sz="1200" noProof="1">
+                <a:latin typeface="Arial" panose="020B0604020202020204" pitchFamily="34" charset="0"/>
+                <a:ea typeface="Arial" panose="020B0604020202020204" pitchFamily="34" charset="0"/>
+              </a:rPr>
+              <a:t> Prin urmare, un test condition descrie ce trebuie testat, iar un test case descrie cum va fi efectuat acel test.</a:t>
+            </a:r>
+            <a:endParaRPr lang="en-US" sz="1200" noProof="1"/>
           </a:p>
         </p:txBody>
       </p:sp>
@@ -9382,7 +9351,7 @@
         </p:blipFill>
         <p:spPr>
           <a:xfrm>
-            <a:off x="500577" y="4301375"/>
+            <a:off x="361448" y="3428999"/>
             <a:ext cx="196307" cy="244113"/>
           </a:xfrm>
           <a:prstGeom prst="rect">
@@ -9418,7 +9387,7 @@
         </p:blipFill>
         <p:spPr>
           <a:xfrm>
-            <a:off x="500577" y="5105631"/>
+            <a:off x="361448" y="4286805"/>
             <a:ext cx="196307" cy="244113"/>
           </a:xfrm>
           <a:prstGeom prst="rect">
@@ -9454,7 +9423,7 @@
         </p:blipFill>
         <p:spPr>
           <a:xfrm>
-            <a:off x="968884" y="5807783"/>
+            <a:off x="361448" y="5334913"/>
             <a:ext cx="196307" cy="244113"/>
           </a:xfrm>
           <a:prstGeom prst="rect">
@@ -9472,13 +9441,13 @@
   <p:clrMapOvr>
     <a:masterClrMapping/>
   </p:clrMapOvr>
-  <mc:AlternateContent xmlns:mc="http://schemas.openxmlformats.org/markup-compatibility/2006" xmlns:p159="http://schemas.microsoft.com/office/powerpoint/2015/09/main">
-    <mc:Choice Requires="p159">
+  <mc:AlternateContent xmlns:mc="http://schemas.openxmlformats.org/markup-compatibility/2006">
+    <mc:Choice xmlns:p159="http://schemas.microsoft.com/office/powerpoint/2015/09/main" Requires="p159">
       <p:transition xmlns:p14="http://schemas.microsoft.com/office/powerpoint/2010/main" spd="slow" p14:dur="2000">
         <p159:morph option="byObject"/>
       </p:transition>
     </mc:Choice>
-    <mc:Fallback xmlns="">
+    <mc:Fallback>
       <p:transition spd="slow">
         <p:fade/>
       </p:transition>
@@ -9555,13 +9524,13 @@
         </p:nvSpPr>
         <p:spPr>
           <a:xfrm>
-            <a:off x="404943" y="1841862"/>
+            <a:off x="404941" y="1764629"/>
             <a:ext cx="9051029" cy="4752576"/>
           </a:xfrm>
         </p:spPr>
         <p:txBody>
           <a:bodyPr anchor="ctr">
-            <a:normAutofit fontScale="32500" lnSpcReduction="20000"/>
+            <a:noAutofit/>
           </a:bodyPr>
           <a:lstStyle/>
           <a:p>
@@ -9578,7 +9547,7 @@
               <a:buNone/>
             </a:pPr>
             <a:r>
-              <a:rPr lang="ro-RO" sz="4300" b="1" noProof="1">
+              <a:rPr lang="ro-RO" sz="1400" b="1" noProof="1">
                 <a:solidFill>
                   <a:srgbClr val="000000"/>
                 </a:solidFill>
@@ -9587,7 +9556,7 @@
               <a:t>1</a:t>
             </a:r>
             <a:r>
-              <a:rPr lang="en-US" sz="4300" b="1" u="none" strike="noStrike" noProof="1">
+              <a:rPr lang="en-US" sz="1400" b="1" u="none" strike="noStrike" noProof="1">
                 <a:solidFill>
                   <a:srgbClr val="000000"/>
                 </a:solidFill>
@@ -9597,7 +9566,7 @@
               <a:t>. Test Planning (Planificarea testării)</a:t>
             </a:r>
             <a:r>
-              <a:rPr lang="en-US" sz="4300" b="1" noProof="1">
+              <a:rPr lang="en-US" sz="1400" b="1" noProof="1">
                 <a:solidFill>
                   <a:srgbClr val="434343"/>
                 </a:solidFill>
@@ -9606,14 +9575,14 @@
               <a:t> - </a:t>
             </a:r>
             <a:r>
-              <a:rPr lang="en-US" sz="4300" b="1" noProof="1">
+              <a:rPr lang="en-US" sz="1400" b="1" noProof="1">
                 <a:effectLst/>
                 <a:latin typeface="Arial" panose="020B0604020202020204" pitchFamily="34" charset="0"/>
                 <a:ea typeface="Arial" panose="020B0604020202020204" pitchFamily="34" charset="0"/>
               </a:rPr>
               <a:t>Definirea strategiei de testare, a resurselor și a calendarului</a:t>
             </a:r>
-            <a:endParaRPr lang="en-US" sz="4300" noProof="1">
+            <a:endParaRPr lang="en-US" sz="1400" noProof="1">
               <a:effectLst/>
               <a:latin typeface="Arial" panose="020B0604020202020204" pitchFamily="34" charset="0"/>
               <a:ea typeface="Arial" panose="020B0604020202020204" pitchFamily="34" charset="0"/>
@@ -9631,7 +9600,7 @@
               <a:buChar char="●"/>
             </a:pPr>
             <a:r>
-              <a:rPr lang="en-US" sz="3600" b="1" u="none" strike="noStrike" noProof="1">
+              <a:rPr lang="en-US" sz="1200" b="1" u="none" strike="noStrike" noProof="1">
                 <a:effectLst/>
                 <a:latin typeface="Arial" panose="020B0604020202020204" pitchFamily="34" charset="0"/>
                 <a:ea typeface="Arial" panose="020B0604020202020204" pitchFamily="34" charset="0"/>
@@ -9639,7 +9608,7 @@
               <a:t>Scop</a:t>
             </a:r>
             <a:r>
-              <a:rPr lang="en-US" sz="3600" u="none" strike="noStrike" noProof="1">
+              <a:rPr lang="en-US" sz="1200" u="none" strike="noStrike" noProof="1">
                 <a:effectLst/>
                 <a:latin typeface="Arial" panose="020B0604020202020204" pitchFamily="34" charset="0"/>
                 <a:ea typeface="Arial" panose="020B0604020202020204" pitchFamily="34" charset="0"/>
@@ -9659,7 +9628,7 @@
               <a:buChar char="●"/>
             </a:pPr>
             <a:r>
-              <a:rPr lang="en-US" sz="3600" b="1" u="none" strike="noStrike" noProof="1">
+              <a:rPr lang="en-US" sz="1200" b="1" u="none" strike="noStrike" noProof="1">
                 <a:effectLst/>
                 <a:latin typeface="Arial" panose="020B0604020202020204" pitchFamily="34" charset="0"/>
                 <a:ea typeface="Arial" panose="020B0604020202020204" pitchFamily="34" charset="0"/>
@@ -9667,7 +9636,7 @@
               <a:t>Strategie</a:t>
             </a:r>
             <a:r>
-              <a:rPr lang="en-US" sz="3600" u="none" strike="noStrike" noProof="1">
+              <a:rPr lang="en-US" sz="1200" u="none" strike="noStrike" noProof="1">
                 <a:effectLst/>
                 <a:latin typeface="Arial" panose="020B0604020202020204" pitchFamily="34" charset="0"/>
                 <a:ea typeface="Arial" panose="020B0604020202020204" pitchFamily="34" charset="0"/>
@@ -9687,7 +9656,7 @@
               <a:buChar char="●"/>
             </a:pPr>
             <a:r>
-              <a:rPr lang="en-US" sz="3600" b="1" u="none" strike="noStrike" noProof="1">
+              <a:rPr lang="en-US" sz="1200" b="1" u="none" strike="noStrike" noProof="1">
                 <a:effectLst/>
                 <a:latin typeface="Arial" panose="020B0604020202020204" pitchFamily="34" charset="0"/>
                 <a:ea typeface="Arial" panose="020B0604020202020204" pitchFamily="34" charset="0"/>
@@ -9695,7 +9664,7 @@
               <a:t>Resurse</a:t>
             </a:r>
             <a:r>
-              <a:rPr lang="en-US" sz="3600" u="none" strike="noStrike" noProof="1">
+              <a:rPr lang="en-US" sz="1200" u="none" strike="noStrike" noProof="1">
                 <a:effectLst/>
                 <a:latin typeface="Arial" panose="020B0604020202020204" pitchFamily="34" charset="0"/>
                 <a:ea typeface="Arial" panose="020B0604020202020204" pitchFamily="34" charset="0"/>
@@ -9711,11 +9680,14 @@
               <a:spcBef>
                 <a:spcPts val="0"/>
               </a:spcBef>
+              <a:spcAft>
+                <a:spcPts val="1800"/>
+              </a:spcAft>
               <a:buFont typeface="Arial" panose="020B0604020202020204" pitchFamily="34" charset="0"/>
               <a:buChar char="●"/>
             </a:pPr>
             <a:r>
-              <a:rPr lang="en-US" sz="3600" b="1" u="none" strike="noStrike" noProof="1">
+              <a:rPr lang="en-US" sz="1200" b="1" u="none" strike="noStrike" noProof="1">
                 <a:effectLst/>
                 <a:latin typeface="Arial" panose="020B0604020202020204" pitchFamily="34" charset="0"/>
                 <a:ea typeface="Arial" panose="020B0604020202020204" pitchFamily="34" charset="0"/>
@@ -9723,7 +9695,7 @@
               <a:t>Calendar</a:t>
             </a:r>
             <a:r>
-              <a:rPr lang="en-US" sz="3600" u="none" strike="noStrike" noProof="1">
+              <a:rPr lang="en-US" sz="1200" u="none" strike="noStrike" noProof="1">
                 <a:effectLst/>
                 <a:latin typeface="Arial" panose="020B0604020202020204" pitchFamily="34" charset="0"/>
                 <a:ea typeface="Arial" panose="020B0604020202020204" pitchFamily="34" charset="0"/>
@@ -9732,47 +9704,147 @@
             </a:r>
           </a:p>
           <a:p>
-            <a:pPr marL="457200" lvl="2" indent="0" algn="just">
+            <a:pPr marL="108000" lvl="0" indent="0" algn="just">
               <a:lnSpc>
                 <a:spcPct val="120000"/>
               </a:lnSpc>
               <a:spcBef>
-                <a:spcPts val="0"/>
-              </a:spcBef>
+                <a:spcPts val="1000"/>
+              </a:spcBef>
+              <a:spcAft>
+                <a:spcPts val="400"/>
+              </a:spcAft>
               <a:buNone/>
             </a:pPr>
-            <a:endParaRPr lang="en-US" sz="3600" u="none" strike="noStrike" noProof="1">
+            <a:r>
+              <a:rPr lang="ro-RO" sz="1400" b="1" noProof="1">
+                <a:solidFill>
+                  <a:srgbClr val="000000"/>
+                </a:solidFill>
+                <a:latin typeface="Arial" panose="020B0604020202020204" pitchFamily="34" charset="0"/>
+              </a:rPr>
+              <a:t>2</a:t>
+            </a:r>
+            <a:r>
+              <a:rPr lang="en-US" sz="1400" b="1" u="none" strike="noStrike" noProof="1">
+                <a:solidFill>
+                  <a:srgbClr val="000000"/>
+                </a:solidFill>
+                <a:effectLst/>
+                <a:latin typeface="Arial" panose="020B0604020202020204" pitchFamily="34" charset="0"/>
+              </a:rPr>
+              <a:t>. Test Analysis (Analiza cerințelor)</a:t>
+            </a:r>
+            <a:r>
+              <a:rPr lang="en-US" sz="1400" b="1" noProof="1">
+                <a:solidFill>
+                  <a:srgbClr val="434343"/>
+                </a:solidFill>
+                <a:latin typeface="Arial" panose="020B0604020202020204" pitchFamily="34" charset="0"/>
+              </a:rPr>
+              <a:t> - </a:t>
+            </a:r>
+            <a:r>
+              <a:rPr lang="en-US" sz="1400" b="1" noProof="1">
+                <a:effectLst/>
+                <a:latin typeface="Arial" panose="020B0604020202020204" pitchFamily="34" charset="0"/>
+                <a:ea typeface="Arial" panose="020B0604020202020204" pitchFamily="34" charset="0"/>
+              </a:rPr>
+              <a:t>Înțelegerea detaliată a funcționalităților dorite</a:t>
+            </a:r>
+            <a:endParaRPr lang="en-US" sz="1400" noProof="1">
               <a:effectLst/>
               <a:latin typeface="Arial" panose="020B0604020202020204" pitchFamily="34" charset="0"/>
               <a:ea typeface="Arial" panose="020B0604020202020204" pitchFamily="34" charset="0"/>
             </a:endParaRPr>
           </a:p>
           <a:p>
-            <a:pPr marL="457200" lvl="2" indent="0" algn="just">
+            <a:pPr marL="565200" lvl="1" indent="-108000" algn="just">
               <a:lnSpc>
                 <a:spcPct val="120000"/>
               </a:lnSpc>
               <a:spcBef>
                 <a:spcPts val="0"/>
               </a:spcBef>
-              <a:buNone/>
-            </a:pPr>
-            <a:endParaRPr lang="en-US" sz="3600" noProof="1">
-              <a:latin typeface="Arial" panose="020B0604020202020204" pitchFamily="34" charset="0"/>
-              <a:ea typeface="Arial" panose="020B0604020202020204" pitchFamily="34" charset="0"/>
-            </a:endParaRPr>
-          </a:p>
-          <a:p>
-            <a:pPr marL="457200" lvl="2" indent="0" algn="just">
+              <a:buFont typeface="Arial" panose="020B0604020202020204" pitchFamily="34" charset="0"/>
+              <a:buChar char="●"/>
+            </a:pPr>
+            <a:r>
+              <a:rPr lang="en-US" sz="1200" b="1" u="none" strike="noStrike" noProof="1">
+                <a:effectLst/>
+                <a:latin typeface="Arial" panose="020B0604020202020204" pitchFamily="34" charset="0"/>
+                <a:ea typeface="Arial" panose="020B0604020202020204" pitchFamily="34" charset="0"/>
+              </a:rPr>
+              <a:t>Scop</a:t>
+            </a:r>
+            <a:r>
+              <a:rPr lang="en-US" sz="1200" u="none" strike="noStrike" noProof="1">
+                <a:effectLst/>
+                <a:latin typeface="Arial" panose="020B0604020202020204" pitchFamily="34" charset="0"/>
+                <a:ea typeface="Arial" panose="020B0604020202020204" pitchFamily="34" charset="0"/>
+              </a:rPr>
+              <a:t>: Înțelegerea în detaliu a cerințelor de business și tehnice.</a:t>
+            </a:r>
+          </a:p>
+          <a:p>
+            <a:pPr marL="565200" lvl="1" indent="-108000" algn="just">
               <a:lnSpc>
                 <a:spcPct val="120000"/>
               </a:lnSpc>
               <a:spcBef>
                 <a:spcPts val="0"/>
               </a:spcBef>
-              <a:buNone/>
-            </a:pPr>
-            <a:endParaRPr lang="en-US" sz="3600" u="none" strike="noStrike" noProof="1">
+              <a:buFont typeface="Arial" panose="020B0604020202020204" pitchFamily="34" charset="0"/>
+              <a:buChar char="●"/>
+            </a:pPr>
+            <a:r>
+              <a:rPr lang="en-US" sz="1200" b="1" u="none" strike="noStrike" noProof="1">
+                <a:effectLst/>
+                <a:latin typeface="Arial" panose="020B0604020202020204" pitchFamily="34" charset="0"/>
+                <a:ea typeface="Arial" panose="020B0604020202020204" pitchFamily="34" charset="0"/>
+              </a:rPr>
+              <a:t>Activități</a:t>
+            </a:r>
+            <a:r>
+              <a:rPr lang="en-US" sz="1200" u="none" strike="noStrike" noProof="1">
+                <a:effectLst/>
+                <a:latin typeface="Arial" panose="020B0604020202020204" pitchFamily="34" charset="0"/>
+                <a:ea typeface="Arial" panose="020B0604020202020204" pitchFamily="34" charset="0"/>
+              </a:rPr>
+              <a:t>: Analizarea documentației de cerințe (ex: SRS - Software Requirements Specification).</a:t>
+            </a:r>
+          </a:p>
+          <a:p>
+            <a:pPr marL="565200" lvl="1" indent="-108000" algn="just">
+              <a:lnSpc>
+                <a:spcPct val="120000"/>
+              </a:lnSpc>
+              <a:spcBef>
+                <a:spcPts val="0"/>
+              </a:spcBef>
+              <a:spcAft>
+                <a:spcPts val="1800"/>
+              </a:spcAft>
+              <a:buFont typeface="Arial" panose="020B0604020202020204" pitchFamily="34" charset="0"/>
+              <a:buChar char="●"/>
+            </a:pPr>
+            <a:r>
+              <a:rPr lang="en-US" sz="1200" b="1" u="none" strike="noStrike" noProof="1">
+                <a:effectLst/>
+                <a:latin typeface="Arial" panose="020B0604020202020204" pitchFamily="34" charset="0"/>
+                <a:ea typeface="Arial" panose="020B0604020202020204" pitchFamily="34" charset="0"/>
+              </a:rPr>
+              <a:t>Rezultate</a:t>
+            </a:r>
+            <a:r>
+              <a:rPr lang="en-US" sz="1200" u="none" strike="noStrike" noProof="1">
+                <a:effectLst/>
+                <a:latin typeface="Arial" panose="020B0604020202020204" pitchFamily="34" charset="0"/>
+                <a:ea typeface="Arial" panose="020B0604020202020204" pitchFamily="34" charset="0"/>
+              </a:rPr>
+              <a:t>: Crearea unei liste de cerințe testabile și identificarea condițiilor de testare.</a:t>
+            </a:r>
+            <a:endParaRPr lang="en-US" sz="1200" noProof="1">
               <a:effectLst/>
               <a:latin typeface="Arial" panose="020B0604020202020204" pitchFamily="34" charset="0"/>
               <a:ea typeface="Arial" panose="020B0604020202020204" pitchFamily="34" charset="0"/>
@@ -9792,26 +9864,26 @@
               <a:buNone/>
             </a:pPr>
             <a:r>
-              <a:rPr lang="ro-RO" sz="4300" b="1" noProof="1">
+              <a:rPr lang="ro-RO" sz="1400" b="1" noProof="1">
                 <a:solidFill>
                   <a:srgbClr val="000000"/>
                 </a:solidFill>
                 <a:latin typeface="Arial" panose="020B0604020202020204" pitchFamily="34" charset="0"/>
               </a:rPr>
-              <a:t>2</a:t>
-            </a:r>
-            <a:r>
-              <a:rPr lang="en-US" sz="4300" b="1" u="none" strike="noStrike" noProof="1">
+              <a:t>3</a:t>
+            </a:r>
+            <a:r>
+              <a:rPr lang="en-US" sz="1400" b="1" u="none" strike="noStrike" noProof="1">
                 <a:solidFill>
                   <a:srgbClr val="000000"/>
                 </a:solidFill>
                 <a:effectLst/>
                 <a:latin typeface="Arial" panose="020B0604020202020204" pitchFamily="34" charset="0"/>
               </a:rPr>
-              <a:t>. Test Analysis (Analiza cerințelor)</a:t>
-            </a:r>
-            <a:r>
-              <a:rPr lang="en-US" sz="4300" b="1" noProof="1">
+              <a:t>. Test Design (Proiectarea testelor)</a:t>
+            </a:r>
+            <a:r>
+              <a:rPr lang="en-US" sz="1400" b="1" noProof="1">
                 <a:solidFill>
                   <a:srgbClr val="434343"/>
                 </a:solidFill>
@@ -9820,14 +9892,14 @@
               <a:t> - </a:t>
             </a:r>
             <a:r>
-              <a:rPr lang="en-US" sz="4300" b="1" noProof="1">
-                <a:effectLst/>
-                <a:latin typeface="Arial" panose="020B0604020202020204" pitchFamily="34" charset="0"/>
-                <a:ea typeface="Arial" panose="020B0604020202020204" pitchFamily="34" charset="0"/>
-              </a:rPr>
-              <a:t>Înțelegerea detaliată a funcționalităților dorite</a:t>
-            </a:r>
-            <a:endParaRPr lang="en-US" sz="4300" noProof="1">
+              <a:rPr lang="en-US" sz="1400" b="1" noProof="1">
+                <a:effectLst/>
+                <a:latin typeface="Arial" panose="020B0604020202020204" pitchFamily="34" charset="0"/>
+                <a:ea typeface="Arial" panose="020B0604020202020204" pitchFamily="34" charset="0"/>
+              </a:rPr>
+              <a:t>Crearea de test cases</a:t>
+            </a:r>
+            <a:endParaRPr lang="en-US" sz="1400" noProof="1">
               <a:effectLst/>
               <a:latin typeface="Arial" panose="020B0604020202020204" pitchFamily="34" charset="0"/>
               <a:ea typeface="Arial" panose="020B0604020202020204" pitchFamily="34" charset="0"/>
@@ -9845,7 +9917,7 @@
               <a:buChar char="●"/>
             </a:pPr>
             <a:r>
-              <a:rPr lang="en-US" sz="4000" b="1" u="none" strike="noStrike" noProof="1">
+              <a:rPr lang="en-US" sz="1200" b="1" u="none" strike="noStrike" noProof="1">
                 <a:effectLst/>
                 <a:latin typeface="Arial" panose="020B0604020202020204" pitchFamily="34" charset="0"/>
                 <a:ea typeface="Arial" panose="020B0604020202020204" pitchFamily="34" charset="0"/>
@@ -9853,12 +9925,12 @@
               <a:t>Scop</a:t>
             </a:r>
             <a:r>
-              <a:rPr lang="en-US" sz="4000" u="none" strike="noStrike" noProof="1">
-                <a:effectLst/>
-                <a:latin typeface="Arial" panose="020B0604020202020204" pitchFamily="34" charset="0"/>
-                <a:ea typeface="Arial" panose="020B0604020202020204" pitchFamily="34" charset="0"/>
-              </a:rPr>
-              <a:t>: Înțelegerea în detaliu a cerințelor de business și tehnice.</a:t>
+              <a:rPr lang="en-US" sz="1200" u="none" strike="noStrike" noProof="1">
+                <a:effectLst/>
+                <a:latin typeface="Arial" panose="020B0604020202020204" pitchFamily="34" charset="0"/>
+                <a:ea typeface="Arial" panose="020B0604020202020204" pitchFamily="34" charset="0"/>
+              </a:rPr>
+              <a:t>: Elaborarea detaliată a test cases.</a:t>
             </a:r>
           </a:p>
           <a:p>
@@ -9873,7 +9945,7 @@
               <a:buChar char="●"/>
             </a:pPr>
             <a:r>
-              <a:rPr lang="en-US" sz="4000" b="1" u="none" strike="noStrike" noProof="1">
+              <a:rPr lang="en-US" sz="1200" b="1" u="none" strike="noStrike" noProof="1">
                 <a:effectLst/>
                 <a:latin typeface="Arial" panose="020B0604020202020204" pitchFamily="34" charset="0"/>
                 <a:ea typeface="Arial" panose="020B0604020202020204" pitchFamily="34" charset="0"/>
@@ -9881,12 +9953,79 @@
               <a:t>Activități</a:t>
             </a:r>
             <a:r>
-              <a:rPr lang="en-US" sz="4000" u="none" strike="noStrike" noProof="1">
-                <a:effectLst/>
-                <a:latin typeface="Arial" panose="020B0604020202020204" pitchFamily="34" charset="0"/>
-                <a:ea typeface="Arial" panose="020B0604020202020204" pitchFamily="34" charset="0"/>
-              </a:rPr>
-              <a:t>: Analizarea documentației de cerințe (ex: SRS - Software Requirements Specification).</a:t>
+              <a:rPr lang="en-US" sz="1200" u="none" strike="noStrike" noProof="1">
+                <a:effectLst/>
+                <a:latin typeface="Arial" panose="020B0604020202020204" pitchFamily="34" charset="0"/>
+                <a:ea typeface="Arial" panose="020B0604020202020204" pitchFamily="34" charset="0"/>
+              </a:rPr>
+              <a:t>:</a:t>
+            </a:r>
+          </a:p>
+          <a:p>
+            <a:pPr marL="1022400" lvl="3" indent="-108000" algn="just">
+              <a:lnSpc>
+                <a:spcPct val="120000"/>
+              </a:lnSpc>
+              <a:spcBef>
+                <a:spcPts val="0"/>
+              </a:spcBef>
+              <a:buFont typeface="Arial" panose="020B0604020202020204" pitchFamily="34" charset="0"/>
+              <a:buChar char="○"/>
+            </a:pPr>
+            <a:r>
+              <a:rPr lang="en-US" sz="1200" u="none" strike="noStrike" noProof="1">
+                <a:effectLst/>
+                <a:latin typeface="Arial" panose="020B0604020202020204" pitchFamily="34" charset="0"/>
+                <a:ea typeface="Arial" panose="020B0604020202020204" pitchFamily="34" charset="0"/>
+              </a:rPr>
+              <a:t>Crearea test cases pe baza cerințelor analizate.</a:t>
+            </a:r>
+          </a:p>
+          <a:p>
+            <a:pPr marL="1022400" lvl="3" indent="-108000" algn="just">
+              <a:lnSpc>
+                <a:spcPct val="120000"/>
+              </a:lnSpc>
+              <a:spcBef>
+                <a:spcPts val="0"/>
+              </a:spcBef>
+              <a:buFont typeface="Arial" panose="020B0604020202020204" pitchFamily="34" charset="0"/>
+              <a:buChar char="○"/>
+            </a:pPr>
+            <a:r>
+              <a:rPr lang="en-US" sz="1200" noProof="1">
+                <a:latin typeface="Arial" panose="020B0604020202020204" pitchFamily="34" charset="0"/>
+                <a:ea typeface="Arial" panose="020B0604020202020204" pitchFamily="34" charset="0"/>
+              </a:rPr>
+              <a:t>Identificarea</a:t>
+            </a:r>
+            <a:r>
+              <a:rPr lang="en-US" sz="1200" u="none" strike="noStrike" noProof="1">
+                <a:effectLst/>
+                <a:latin typeface="Arial" panose="020B0604020202020204" pitchFamily="34" charset="0"/>
+                <a:ea typeface="Arial" panose="020B0604020202020204" pitchFamily="34" charset="0"/>
+              </a:rPr>
+              <a:t> datelor de test necesare.</a:t>
+            </a:r>
+          </a:p>
+          <a:p>
+            <a:pPr marL="1022400" lvl="3" indent="-108000" algn="just">
+              <a:lnSpc>
+                <a:spcPct val="120000"/>
+              </a:lnSpc>
+              <a:spcBef>
+                <a:spcPts val="0"/>
+              </a:spcBef>
+              <a:buFont typeface="Arial" panose="020B0604020202020204" pitchFamily="34" charset="0"/>
+              <a:buChar char="○"/>
+            </a:pPr>
+            <a:r>
+              <a:rPr lang="en-US" sz="1200" u="none" strike="noStrike" noProof="1">
+                <a:effectLst/>
+                <a:latin typeface="Arial" panose="020B0604020202020204" pitchFamily="34" charset="0"/>
+                <a:ea typeface="Arial" panose="020B0604020202020204" pitchFamily="34" charset="0"/>
+              </a:rPr>
+              <a:t>Crearea scenariilor de test.</a:t>
             </a:r>
           </a:p>
           <a:p>
@@ -9897,14 +10036,11 @@
               <a:spcBef>
                 <a:spcPts val="0"/>
               </a:spcBef>
-              <a:spcAft>
-                <a:spcPts val="1200"/>
-              </a:spcAft>
               <a:buFont typeface="Arial" panose="020B0604020202020204" pitchFamily="34" charset="0"/>
               <a:buChar char="●"/>
             </a:pPr>
             <a:r>
-              <a:rPr lang="en-US" sz="4000" b="1" u="none" strike="noStrike" noProof="1">
+              <a:rPr lang="en-US" sz="1200" b="1" u="none" strike="noStrike" noProof="1">
                 <a:effectLst/>
                 <a:latin typeface="Arial" panose="020B0604020202020204" pitchFamily="34" charset="0"/>
                 <a:ea typeface="Arial" panose="020B0604020202020204" pitchFamily="34" charset="0"/>
@@ -9912,225 +10048,7 @@
               <a:t>Rezultate</a:t>
             </a:r>
             <a:r>
-              <a:rPr lang="en-US" sz="4000" u="none" strike="noStrike" noProof="1">
-                <a:effectLst/>
-                <a:latin typeface="Arial" panose="020B0604020202020204" pitchFamily="34" charset="0"/>
-                <a:ea typeface="Arial" panose="020B0604020202020204" pitchFamily="34" charset="0"/>
-              </a:rPr>
-              <a:t>: Crearea unei liste de cerințe testabile și identificarea condițiilor de testare.</a:t>
-            </a:r>
-          </a:p>
-          <a:p>
-            <a:pPr marL="457200" lvl="1" indent="0" algn="just">
-              <a:lnSpc>
-                <a:spcPct val="120000"/>
-              </a:lnSpc>
-              <a:spcBef>
-                <a:spcPts val="0"/>
-              </a:spcBef>
-              <a:spcAft>
-                <a:spcPts val="1200"/>
-              </a:spcAft>
-              <a:buNone/>
-            </a:pPr>
-            <a:endParaRPr lang="en-US" sz="4000" noProof="1">
-              <a:effectLst/>
-              <a:latin typeface="Arial" panose="020B0604020202020204" pitchFamily="34" charset="0"/>
-              <a:ea typeface="Arial" panose="020B0604020202020204" pitchFamily="34" charset="0"/>
-            </a:endParaRPr>
-          </a:p>
-          <a:p>
-            <a:pPr marL="108000" lvl="0" indent="0" algn="just">
-              <a:lnSpc>
-                <a:spcPct val="120000"/>
-              </a:lnSpc>
-              <a:spcBef>
-                <a:spcPts val="1000"/>
-              </a:spcBef>
-              <a:spcAft>
-                <a:spcPts val="400"/>
-              </a:spcAft>
-              <a:buNone/>
-            </a:pPr>
-            <a:r>
-              <a:rPr lang="ro-RO" sz="4300" b="1" noProof="1">
-                <a:solidFill>
-                  <a:srgbClr val="000000"/>
-                </a:solidFill>
-                <a:latin typeface="Arial" panose="020B0604020202020204" pitchFamily="34" charset="0"/>
-              </a:rPr>
-              <a:t>3</a:t>
-            </a:r>
-            <a:r>
-              <a:rPr lang="en-US" sz="4300" b="1" u="none" strike="noStrike" noProof="1">
-                <a:solidFill>
-                  <a:srgbClr val="000000"/>
-                </a:solidFill>
-                <a:effectLst/>
-                <a:latin typeface="Arial" panose="020B0604020202020204" pitchFamily="34" charset="0"/>
-              </a:rPr>
-              <a:t>. Test Design (Proiectarea testelor)</a:t>
-            </a:r>
-            <a:r>
-              <a:rPr lang="en-US" sz="4300" b="1" noProof="1">
-                <a:solidFill>
-                  <a:srgbClr val="434343"/>
-                </a:solidFill>
-                <a:latin typeface="Arial" panose="020B0604020202020204" pitchFamily="34" charset="0"/>
-              </a:rPr>
-              <a:t> - </a:t>
-            </a:r>
-            <a:r>
-              <a:rPr lang="en-US" sz="4300" b="1" noProof="1">
-                <a:effectLst/>
-                <a:latin typeface="Arial" panose="020B0604020202020204" pitchFamily="34" charset="0"/>
-                <a:ea typeface="Arial" panose="020B0604020202020204" pitchFamily="34" charset="0"/>
-              </a:rPr>
-              <a:t>Crearea de test cases și test conditions</a:t>
-            </a:r>
-            <a:endParaRPr lang="en-US" sz="4300" noProof="1">
-              <a:effectLst/>
-              <a:latin typeface="Arial" panose="020B0604020202020204" pitchFamily="34" charset="0"/>
-              <a:ea typeface="Arial" panose="020B0604020202020204" pitchFamily="34" charset="0"/>
-            </a:endParaRPr>
-          </a:p>
-          <a:p>
-            <a:pPr marL="565200" lvl="1" indent="-108000" algn="just">
-              <a:lnSpc>
-                <a:spcPct val="120000"/>
-              </a:lnSpc>
-              <a:spcBef>
-                <a:spcPts val="0"/>
-              </a:spcBef>
-              <a:buFont typeface="Arial" panose="020B0604020202020204" pitchFamily="34" charset="0"/>
-              <a:buChar char="●"/>
-            </a:pPr>
-            <a:r>
-              <a:rPr lang="en-US" sz="4000" b="1" u="none" strike="noStrike" noProof="1">
-                <a:effectLst/>
-                <a:latin typeface="Arial" panose="020B0604020202020204" pitchFamily="34" charset="0"/>
-                <a:ea typeface="Arial" panose="020B0604020202020204" pitchFamily="34" charset="0"/>
-              </a:rPr>
-              <a:t>Scop</a:t>
-            </a:r>
-            <a:r>
-              <a:rPr lang="en-US" sz="4000" u="none" strike="noStrike" noProof="1">
-                <a:effectLst/>
-                <a:latin typeface="Arial" panose="020B0604020202020204" pitchFamily="34" charset="0"/>
-                <a:ea typeface="Arial" panose="020B0604020202020204" pitchFamily="34" charset="0"/>
-              </a:rPr>
-              <a:t>: Elaborarea detaliată a test cases și test conditions.</a:t>
-            </a:r>
-          </a:p>
-          <a:p>
-            <a:pPr marL="565200" lvl="1" indent="-108000" algn="just">
-              <a:lnSpc>
-                <a:spcPct val="120000"/>
-              </a:lnSpc>
-              <a:spcBef>
-                <a:spcPts val="0"/>
-              </a:spcBef>
-              <a:buFont typeface="Arial" panose="020B0604020202020204" pitchFamily="34" charset="0"/>
-              <a:buChar char="●"/>
-            </a:pPr>
-            <a:r>
-              <a:rPr lang="en-US" sz="4000" b="1" u="none" strike="noStrike" noProof="1">
-                <a:effectLst/>
-                <a:latin typeface="Arial" panose="020B0604020202020204" pitchFamily="34" charset="0"/>
-                <a:ea typeface="Arial" panose="020B0604020202020204" pitchFamily="34" charset="0"/>
-              </a:rPr>
-              <a:t>Activități</a:t>
-            </a:r>
-            <a:r>
-              <a:rPr lang="en-US" sz="4000" u="none" strike="noStrike" noProof="1">
-                <a:effectLst/>
-                <a:latin typeface="Arial" panose="020B0604020202020204" pitchFamily="34" charset="0"/>
-                <a:ea typeface="Arial" panose="020B0604020202020204" pitchFamily="34" charset="0"/>
-              </a:rPr>
-              <a:t>:</a:t>
-            </a:r>
-          </a:p>
-          <a:p>
-            <a:pPr marL="1022400" lvl="3" indent="-108000" algn="just">
-              <a:lnSpc>
-                <a:spcPct val="120000"/>
-              </a:lnSpc>
-              <a:spcBef>
-                <a:spcPts val="0"/>
-              </a:spcBef>
-              <a:buFont typeface="Arial" panose="020B0604020202020204" pitchFamily="34" charset="0"/>
-              <a:buChar char="○"/>
-            </a:pPr>
-            <a:r>
-              <a:rPr lang="en-US" sz="3800" u="none" strike="noStrike" noProof="1">
-                <a:effectLst/>
-                <a:latin typeface="Arial" panose="020B0604020202020204" pitchFamily="34" charset="0"/>
-                <a:ea typeface="Arial" panose="020B0604020202020204" pitchFamily="34" charset="0"/>
-              </a:rPr>
-              <a:t>Crearea test cases pe baza cerințelor analizate.</a:t>
-            </a:r>
-          </a:p>
-          <a:p>
-            <a:pPr marL="1022400" lvl="3" indent="-108000" algn="just">
-              <a:lnSpc>
-                <a:spcPct val="120000"/>
-              </a:lnSpc>
-              <a:spcBef>
-                <a:spcPts val="0"/>
-              </a:spcBef>
-              <a:buFont typeface="Arial" panose="020B0604020202020204" pitchFamily="34" charset="0"/>
-              <a:buChar char="○"/>
-            </a:pPr>
-            <a:r>
-              <a:rPr lang="en-US" sz="3800" u="none" strike="noStrike" noProof="1">
-                <a:effectLst/>
-                <a:latin typeface="Arial" panose="020B0604020202020204" pitchFamily="34" charset="0"/>
-                <a:ea typeface="Arial" panose="020B0604020202020204" pitchFamily="34" charset="0"/>
-              </a:rPr>
-              <a:t>Definirea datelor de test necesare.</a:t>
-            </a:r>
-          </a:p>
-          <a:p>
-            <a:pPr marL="1022400" lvl="3" indent="-108000" algn="just">
-              <a:lnSpc>
-                <a:spcPct val="120000"/>
-              </a:lnSpc>
-              <a:spcBef>
-                <a:spcPts val="0"/>
-              </a:spcBef>
-              <a:buFont typeface="Arial" panose="020B0604020202020204" pitchFamily="34" charset="0"/>
-              <a:buChar char="○"/>
-            </a:pPr>
-            <a:r>
-              <a:rPr lang="en-US" sz="3800" u="none" strike="noStrike" noProof="1">
-                <a:effectLst/>
-                <a:latin typeface="Arial" panose="020B0604020202020204" pitchFamily="34" charset="0"/>
-                <a:ea typeface="Arial" panose="020B0604020202020204" pitchFamily="34" charset="0"/>
-              </a:rPr>
-              <a:t>Crearea scenariilor de test și a scripturilor (pentru testare automată).</a:t>
-            </a:r>
-          </a:p>
-          <a:p>
-            <a:pPr marL="565200" lvl="1" indent="-108000" algn="just">
-              <a:lnSpc>
-                <a:spcPct val="120000"/>
-              </a:lnSpc>
-              <a:spcBef>
-                <a:spcPts val="0"/>
-              </a:spcBef>
-              <a:buFont typeface="Arial" panose="020B0604020202020204" pitchFamily="34" charset="0"/>
-              <a:buChar char="●"/>
-            </a:pPr>
-            <a:r>
-              <a:rPr lang="en-US" sz="4000" b="1" u="none" strike="noStrike" noProof="1">
-                <a:effectLst/>
-                <a:latin typeface="Arial" panose="020B0604020202020204" pitchFamily="34" charset="0"/>
-                <a:ea typeface="Arial" panose="020B0604020202020204" pitchFamily="34" charset="0"/>
-              </a:rPr>
-              <a:t>Rezultate</a:t>
-            </a:r>
-            <a:r>
-              <a:rPr lang="en-US" sz="4000" u="none" strike="noStrike" noProof="1">
+              <a:rPr lang="en-US" sz="1200" u="none" strike="noStrike" noProof="1">
                 <a:effectLst/>
                 <a:latin typeface="Arial" panose="020B0604020202020204" pitchFamily="34" charset="0"/>
                 <a:ea typeface="Arial" panose="020B0604020202020204" pitchFamily="34" charset="0"/>
@@ -10168,7 +10086,7 @@
         </p:blipFill>
         <p:spPr>
           <a:xfrm>
-            <a:off x="306788" y="1919254"/>
+            <a:off x="386136" y="1889849"/>
             <a:ext cx="196307" cy="244113"/>
           </a:xfrm>
           <a:prstGeom prst="rect">
@@ -10204,7 +10122,7 @@
         </p:blipFill>
         <p:spPr>
           <a:xfrm>
-            <a:off x="306789" y="5093371"/>
+            <a:off x="386134" y="4724039"/>
             <a:ext cx="196307" cy="244113"/>
           </a:xfrm>
           <a:prstGeom prst="rect">
@@ -10240,7 +10158,7 @@
         </p:blipFill>
         <p:spPr>
           <a:xfrm>
-            <a:off x="306789" y="3592304"/>
+            <a:off x="386135" y="3429000"/>
             <a:ext cx="196307" cy="244113"/>
           </a:xfrm>
           <a:prstGeom prst="rect">
@@ -10258,13 +10176,13 @@
   <p:clrMapOvr>
     <a:masterClrMapping/>
   </p:clrMapOvr>
-  <mc:AlternateContent xmlns:mc="http://schemas.openxmlformats.org/markup-compatibility/2006" xmlns:p159="http://schemas.microsoft.com/office/powerpoint/2015/09/main">
-    <mc:Choice Requires="p159">
+  <mc:AlternateContent xmlns:mc="http://schemas.openxmlformats.org/markup-compatibility/2006">
+    <mc:Choice xmlns:p159="http://schemas.microsoft.com/office/powerpoint/2015/09/main" Requires="p159">
       <p:transition xmlns:p14="http://schemas.microsoft.com/office/powerpoint/2010/main" spd="slow" p14:dur="2000">
         <p159:morph option="byObject"/>
       </p:transition>
     </mc:Choice>
-    <mc:Fallback xmlns="">
+    <mc:Fallback>
       <p:transition spd="slow">
         <p:fade/>
       </p:transition>
@@ -10647,7 +10565,7 @@
                 <a:latin typeface="Arial" panose="020B0604020202020204" pitchFamily="34" charset="0"/>
                 <a:ea typeface="Arial" panose="020B0604020202020204" pitchFamily="34" charset="0"/>
               </a:rPr>
-              <a:t>Efectuarea manuală și automată a testelor</a:t>
+              <a:t>Executarea manuală și/sau automată a testelor</a:t>
             </a:r>
             <a:endParaRPr lang="en-US" sz="5600" noProof="1">
               <a:effectLst/>
@@ -10728,7 +10646,7 @@
                 <a:latin typeface="Arial" panose="020B0604020202020204" pitchFamily="34" charset="0"/>
                 <a:ea typeface="Arial" panose="020B0604020202020204" pitchFamily="34" charset="0"/>
               </a:rPr>
-              <a:t>Executarea test cases manuale și automate.</a:t>
+              <a:t>Executarea test cases manuale și/sau automate.</a:t>
             </a:r>
           </a:p>
           <a:p>
@@ -10955,7 +10873,7 @@
                 <a:latin typeface="Arial" panose="020B0604020202020204" pitchFamily="34" charset="0"/>
                 <a:ea typeface="Arial" panose="020B0604020202020204" pitchFamily="34" charset="0"/>
               </a:rPr>
-              <a:t>Monitorizarea indicatorilor de performanță (KPIs) și a metricele testării.</a:t>
+              <a:t>Monitorizarea indicatorilor de performanță (KPIs) și a metricelor de testare.</a:t>
             </a:r>
           </a:p>
           <a:p>
@@ -11146,13 +11064,13 @@
   <p:clrMapOvr>
     <a:masterClrMapping/>
   </p:clrMapOvr>
-  <mc:AlternateContent xmlns:mc="http://schemas.openxmlformats.org/markup-compatibility/2006" xmlns:p159="http://schemas.microsoft.com/office/powerpoint/2015/09/main">
-    <mc:Choice Requires="p159">
+  <mc:AlternateContent xmlns:mc="http://schemas.openxmlformats.org/markup-compatibility/2006">
+    <mc:Choice xmlns:p159="http://schemas.microsoft.com/office/powerpoint/2015/09/main" Requires="p159">
       <p:transition xmlns:p14="http://schemas.microsoft.com/office/powerpoint/2010/main" spd="slow" p14:dur="2000">
         <p159:morph option="byObject"/>
       </p:transition>
     </mc:Choice>
-    <mc:Fallback xmlns="">
+    <mc:Fallback>
       <p:transition spd="slow">
         <p:fade/>
       </p:transition>
@@ -11706,13 +11624,13 @@
   <p:clrMapOvr>
     <a:masterClrMapping/>
   </p:clrMapOvr>
-  <mc:AlternateContent xmlns:mc="http://schemas.openxmlformats.org/markup-compatibility/2006" xmlns:p159="http://schemas.microsoft.com/office/powerpoint/2015/09/main">
-    <mc:Choice Requires="p159">
+  <mc:AlternateContent xmlns:mc="http://schemas.openxmlformats.org/markup-compatibility/2006">
+    <mc:Choice xmlns:p159="http://schemas.microsoft.com/office/powerpoint/2015/09/main" Requires="p159">
       <p:transition xmlns:p14="http://schemas.microsoft.com/office/powerpoint/2010/main" spd="slow" p14:dur="2000">
         <p159:morph option="byObject"/>
       </p:transition>
     </mc:Choice>
-    <mc:Fallback xmlns="">
+    <mc:Fallback>
       <p:transition spd="slow">
         <p:fade/>
       </p:transition>
@@ -12422,13 +12340,13 @@
   <p:clrMapOvr>
     <a:masterClrMapping/>
   </p:clrMapOvr>
-  <mc:AlternateContent xmlns:mc="http://schemas.openxmlformats.org/markup-compatibility/2006" xmlns:p159="http://schemas.microsoft.com/office/powerpoint/2015/09/main">
-    <mc:Choice Requires="p159">
+  <mc:AlternateContent xmlns:mc="http://schemas.openxmlformats.org/markup-compatibility/2006">
+    <mc:Choice xmlns:p159="http://schemas.microsoft.com/office/powerpoint/2015/09/main" Requires="p159">
       <p:transition xmlns:p14="http://schemas.microsoft.com/office/powerpoint/2010/main" spd="slow" p14:dur="2000">
         <p159:morph option="byObject"/>
       </p:transition>
     </mc:Choice>
-    <mc:Fallback xmlns="">
+    <mc:Fallback>
       <p:transition spd="slow">
         <p:fade/>
       </p:transition>
@@ -13158,13 +13076,13 @@
   <p:clrMapOvr>
     <a:masterClrMapping/>
   </p:clrMapOvr>
-  <mc:AlternateContent xmlns:mc="http://schemas.openxmlformats.org/markup-compatibility/2006" xmlns:p159="http://schemas.microsoft.com/office/powerpoint/2015/09/main">
-    <mc:Choice Requires="p159">
+  <mc:AlternateContent xmlns:mc="http://schemas.openxmlformats.org/markup-compatibility/2006">
+    <mc:Choice xmlns:p159="http://schemas.microsoft.com/office/powerpoint/2015/09/main" Requires="p159">
       <p:transition xmlns:p14="http://schemas.microsoft.com/office/powerpoint/2010/main" spd="slow" p14:dur="2000">
         <p159:morph option="byObject"/>
       </p:transition>
     </mc:Choice>
-    <mc:Fallback xmlns="">
+    <mc:Fallback>
       <p:transition spd="slow">
         <p:fade/>
       </p:transition>
@@ -13225,41 +13143,6 @@
       </p:sp>
       <p:pic>
         <p:nvPicPr>
-          <p:cNvPr id="6" name="Content Placeholder 5">
-            <a:extLst>
-              <a:ext uri="{FF2B5EF4-FFF2-40B4-BE49-F238E27FC236}">
-                <a16:creationId xmlns:a16="http://schemas.microsoft.com/office/drawing/2014/main" id="{18668F06-04C2-4E5D-A796-90419B05DB7C}"/>
-              </a:ext>
-            </a:extLst>
-          </p:cNvPr>
-          <p:cNvPicPr>
-            <a:picLocks noGrp="1" noChangeAspect="1"/>
-          </p:cNvPicPr>
-          <p:nvPr>
-            <p:ph idx="1"/>
-          </p:nvPr>
-        </p:nvPicPr>
-        <p:blipFill>
-          <a:blip r:embed="rId2" cstate="print">
-            <a:extLst>
-              <a:ext uri="{28A0092B-C50C-407E-A947-70E740481C1C}">
-                <a14:useLocalDpi xmlns:a14="http://schemas.microsoft.com/office/drawing/2010/main" val="0"/>
-              </a:ext>
-            </a:extLst>
-          </a:blip>
-          <a:stretch>
-            <a:fillRect/>
-          </a:stretch>
-        </p:blipFill>
-        <p:spPr>
-          <a:xfrm>
-            <a:off x="404812" y="1194099"/>
-            <a:ext cx="9094189" cy="5360825"/>
-          </a:xfrm>
-        </p:spPr>
-      </p:pic>
-      <p:pic>
-        <p:nvPicPr>
           <p:cNvPr id="4" name="Picture 3">
             <a:extLst>
               <a:ext uri="{FF2B5EF4-FFF2-40B4-BE49-F238E27FC236}">
@@ -13273,7 +13156,7 @@
           <p:nvPr/>
         </p:nvPicPr>
         <p:blipFill>
-          <a:blip r:embed="rId3" cstate="print">
+          <a:blip r:embed="rId2" cstate="print">
             <a:extLst>
               <a:ext uri="{28A0092B-C50C-407E-A947-70E740481C1C}">
                 <a14:useLocalDpi xmlns:a14="http://schemas.microsoft.com/office/drawing/2010/main" val="0"/>
@@ -13296,6 +13179,41 @@
       </p:pic>
       <p:pic>
         <p:nvPicPr>
+          <p:cNvPr id="9" name="Content Placeholder 8">
+            <a:extLst>
+              <a:ext uri="{FF2B5EF4-FFF2-40B4-BE49-F238E27FC236}">
+                <a16:creationId xmlns:a16="http://schemas.microsoft.com/office/drawing/2014/main" id="{D7FC2B4F-0FAB-47FB-D145-303CC48860E3}"/>
+              </a:ext>
+            </a:extLst>
+          </p:cNvPr>
+          <p:cNvPicPr>
+            <a:picLocks noGrp="1" noChangeAspect="1"/>
+          </p:cNvPicPr>
+          <p:nvPr>
+            <p:ph idx="1"/>
+          </p:nvPr>
+        </p:nvPicPr>
+        <p:blipFill>
+          <a:blip r:embed="rId3" cstate="print">
+            <a:extLst>
+              <a:ext uri="{28A0092B-C50C-407E-A947-70E740481C1C}">
+                <a14:useLocalDpi xmlns:a14="http://schemas.microsoft.com/office/drawing/2010/main" val="0"/>
+              </a:ext>
+            </a:extLst>
+          </a:blip>
+          <a:stretch>
+            <a:fillRect/>
+          </a:stretch>
+        </p:blipFill>
+        <p:spPr>
+          <a:xfrm>
+            <a:off x="373042" y="1613126"/>
+            <a:ext cx="9676331" cy="4925220"/>
+          </a:xfrm>
+        </p:spPr>
+      </p:pic>
+      <p:pic>
+        <p:nvPicPr>
           <p:cNvPr id="5" name="Picture 4">
             <a:extLst>
               <a:ext uri="{FF2B5EF4-FFF2-40B4-BE49-F238E27FC236}">
@@ -13309,7 +13227,7 @@
           <p:nvPr/>
         </p:nvPicPr>
         <p:blipFill>
-          <a:blip r:embed="rId3" cstate="print">
+          <a:blip r:embed="rId2" cstate="print">
             <a:extLst>
               <a:ext uri="{28A0092B-C50C-407E-A947-70E740481C1C}">
                 <a14:useLocalDpi xmlns:a14="http://schemas.microsoft.com/office/drawing/2010/main" val="0"/>
@@ -13322,7 +13240,7 @@
         </p:blipFill>
         <p:spPr>
           <a:xfrm>
-            <a:off x="4253667" y="1364100"/>
+            <a:off x="596067" y="3184887"/>
             <a:ext cx="196307" cy="244113"/>
           </a:xfrm>
           <a:prstGeom prst="rect">
@@ -13340,13 +13258,13 @@
   <p:clrMapOvr>
     <a:masterClrMapping/>
   </p:clrMapOvr>
-  <mc:AlternateContent xmlns:mc="http://schemas.openxmlformats.org/markup-compatibility/2006" xmlns:p159="http://schemas.microsoft.com/office/powerpoint/2015/09/main">
-    <mc:Choice Requires="p159">
+  <mc:AlternateContent xmlns:mc="http://schemas.openxmlformats.org/markup-compatibility/2006">
+    <mc:Choice xmlns:p159="http://schemas.microsoft.com/office/powerpoint/2015/09/main" Requires="p159">
       <p:transition xmlns:p14="http://schemas.microsoft.com/office/powerpoint/2010/main" spd="slow" p14:dur="2000">
         <p159:morph option="byObject"/>
       </p:transition>
     </mc:Choice>
-    <mc:Fallback xmlns="">
+    <mc:Fallback>
       <p:transition spd="slow">
         <p:fade/>
       </p:transition>
@@ -14174,13 +14092,13 @@
   <p:clrMapOvr>
     <a:masterClrMapping/>
   </p:clrMapOvr>
-  <mc:AlternateContent xmlns:mc="http://schemas.openxmlformats.org/markup-compatibility/2006" xmlns:p159="http://schemas.microsoft.com/office/powerpoint/2015/09/main">
-    <mc:Choice Requires="p159">
+  <mc:AlternateContent xmlns:mc="http://schemas.openxmlformats.org/markup-compatibility/2006">
+    <mc:Choice xmlns:p159="http://schemas.microsoft.com/office/powerpoint/2015/09/main" Requires="p159">
       <p:transition xmlns:p14="http://schemas.microsoft.com/office/powerpoint/2010/main" spd="slow" p14:dur="2000">
         <p159:morph option="byObject"/>
       </p:transition>
     </mc:Choice>
-    <mc:Fallback xmlns="">
+    <mc:Fallback>
       <p:transition spd="slow">
         <p:fade/>
       </p:transition>

--- a/Testing Project for Automation Exercise E-commerce Website.pptx
+++ b/Testing Project for Automation Exercise E-commerce Website.pptx
@@ -262,7 +262,7 @@
           <a:p>
             <a:fld id="{276D79ED-3FA7-4EF8-964B-EB8BCFAB02F8}" type="datetimeFigureOut">
               <a:rPr lang="en-US" smtClean="0"/>
-              <a:t>7/30/2024</a:t>
+              <a:t>8/2/2024</a:t>
             </a:fld>
             <a:endParaRPr lang="en-US"/>
           </a:p>
@@ -430,7 +430,7 @@
           <a:p>
             <a:fld id="{276D79ED-3FA7-4EF8-964B-EB8BCFAB02F8}" type="datetimeFigureOut">
               <a:rPr lang="en-US" smtClean="0"/>
-              <a:t>7/30/2024</a:t>
+              <a:t>8/2/2024</a:t>
             </a:fld>
             <a:endParaRPr lang="en-US"/>
           </a:p>
@@ -676,7 +676,7 @@
           <a:p>
             <a:fld id="{276D79ED-3FA7-4EF8-964B-EB8BCFAB02F8}" type="datetimeFigureOut">
               <a:rPr lang="en-US" smtClean="0"/>
-              <a:t>7/30/2024</a:t>
+              <a:t>8/2/2024</a:t>
             </a:fld>
             <a:endParaRPr lang="en-US"/>
           </a:p>
@@ -907,7 +907,7 @@
           <a:p>
             <a:fld id="{276D79ED-3FA7-4EF8-964B-EB8BCFAB02F8}" type="datetimeFigureOut">
               <a:rPr lang="en-US" smtClean="0"/>
-              <a:t>7/30/2024</a:t>
+              <a:t>8/2/2024</a:t>
             </a:fld>
             <a:endParaRPr lang="en-US"/>
           </a:p>
@@ -1271,7 +1271,7 @@
           <a:p>
             <a:fld id="{276D79ED-3FA7-4EF8-964B-EB8BCFAB02F8}" type="datetimeFigureOut">
               <a:rPr lang="en-US" smtClean="0"/>
-              <a:t>7/30/2024</a:t>
+              <a:t>8/2/2024</a:t>
             </a:fld>
             <a:endParaRPr lang="en-US"/>
           </a:p>
@@ -1388,7 +1388,7 @@
           <a:p>
             <a:fld id="{276D79ED-3FA7-4EF8-964B-EB8BCFAB02F8}" type="datetimeFigureOut">
               <a:rPr lang="en-US" smtClean="0"/>
-              <a:t>7/30/2024</a:t>
+              <a:t>8/2/2024</a:t>
             </a:fld>
             <a:endParaRPr lang="en-US"/>
           </a:p>
@@ -1483,7 +1483,7 @@
           <a:p>
             <a:fld id="{276D79ED-3FA7-4EF8-964B-EB8BCFAB02F8}" type="datetimeFigureOut">
               <a:rPr lang="en-US" smtClean="0"/>
-              <a:t>7/30/2024</a:t>
+              <a:t>8/2/2024</a:t>
             </a:fld>
             <a:endParaRPr lang="en-US"/>
           </a:p>
@@ -1759,7 +1759,7 @@
           <a:p>
             <a:fld id="{276D79ED-3FA7-4EF8-964B-EB8BCFAB02F8}" type="datetimeFigureOut">
               <a:rPr lang="en-US" smtClean="0"/>
-              <a:t>7/30/2024</a:t>
+              <a:t>8/2/2024</a:t>
             </a:fld>
             <a:endParaRPr lang="en-US"/>
           </a:p>
@@ -2015,7 +2015,7 @@
           <a:p>
             <a:fld id="{276D79ED-3FA7-4EF8-964B-EB8BCFAB02F8}" type="datetimeFigureOut">
               <a:rPr lang="en-US" smtClean="0"/>
-              <a:t>7/30/2024</a:t>
+              <a:t>8/2/2024</a:t>
             </a:fld>
             <a:endParaRPr lang="en-US"/>
           </a:p>
@@ -2235,7 +2235,7 @@
           <a:p>
             <a:fld id="{276D79ED-3FA7-4EF8-964B-EB8BCFAB02F8}" type="datetimeFigureOut">
               <a:rPr lang="en-US" smtClean="0"/>
-              <a:t>7/30/2024</a:t>
+              <a:t>8/2/2024</a:t>
             </a:fld>
             <a:endParaRPr lang="en-US"/>
           </a:p>
@@ -3036,13 +3036,13 @@
   <p:clrMapOvr>
     <a:masterClrMapping/>
   </p:clrMapOvr>
-  <mc:AlternateContent xmlns:mc="http://schemas.openxmlformats.org/markup-compatibility/2006">
-    <mc:Choice xmlns:p159="http://schemas.microsoft.com/office/powerpoint/2015/09/main" Requires="p159">
+  <mc:AlternateContent xmlns:mc="http://schemas.openxmlformats.org/markup-compatibility/2006" xmlns:p159="http://schemas.microsoft.com/office/powerpoint/2015/09/main">
+    <mc:Choice Requires="p159">
       <p:transition xmlns:p14="http://schemas.microsoft.com/office/powerpoint/2010/main" spd="slow" p14:dur="2000">
         <p159:morph option="byObject"/>
       </p:transition>
     </mc:Choice>
-    <mc:Fallback>
+    <mc:Fallback xmlns="">
       <p:transition spd="slow">
         <p:fade/>
       </p:transition>
@@ -3747,13 +3747,13 @@
   <p:clrMapOvr>
     <a:masterClrMapping/>
   </p:clrMapOvr>
-  <mc:AlternateContent xmlns:mc="http://schemas.openxmlformats.org/markup-compatibility/2006">
-    <mc:Choice xmlns:p159="http://schemas.microsoft.com/office/powerpoint/2015/09/main" Requires="p159">
+  <mc:AlternateContent xmlns:mc="http://schemas.openxmlformats.org/markup-compatibility/2006" xmlns:p159="http://schemas.microsoft.com/office/powerpoint/2015/09/main">
+    <mc:Choice Requires="p159">
       <p:transition xmlns:p14="http://schemas.microsoft.com/office/powerpoint/2010/main" spd="slow" p14:dur="2000">
         <p159:morph option="byObject"/>
       </p:transition>
     </mc:Choice>
-    <mc:Fallback>
+    <mc:Fallback xmlns="">
       <p:transition spd="slow">
         <p:fade/>
       </p:transition>
@@ -4653,13 +4653,13 @@
   <p:clrMapOvr>
     <a:masterClrMapping/>
   </p:clrMapOvr>
-  <mc:AlternateContent xmlns:mc="http://schemas.openxmlformats.org/markup-compatibility/2006">
-    <mc:Choice xmlns:p159="http://schemas.microsoft.com/office/powerpoint/2015/09/main" Requires="p159">
+  <mc:AlternateContent xmlns:mc="http://schemas.openxmlformats.org/markup-compatibility/2006" xmlns:p159="http://schemas.microsoft.com/office/powerpoint/2015/09/main">
+    <mc:Choice Requires="p159">
       <p:transition xmlns:p14="http://schemas.microsoft.com/office/powerpoint/2010/main" spd="slow" p14:dur="2000">
         <p159:morph option="byObject"/>
       </p:transition>
     </mc:Choice>
-    <mc:Fallback>
+    <mc:Fallback xmlns="">
       <p:transition spd="slow">
         <p:fade/>
       </p:transition>
@@ -5006,13 +5006,13 @@
   <p:clrMapOvr>
     <a:masterClrMapping/>
   </p:clrMapOvr>
-  <mc:AlternateContent xmlns:mc="http://schemas.openxmlformats.org/markup-compatibility/2006">
-    <mc:Choice xmlns:p159="http://schemas.microsoft.com/office/powerpoint/2015/09/main" Requires="p159">
+  <mc:AlternateContent xmlns:mc="http://schemas.openxmlformats.org/markup-compatibility/2006" xmlns:p159="http://schemas.microsoft.com/office/powerpoint/2015/09/main">
+    <mc:Choice Requires="p159">
       <p:transition xmlns:p14="http://schemas.microsoft.com/office/powerpoint/2010/main" spd="slow" p14:dur="2000">
         <p159:morph option="byObject"/>
       </p:transition>
     </mc:Choice>
-    <mc:Fallback>
+    <mc:Fallback xmlns="">
       <p:transition spd="slow">
         <p:fade/>
       </p:transition>
@@ -5504,13 +5504,13 @@
   <p:clrMapOvr>
     <a:masterClrMapping/>
   </p:clrMapOvr>
-  <mc:AlternateContent xmlns:mc="http://schemas.openxmlformats.org/markup-compatibility/2006">
-    <mc:Choice xmlns:p159="http://schemas.microsoft.com/office/powerpoint/2015/09/main" Requires="p159">
+  <mc:AlternateContent xmlns:mc="http://schemas.openxmlformats.org/markup-compatibility/2006" xmlns:p159="http://schemas.microsoft.com/office/powerpoint/2015/09/main">
+    <mc:Choice Requires="p159">
       <p:transition xmlns:p14="http://schemas.microsoft.com/office/powerpoint/2010/main" spd="slow" p14:dur="2000">
         <p159:morph option="byObject"/>
       </p:transition>
     </mc:Choice>
-    <mc:Fallback>
+    <mc:Fallback xmlns="">
       <p:transition spd="slow">
         <p:fade/>
       </p:transition>
@@ -6171,13 +6171,13 @@
   <p:clrMapOvr>
     <a:masterClrMapping/>
   </p:clrMapOvr>
-  <mc:AlternateContent xmlns:mc="http://schemas.openxmlformats.org/markup-compatibility/2006">
-    <mc:Choice xmlns:p159="http://schemas.microsoft.com/office/powerpoint/2015/09/main" Requires="p159">
+  <mc:AlternateContent xmlns:mc="http://schemas.openxmlformats.org/markup-compatibility/2006" xmlns:p159="http://schemas.microsoft.com/office/powerpoint/2015/09/main">
+    <mc:Choice Requires="p159">
       <p:transition xmlns:p14="http://schemas.microsoft.com/office/powerpoint/2010/main" spd="slow" p14:dur="2000">
         <p159:morph option="byObject"/>
       </p:transition>
     </mc:Choice>
-    <mc:Fallback>
+    <mc:Fallback xmlns="">
       <p:transition spd="slow">
         <p:fade/>
       </p:transition>
@@ -8220,13 +8220,13 @@
   <p:clrMapOvr>
     <a:masterClrMapping/>
   </p:clrMapOvr>
-  <mc:AlternateContent xmlns:mc="http://schemas.openxmlformats.org/markup-compatibility/2006">
-    <mc:Choice xmlns:p159="http://schemas.microsoft.com/office/powerpoint/2015/09/main" Requires="p159">
+  <mc:AlternateContent xmlns:mc="http://schemas.openxmlformats.org/markup-compatibility/2006" xmlns:p159="http://schemas.microsoft.com/office/powerpoint/2015/09/main">
+    <mc:Choice Requires="p159">
       <p:transition xmlns:p14="http://schemas.microsoft.com/office/powerpoint/2010/main" spd="slow" p14:dur="2000">
         <p159:morph option="byObject"/>
       </p:transition>
     </mc:Choice>
-    <mc:Fallback>
+    <mc:Fallback xmlns="">
       <p:transition spd="slow">
         <p:fade/>
       </p:transition>
@@ -8439,13 +8439,13 @@
   <p:clrMapOvr>
     <a:masterClrMapping/>
   </p:clrMapOvr>
-  <mc:AlternateContent xmlns:mc="http://schemas.openxmlformats.org/markup-compatibility/2006">
-    <mc:Choice xmlns:p159="http://schemas.microsoft.com/office/powerpoint/2015/09/main" Requires="p159">
+  <mc:AlternateContent xmlns:mc="http://schemas.openxmlformats.org/markup-compatibility/2006" xmlns:p159="http://schemas.microsoft.com/office/powerpoint/2015/09/main">
+    <mc:Choice Requires="p159">
       <p:transition xmlns:p14="http://schemas.microsoft.com/office/powerpoint/2010/main" spd="slow" p14:dur="2000">
         <p159:morph option="byObject"/>
       </p:transition>
     </mc:Choice>
-    <mc:Fallback>
+    <mc:Fallback xmlns="">
       <p:transition spd="slow">
         <p:fade/>
       </p:transition>
@@ -8827,7 +8827,7 @@
         </p:blipFill>
         <p:spPr>
           <a:xfrm>
-            <a:off x="398173" y="733735"/>
+            <a:off x="398173" y="699406"/>
             <a:ext cx="196307" cy="244113"/>
           </a:xfrm>
           <a:prstGeom prst="rect">
@@ -8863,7 +8863,7 @@
         </p:blipFill>
         <p:spPr>
           <a:xfrm>
-            <a:off x="398173" y="1260674"/>
+            <a:off x="398173" y="1224289"/>
             <a:ext cx="196307" cy="244113"/>
           </a:xfrm>
           <a:prstGeom prst="rect">
@@ -8899,7 +8899,7 @@
         </p:blipFill>
         <p:spPr>
           <a:xfrm>
-            <a:off x="398173" y="2205236"/>
+            <a:off x="398173" y="2172758"/>
             <a:ext cx="196307" cy="244113"/>
           </a:xfrm>
           <a:prstGeom prst="rect">
@@ -8923,7 +8923,7 @@
         </p:nvSpPr>
         <p:spPr>
           <a:xfrm>
-            <a:off x="557755" y="2930247"/>
+            <a:off x="557755" y="3163296"/>
             <a:ext cx="8974392" cy="612400"/>
           </a:xfrm>
           <a:prstGeom prst="rect">
@@ -8978,8 +8978,8 @@
         </p:nvSpPr>
         <p:spPr>
           <a:xfrm>
-            <a:off x="496326" y="3429001"/>
-            <a:ext cx="8881849" cy="3317488"/>
+            <a:off x="459601" y="3891592"/>
+            <a:ext cx="8881849" cy="2564797"/>
           </a:xfrm>
           <a:prstGeom prst="rect">
             <a:avLst/>
@@ -9310,14 +9310,7 @@
                 <a:latin typeface="Arial" panose="020B0604020202020204" pitchFamily="34" charset="0"/>
                 <a:ea typeface="Arial" panose="020B0604020202020204" pitchFamily="34" charset="0"/>
               </a:rPr>
-              <a:t>Un test case este specific și detaliat și este creat pentru a verifica una sau mai multe test conditions. Cu alte cuvinte, fiecare test case derivă din una sau mai multe test conditions. De exemplu, dacă avem o test condition care cere ca utilizatorul să se poată autentifica, putem avea mai multe test cases care acoperă autentificarea cu date corecte, autentificarea cu date incorecte, autentificarea cu cont blocat, etc.</a:t>
-            </a:r>
-            <a:r>
-              <a:rPr lang="ro-RO" sz="1200" noProof="1">
-                <a:latin typeface="Arial" panose="020B0604020202020204" pitchFamily="34" charset="0"/>
-                <a:ea typeface="Arial" panose="020B0604020202020204" pitchFamily="34" charset="0"/>
-              </a:rPr>
-              <a:t> Prin urmare, un test condition descrie ce trebuie testat, iar un test case descrie cum va fi efectuat acel test.</a:t>
+              <a:t>Un test case este specific și detaliat și este creat pentru a verifica un singur test condition.</a:t>
             </a:r>
             <a:endParaRPr lang="en-US" sz="1200" noProof="1"/>
           </a:p>
@@ -9351,7 +9344,7 @@
         </p:blipFill>
         <p:spPr>
           <a:xfrm>
-            <a:off x="361448" y="3428999"/>
+            <a:off x="341546" y="3891592"/>
             <a:ext cx="196307" cy="244113"/>
           </a:xfrm>
           <a:prstGeom prst="rect">
@@ -9387,7 +9380,7 @@
         </p:blipFill>
         <p:spPr>
           <a:xfrm>
-            <a:off x="361448" y="4286805"/>
+            <a:off x="361448" y="4748324"/>
             <a:ext cx="196307" cy="244113"/>
           </a:xfrm>
           <a:prstGeom prst="rect">
@@ -9423,7 +9416,7 @@
         </p:blipFill>
         <p:spPr>
           <a:xfrm>
-            <a:off x="361448" y="5334913"/>
+            <a:off x="341547" y="5792113"/>
             <a:ext cx="196307" cy="244113"/>
           </a:xfrm>
           <a:prstGeom prst="rect">
@@ -9441,13 +9434,13 @@
   <p:clrMapOvr>
     <a:masterClrMapping/>
   </p:clrMapOvr>
-  <mc:AlternateContent xmlns:mc="http://schemas.openxmlformats.org/markup-compatibility/2006">
-    <mc:Choice xmlns:p159="http://schemas.microsoft.com/office/powerpoint/2015/09/main" Requires="p159">
+  <mc:AlternateContent xmlns:mc="http://schemas.openxmlformats.org/markup-compatibility/2006" xmlns:p159="http://schemas.microsoft.com/office/powerpoint/2015/09/main">
+    <mc:Choice Requires="p159">
       <p:transition xmlns:p14="http://schemas.microsoft.com/office/powerpoint/2010/main" spd="slow" p14:dur="2000">
         <p159:morph option="byObject"/>
       </p:transition>
     </mc:Choice>
-    <mc:Fallback>
+    <mc:Fallback xmlns="">
       <p:transition spd="slow">
         <p:fade/>
       </p:transition>
@@ -10176,13 +10169,13 @@
   <p:clrMapOvr>
     <a:masterClrMapping/>
   </p:clrMapOvr>
-  <mc:AlternateContent xmlns:mc="http://schemas.openxmlformats.org/markup-compatibility/2006">
-    <mc:Choice xmlns:p159="http://schemas.microsoft.com/office/powerpoint/2015/09/main" Requires="p159">
+  <mc:AlternateContent xmlns:mc="http://schemas.openxmlformats.org/markup-compatibility/2006" xmlns:p159="http://schemas.microsoft.com/office/powerpoint/2015/09/main">
+    <mc:Choice Requires="p159">
       <p:transition xmlns:p14="http://schemas.microsoft.com/office/powerpoint/2010/main" spd="slow" p14:dur="2000">
         <p159:morph option="byObject"/>
       </p:transition>
     </mc:Choice>
-    <mc:Fallback>
+    <mc:Fallback xmlns="">
       <p:transition spd="slow">
         <p:fade/>
       </p:transition>
@@ -11064,13 +11057,13 @@
   <p:clrMapOvr>
     <a:masterClrMapping/>
   </p:clrMapOvr>
-  <mc:AlternateContent xmlns:mc="http://schemas.openxmlformats.org/markup-compatibility/2006">
-    <mc:Choice xmlns:p159="http://schemas.microsoft.com/office/powerpoint/2015/09/main" Requires="p159">
+  <mc:AlternateContent xmlns:mc="http://schemas.openxmlformats.org/markup-compatibility/2006" xmlns:p159="http://schemas.microsoft.com/office/powerpoint/2015/09/main">
+    <mc:Choice Requires="p159">
       <p:transition xmlns:p14="http://schemas.microsoft.com/office/powerpoint/2010/main" spd="slow" p14:dur="2000">
         <p159:morph option="byObject"/>
       </p:transition>
     </mc:Choice>
-    <mc:Fallback>
+    <mc:Fallback xmlns="">
       <p:transition spd="slow">
         <p:fade/>
       </p:transition>
@@ -11624,13 +11617,13 @@
   <p:clrMapOvr>
     <a:masterClrMapping/>
   </p:clrMapOvr>
-  <mc:AlternateContent xmlns:mc="http://schemas.openxmlformats.org/markup-compatibility/2006">
-    <mc:Choice xmlns:p159="http://schemas.microsoft.com/office/powerpoint/2015/09/main" Requires="p159">
+  <mc:AlternateContent xmlns:mc="http://schemas.openxmlformats.org/markup-compatibility/2006" xmlns:p159="http://schemas.microsoft.com/office/powerpoint/2015/09/main">
+    <mc:Choice Requires="p159">
       <p:transition xmlns:p14="http://schemas.microsoft.com/office/powerpoint/2010/main" spd="slow" p14:dur="2000">
         <p159:morph option="byObject"/>
       </p:transition>
     </mc:Choice>
-    <mc:Fallback>
+    <mc:Fallback xmlns="">
       <p:transition spd="slow">
         <p:fade/>
       </p:transition>
@@ -12340,13 +12333,13 @@
   <p:clrMapOvr>
     <a:masterClrMapping/>
   </p:clrMapOvr>
-  <mc:AlternateContent xmlns:mc="http://schemas.openxmlformats.org/markup-compatibility/2006">
-    <mc:Choice xmlns:p159="http://schemas.microsoft.com/office/powerpoint/2015/09/main" Requires="p159">
+  <mc:AlternateContent xmlns:mc="http://schemas.openxmlformats.org/markup-compatibility/2006" xmlns:p159="http://schemas.microsoft.com/office/powerpoint/2015/09/main">
+    <mc:Choice Requires="p159">
       <p:transition xmlns:p14="http://schemas.microsoft.com/office/powerpoint/2010/main" spd="slow" p14:dur="2000">
         <p159:morph option="byObject"/>
       </p:transition>
     </mc:Choice>
-    <mc:Fallback>
+    <mc:Fallback xmlns="">
       <p:transition spd="slow">
         <p:fade/>
       </p:transition>
@@ -13076,13 +13069,13 @@
   <p:clrMapOvr>
     <a:masterClrMapping/>
   </p:clrMapOvr>
-  <mc:AlternateContent xmlns:mc="http://schemas.openxmlformats.org/markup-compatibility/2006">
-    <mc:Choice xmlns:p159="http://schemas.microsoft.com/office/powerpoint/2015/09/main" Requires="p159">
+  <mc:AlternateContent xmlns:mc="http://schemas.openxmlformats.org/markup-compatibility/2006" xmlns:p159="http://schemas.microsoft.com/office/powerpoint/2015/09/main">
+    <mc:Choice Requires="p159">
       <p:transition xmlns:p14="http://schemas.microsoft.com/office/powerpoint/2010/main" spd="slow" p14:dur="2000">
         <p159:morph option="byObject"/>
       </p:transition>
     </mc:Choice>
-    <mc:Fallback>
+    <mc:Fallback xmlns="">
       <p:transition spd="slow">
         <p:fade/>
       </p:transition>
@@ -13258,13 +13251,13 @@
   <p:clrMapOvr>
     <a:masterClrMapping/>
   </p:clrMapOvr>
-  <mc:AlternateContent xmlns:mc="http://schemas.openxmlformats.org/markup-compatibility/2006">
-    <mc:Choice xmlns:p159="http://schemas.microsoft.com/office/powerpoint/2015/09/main" Requires="p159">
+  <mc:AlternateContent xmlns:mc="http://schemas.openxmlformats.org/markup-compatibility/2006" xmlns:p159="http://schemas.microsoft.com/office/powerpoint/2015/09/main">
+    <mc:Choice Requires="p159">
       <p:transition xmlns:p14="http://schemas.microsoft.com/office/powerpoint/2010/main" spd="slow" p14:dur="2000">
         <p159:morph option="byObject"/>
       </p:transition>
     </mc:Choice>
-    <mc:Fallback>
+    <mc:Fallback xmlns="">
       <p:transition spd="slow">
         <p:fade/>
       </p:transition>
@@ -14092,13 +14085,13 @@
   <p:clrMapOvr>
     <a:masterClrMapping/>
   </p:clrMapOvr>
-  <mc:AlternateContent xmlns:mc="http://schemas.openxmlformats.org/markup-compatibility/2006">
-    <mc:Choice xmlns:p159="http://schemas.microsoft.com/office/powerpoint/2015/09/main" Requires="p159">
+  <mc:AlternateContent xmlns:mc="http://schemas.openxmlformats.org/markup-compatibility/2006" xmlns:p159="http://schemas.microsoft.com/office/powerpoint/2015/09/main">
+    <mc:Choice Requires="p159">
       <p:transition xmlns:p14="http://schemas.microsoft.com/office/powerpoint/2010/main" spd="slow" p14:dur="2000">
         <p159:morph option="byObject"/>
       </p:transition>
     </mc:Choice>
-    <mc:Fallback>
+    <mc:Fallback xmlns="">
       <p:transition spd="slow">
         <p:fade/>
       </p:transition>

--- a/Testing Project for Automation Exercise E-commerce Website.pptx
+++ b/Testing Project for Automation Exercise E-commerce Website.pptx
@@ -262,7 +262,7 @@
           <a:p>
             <a:fld id="{276D79ED-3FA7-4EF8-964B-EB8BCFAB02F8}" type="datetimeFigureOut">
               <a:rPr lang="en-US" smtClean="0"/>
-              <a:t>8/2/2024</a:t>
+              <a:t>8/5/2024</a:t>
             </a:fld>
             <a:endParaRPr lang="en-US"/>
           </a:p>
@@ -430,7 +430,7 @@
           <a:p>
             <a:fld id="{276D79ED-3FA7-4EF8-964B-EB8BCFAB02F8}" type="datetimeFigureOut">
               <a:rPr lang="en-US" smtClean="0"/>
-              <a:t>8/2/2024</a:t>
+              <a:t>8/5/2024</a:t>
             </a:fld>
             <a:endParaRPr lang="en-US"/>
           </a:p>
@@ -676,7 +676,7 @@
           <a:p>
             <a:fld id="{276D79ED-3FA7-4EF8-964B-EB8BCFAB02F8}" type="datetimeFigureOut">
               <a:rPr lang="en-US" smtClean="0"/>
-              <a:t>8/2/2024</a:t>
+              <a:t>8/5/2024</a:t>
             </a:fld>
             <a:endParaRPr lang="en-US"/>
           </a:p>
@@ -907,7 +907,7 @@
           <a:p>
             <a:fld id="{276D79ED-3FA7-4EF8-964B-EB8BCFAB02F8}" type="datetimeFigureOut">
               <a:rPr lang="en-US" smtClean="0"/>
-              <a:t>8/2/2024</a:t>
+              <a:t>8/5/2024</a:t>
             </a:fld>
             <a:endParaRPr lang="en-US"/>
           </a:p>
@@ -1271,7 +1271,7 @@
           <a:p>
             <a:fld id="{276D79ED-3FA7-4EF8-964B-EB8BCFAB02F8}" type="datetimeFigureOut">
               <a:rPr lang="en-US" smtClean="0"/>
-              <a:t>8/2/2024</a:t>
+              <a:t>8/5/2024</a:t>
             </a:fld>
             <a:endParaRPr lang="en-US"/>
           </a:p>
@@ -1388,7 +1388,7 @@
           <a:p>
             <a:fld id="{276D79ED-3FA7-4EF8-964B-EB8BCFAB02F8}" type="datetimeFigureOut">
               <a:rPr lang="en-US" smtClean="0"/>
-              <a:t>8/2/2024</a:t>
+              <a:t>8/5/2024</a:t>
             </a:fld>
             <a:endParaRPr lang="en-US"/>
           </a:p>
@@ -1483,7 +1483,7 @@
           <a:p>
             <a:fld id="{276D79ED-3FA7-4EF8-964B-EB8BCFAB02F8}" type="datetimeFigureOut">
               <a:rPr lang="en-US" smtClean="0"/>
-              <a:t>8/2/2024</a:t>
+              <a:t>8/5/2024</a:t>
             </a:fld>
             <a:endParaRPr lang="en-US"/>
           </a:p>
@@ -1759,7 +1759,7 @@
           <a:p>
             <a:fld id="{276D79ED-3FA7-4EF8-964B-EB8BCFAB02F8}" type="datetimeFigureOut">
               <a:rPr lang="en-US" smtClean="0"/>
-              <a:t>8/2/2024</a:t>
+              <a:t>8/5/2024</a:t>
             </a:fld>
             <a:endParaRPr lang="en-US"/>
           </a:p>
@@ -2015,7 +2015,7 @@
           <a:p>
             <a:fld id="{276D79ED-3FA7-4EF8-964B-EB8BCFAB02F8}" type="datetimeFigureOut">
               <a:rPr lang="en-US" smtClean="0"/>
-              <a:t>8/2/2024</a:t>
+              <a:t>8/5/2024</a:t>
             </a:fld>
             <a:endParaRPr lang="en-US"/>
           </a:p>
@@ -2235,7 +2235,7 @@
           <a:p>
             <a:fld id="{276D79ED-3FA7-4EF8-964B-EB8BCFAB02F8}" type="datetimeFigureOut">
               <a:rPr lang="en-US" smtClean="0"/>
-              <a:t>8/2/2024</a:t>
+              <a:t>8/5/2024</a:t>
             </a:fld>
             <a:endParaRPr lang="en-US"/>
           </a:p>
@@ -3036,13 +3036,13 @@
   <p:clrMapOvr>
     <a:masterClrMapping/>
   </p:clrMapOvr>
-  <mc:AlternateContent xmlns:mc="http://schemas.openxmlformats.org/markup-compatibility/2006" xmlns:p159="http://schemas.microsoft.com/office/powerpoint/2015/09/main">
-    <mc:Choice Requires="p159">
+  <mc:AlternateContent xmlns:mc="http://schemas.openxmlformats.org/markup-compatibility/2006">
+    <mc:Choice xmlns:p159="http://schemas.microsoft.com/office/powerpoint/2015/09/main" Requires="p159">
       <p:transition xmlns:p14="http://schemas.microsoft.com/office/powerpoint/2010/main" spd="slow" p14:dur="2000">
         <p159:morph option="byObject"/>
       </p:transition>
     </mc:Choice>
-    <mc:Fallback xmlns="">
+    <mc:Fallback>
       <p:transition spd="slow">
         <p:fade/>
       </p:transition>
@@ -3747,13 +3747,13 @@
   <p:clrMapOvr>
     <a:masterClrMapping/>
   </p:clrMapOvr>
-  <mc:AlternateContent xmlns:mc="http://schemas.openxmlformats.org/markup-compatibility/2006" xmlns:p159="http://schemas.microsoft.com/office/powerpoint/2015/09/main">
-    <mc:Choice Requires="p159">
+  <mc:AlternateContent xmlns:mc="http://schemas.openxmlformats.org/markup-compatibility/2006">
+    <mc:Choice xmlns:p159="http://schemas.microsoft.com/office/powerpoint/2015/09/main" Requires="p159">
       <p:transition xmlns:p14="http://schemas.microsoft.com/office/powerpoint/2010/main" spd="slow" p14:dur="2000">
         <p159:morph option="byObject"/>
       </p:transition>
     </mc:Choice>
-    <mc:Fallback xmlns="">
+    <mc:Fallback>
       <p:transition spd="slow">
         <p:fade/>
       </p:transition>
@@ -4653,13 +4653,13 @@
   <p:clrMapOvr>
     <a:masterClrMapping/>
   </p:clrMapOvr>
-  <mc:AlternateContent xmlns:mc="http://schemas.openxmlformats.org/markup-compatibility/2006" xmlns:p159="http://schemas.microsoft.com/office/powerpoint/2015/09/main">
-    <mc:Choice Requires="p159">
+  <mc:AlternateContent xmlns:mc="http://schemas.openxmlformats.org/markup-compatibility/2006">
+    <mc:Choice xmlns:p159="http://schemas.microsoft.com/office/powerpoint/2015/09/main" Requires="p159">
       <p:transition xmlns:p14="http://schemas.microsoft.com/office/powerpoint/2010/main" spd="slow" p14:dur="2000">
         <p159:morph option="byObject"/>
       </p:transition>
     </mc:Choice>
-    <mc:Fallback xmlns="">
+    <mc:Fallback>
       <p:transition spd="slow">
         <p:fade/>
       </p:transition>
@@ -4816,7 +4816,7 @@
           </p:cNvPicPr>
           <p:nvPr/>
         </p:nvPicPr>
-        <p:blipFill>
+        <p:blipFill rotWithShape="1">
           <a:blip r:embed="rId2">
             <a:extLst>
               <a:ext uri="{28A0092B-C50C-407E-A947-70E740481C1C}">
@@ -4824,14 +4824,13 @@
               </a:ext>
             </a:extLst>
           </a:blip>
-          <a:stretch>
-            <a:fillRect/>
-          </a:stretch>
+          <a:srcRect r="15576"/>
+          <a:stretch/>
         </p:blipFill>
         <p:spPr>
           <a:xfrm>
-            <a:off x="1000460" y="3219806"/>
-            <a:ext cx="7336717" cy="3595104"/>
+            <a:off x="439728" y="3105842"/>
+            <a:ext cx="8055293" cy="3493069"/>
           </a:xfrm>
           <a:prstGeom prst="rect">
             <a:avLst/>
@@ -4981,7 +4980,7 @@
         </p:blipFill>
         <p:spPr>
           <a:xfrm>
-            <a:off x="6465277" y="1053829"/>
+            <a:off x="6465277" y="1093857"/>
             <a:ext cx="5616910" cy="2500209"/>
           </a:xfrm>
           <a:prstGeom prst="rect">
@@ -5006,13 +5005,13 @@
   <p:clrMapOvr>
     <a:masterClrMapping/>
   </p:clrMapOvr>
-  <mc:AlternateContent xmlns:mc="http://schemas.openxmlformats.org/markup-compatibility/2006" xmlns:p159="http://schemas.microsoft.com/office/powerpoint/2015/09/main">
-    <mc:Choice Requires="p159">
+  <mc:AlternateContent xmlns:mc="http://schemas.openxmlformats.org/markup-compatibility/2006">
+    <mc:Choice xmlns:p159="http://schemas.microsoft.com/office/powerpoint/2015/09/main" Requires="p159">
       <p:transition xmlns:p14="http://schemas.microsoft.com/office/powerpoint/2010/main" spd="slow" p14:dur="2000">
         <p159:morph option="byObject"/>
       </p:transition>
     </mc:Choice>
-    <mc:Fallback xmlns="">
+    <mc:Fallback>
       <p:transition spd="slow">
         <p:fade/>
       </p:transition>
@@ -5369,14 +5368,13 @@
               </a:ext>
             </a:extLst>
           </a:blip>
-          <a:stretch>
-            <a:fillRect/>
-          </a:stretch>
+          <a:srcRect/>
+          <a:stretch/>
         </p:blipFill>
         <p:spPr>
           <a:xfrm>
-            <a:off x="592624" y="3095581"/>
-            <a:ext cx="8692122" cy="3190779"/>
+            <a:off x="622629" y="3041731"/>
+            <a:ext cx="8420961" cy="3501107"/>
           </a:xfrm>
           <a:prstGeom prst="rect">
             <a:avLst/>
@@ -5504,13 +5502,13 @@
   <p:clrMapOvr>
     <a:masterClrMapping/>
   </p:clrMapOvr>
-  <mc:AlternateContent xmlns:mc="http://schemas.openxmlformats.org/markup-compatibility/2006" xmlns:p159="http://schemas.microsoft.com/office/powerpoint/2015/09/main">
-    <mc:Choice Requires="p159">
+  <mc:AlternateContent xmlns:mc="http://schemas.openxmlformats.org/markup-compatibility/2006">
+    <mc:Choice xmlns:p159="http://schemas.microsoft.com/office/powerpoint/2015/09/main" Requires="p159">
       <p:transition xmlns:p14="http://schemas.microsoft.com/office/powerpoint/2010/main" spd="slow" p14:dur="2000">
         <p159:morph option="byObject"/>
       </p:transition>
     </mc:Choice>
-    <mc:Fallback xmlns="">
+    <mc:Fallback>
       <p:transition spd="slow">
         <p:fade/>
       </p:transition>
@@ -6171,13 +6169,13 @@
   <p:clrMapOvr>
     <a:masterClrMapping/>
   </p:clrMapOvr>
-  <mc:AlternateContent xmlns:mc="http://schemas.openxmlformats.org/markup-compatibility/2006" xmlns:p159="http://schemas.microsoft.com/office/powerpoint/2015/09/main">
-    <mc:Choice Requires="p159">
+  <mc:AlternateContent xmlns:mc="http://schemas.openxmlformats.org/markup-compatibility/2006">
+    <mc:Choice xmlns:p159="http://schemas.microsoft.com/office/powerpoint/2015/09/main" Requires="p159">
       <p:transition xmlns:p14="http://schemas.microsoft.com/office/powerpoint/2010/main" spd="slow" p14:dur="2000">
         <p159:morph option="byObject"/>
       </p:transition>
     </mc:Choice>
-    <mc:Fallback xmlns="">
+    <mc:Fallback>
       <p:transition spd="slow">
         <p:fade/>
       </p:transition>
@@ -6261,9 +6259,8 @@
               </a:ext>
             </a:extLst>
           </a:blip>
-          <a:stretch>
-            <a:fillRect/>
-          </a:stretch>
+          <a:srcRect/>
+          <a:stretch/>
         </p:blipFill>
         <p:spPr>
           <a:xfrm>
@@ -8014,7 +8011,7 @@
                 <a:ea typeface="Times New Roman" panose="02020603050405020304" pitchFamily="18" charset="0"/>
                 <a:cs typeface="Arial" panose="020B0604020202020204" pitchFamily="34" charset="0"/>
               </a:rPr>
-              <a:t>11 (14.86%)</a:t>
+              <a:t>12 (16.22%)</a:t>
             </a:r>
             <a:endParaRPr kumimoji="0" lang="ro-RO" sz="1200" b="0" i="0" u="none" strike="noStrike" kern="1200" cap="none" spc="0" normalizeH="0" baseline="0" noProof="0" dirty="0">
               <a:ln>
@@ -8073,7 +8070,7 @@
                 <a:ea typeface="Times New Roman" panose="02020603050405020304" pitchFamily="18" charset="0"/>
                 <a:cs typeface="Arial" panose="020B0604020202020204" pitchFamily="34" charset="0"/>
               </a:rPr>
-              <a:t> 16 (21.62%)</a:t>
+              <a:t> 15 (20.27%)</a:t>
             </a:r>
             <a:endParaRPr kumimoji="0" lang="ro-RO" sz="1200" b="0" i="0" u="none" strike="noStrike" kern="1200" cap="none" spc="0" normalizeH="0" baseline="0" noProof="0" dirty="0">
               <a:ln>
@@ -8191,7 +8188,7 @@
                 <a:ea typeface="Times New Roman" panose="02020603050405020304" pitchFamily="18" charset="0"/>
                 <a:cs typeface="Arial" panose="020B0604020202020204" pitchFamily="34" charset="0"/>
               </a:rPr>
-              <a:t>20</a:t>
+              <a:t>21</a:t>
             </a:r>
             <a:endParaRPr kumimoji="0" lang="ro-RO" sz="900" b="0" i="0" u="none" strike="noStrike" kern="1200" cap="none" spc="0" normalizeH="0" baseline="0" noProof="0" dirty="0">
               <a:ln>
@@ -8220,13 +8217,13 @@
   <p:clrMapOvr>
     <a:masterClrMapping/>
   </p:clrMapOvr>
-  <mc:AlternateContent xmlns:mc="http://schemas.openxmlformats.org/markup-compatibility/2006" xmlns:p159="http://schemas.microsoft.com/office/powerpoint/2015/09/main">
-    <mc:Choice Requires="p159">
+  <mc:AlternateContent xmlns:mc="http://schemas.openxmlformats.org/markup-compatibility/2006">
+    <mc:Choice xmlns:p159="http://schemas.microsoft.com/office/powerpoint/2015/09/main" Requires="p159">
       <p:transition xmlns:p14="http://schemas.microsoft.com/office/powerpoint/2010/main" spd="slow" p14:dur="2000">
         <p159:morph option="byObject"/>
       </p:transition>
     </mc:Choice>
-    <mc:Fallback xmlns="">
+    <mc:Fallback>
       <p:transition spd="slow">
         <p:fade/>
       </p:transition>
@@ -8439,13 +8436,13 @@
   <p:clrMapOvr>
     <a:masterClrMapping/>
   </p:clrMapOvr>
-  <mc:AlternateContent xmlns:mc="http://schemas.openxmlformats.org/markup-compatibility/2006" xmlns:p159="http://schemas.microsoft.com/office/powerpoint/2015/09/main">
-    <mc:Choice Requires="p159">
+  <mc:AlternateContent xmlns:mc="http://schemas.openxmlformats.org/markup-compatibility/2006">
+    <mc:Choice xmlns:p159="http://schemas.microsoft.com/office/powerpoint/2015/09/main" Requires="p159">
       <p:transition xmlns:p14="http://schemas.microsoft.com/office/powerpoint/2010/main" spd="slow" p14:dur="2000">
         <p159:morph option="byObject"/>
       </p:transition>
     </mc:Choice>
-    <mc:Fallback xmlns="">
+    <mc:Fallback>
       <p:transition spd="slow">
         <p:fade/>
       </p:transition>
@@ -9434,13 +9431,13 @@
   <p:clrMapOvr>
     <a:masterClrMapping/>
   </p:clrMapOvr>
-  <mc:AlternateContent xmlns:mc="http://schemas.openxmlformats.org/markup-compatibility/2006" xmlns:p159="http://schemas.microsoft.com/office/powerpoint/2015/09/main">
-    <mc:Choice Requires="p159">
+  <mc:AlternateContent xmlns:mc="http://schemas.openxmlformats.org/markup-compatibility/2006">
+    <mc:Choice xmlns:p159="http://schemas.microsoft.com/office/powerpoint/2015/09/main" Requires="p159">
       <p:transition xmlns:p14="http://schemas.microsoft.com/office/powerpoint/2010/main" spd="slow" p14:dur="2000">
         <p159:morph option="byObject"/>
       </p:transition>
     </mc:Choice>
-    <mc:Fallback xmlns="">
+    <mc:Fallback>
       <p:transition spd="slow">
         <p:fade/>
       </p:transition>
@@ -10169,13 +10166,13 @@
   <p:clrMapOvr>
     <a:masterClrMapping/>
   </p:clrMapOvr>
-  <mc:AlternateContent xmlns:mc="http://schemas.openxmlformats.org/markup-compatibility/2006" xmlns:p159="http://schemas.microsoft.com/office/powerpoint/2015/09/main">
-    <mc:Choice Requires="p159">
+  <mc:AlternateContent xmlns:mc="http://schemas.openxmlformats.org/markup-compatibility/2006">
+    <mc:Choice xmlns:p159="http://schemas.microsoft.com/office/powerpoint/2015/09/main" Requires="p159">
       <p:transition xmlns:p14="http://schemas.microsoft.com/office/powerpoint/2010/main" spd="slow" p14:dur="2000">
         <p159:morph option="byObject"/>
       </p:transition>
     </mc:Choice>
-    <mc:Fallback xmlns="">
+    <mc:Fallback>
       <p:transition spd="slow">
         <p:fade/>
       </p:transition>
@@ -11057,13 +11054,13 @@
   <p:clrMapOvr>
     <a:masterClrMapping/>
   </p:clrMapOvr>
-  <mc:AlternateContent xmlns:mc="http://schemas.openxmlformats.org/markup-compatibility/2006" xmlns:p159="http://schemas.microsoft.com/office/powerpoint/2015/09/main">
-    <mc:Choice Requires="p159">
+  <mc:AlternateContent xmlns:mc="http://schemas.openxmlformats.org/markup-compatibility/2006">
+    <mc:Choice xmlns:p159="http://schemas.microsoft.com/office/powerpoint/2015/09/main" Requires="p159">
       <p:transition xmlns:p14="http://schemas.microsoft.com/office/powerpoint/2010/main" spd="slow" p14:dur="2000">
         <p159:morph option="byObject"/>
       </p:transition>
     </mc:Choice>
-    <mc:Fallback xmlns="">
+    <mc:Fallback>
       <p:transition spd="slow">
         <p:fade/>
       </p:transition>
@@ -11617,13 +11614,13 @@
   <p:clrMapOvr>
     <a:masterClrMapping/>
   </p:clrMapOvr>
-  <mc:AlternateContent xmlns:mc="http://schemas.openxmlformats.org/markup-compatibility/2006" xmlns:p159="http://schemas.microsoft.com/office/powerpoint/2015/09/main">
-    <mc:Choice Requires="p159">
+  <mc:AlternateContent xmlns:mc="http://schemas.openxmlformats.org/markup-compatibility/2006">
+    <mc:Choice xmlns:p159="http://schemas.microsoft.com/office/powerpoint/2015/09/main" Requires="p159">
       <p:transition xmlns:p14="http://schemas.microsoft.com/office/powerpoint/2010/main" spd="slow" p14:dur="2000">
         <p159:morph option="byObject"/>
       </p:transition>
     </mc:Choice>
-    <mc:Fallback xmlns="">
+    <mc:Fallback>
       <p:transition spd="slow">
         <p:fade/>
       </p:transition>
@@ -12333,13 +12330,13 @@
   <p:clrMapOvr>
     <a:masterClrMapping/>
   </p:clrMapOvr>
-  <mc:AlternateContent xmlns:mc="http://schemas.openxmlformats.org/markup-compatibility/2006" xmlns:p159="http://schemas.microsoft.com/office/powerpoint/2015/09/main">
-    <mc:Choice Requires="p159">
+  <mc:AlternateContent xmlns:mc="http://schemas.openxmlformats.org/markup-compatibility/2006">
+    <mc:Choice xmlns:p159="http://schemas.microsoft.com/office/powerpoint/2015/09/main" Requires="p159">
       <p:transition xmlns:p14="http://schemas.microsoft.com/office/powerpoint/2010/main" spd="slow" p14:dur="2000">
         <p159:morph option="byObject"/>
       </p:transition>
     </mc:Choice>
-    <mc:Fallback xmlns="">
+    <mc:Fallback>
       <p:transition spd="slow">
         <p:fade/>
       </p:transition>
@@ -13069,13 +13066,13 @@
   <p:clrMapOvr>
     <a:masterClrMapping/>
   </p:clrMapOvr>
-  <mc:AlternateContent xmlns:mc="http://schemas.openxmlformats.org/markup-compatibility/2006" xmlns:p159="http://schemas.microsoft.com/office/powerpoint/2015/09/main">
-    <mc:Choice Requires="p159">
+  <mc:AlternateContent xmlns:mc="http://schemas.openxmlformats.org/markup-compatibility/2006">
+    <mc:Choice xmlns:p159="http://schemas.microsoft.com/office/powerpoint/2015/09/main" Requires="p159">
       <p:transition xmlns:p14="http://schemas.microsoft.com/office/powerpoint/2010/main" spd="slow" p14:dur="2000">
         <p159:morph option="byObject"/>
       </p:transition>
     </mc:Choice>
-    <mc:Fallback xmlns="">
+    <mc:Fallback>
       <p:transition spd="slow">
         <p:fade/>
       </p:transition>
@@ -13251,13 +13248,13 @@
   <p:clrMapOvr>
     <a:masterClrMapping/>
   </p:clrMapOvr>
-  <mc:AlternateContent xmlns:mc="http://schemas.openxmlformats.org/markup-compatibility/2006" xmlns:p159="http://schemas.microsoft.com/office/powerpoint/2015/09/main">
-    <mc:Choice Requires="p159">
+  <mc:AlternateContent xmlns:mc="http://schemas.openxmlformats.org/markup-compatibility/2006">
+    <mc:Choice xmlns:p159="http://schemas.microsoft.com/office/powerpoint/2015/09/main" Requires="p159">
       <p:transition xmlns:p14="http://schemas.microsoft.com/office/powerpoint/2010/main" spd="slow" p14:dur="2000">
         <p159:morph option="byObject"/>
       </p:transition>
     </mc:Choice>
-    <mc:Fallback xmlns="">
+    <mc:Fallback>
       <p:transition spd="slow">
         <p:fade/>
       </p:transition>
@@ -14085,13 +14082,13 @@
   <p:clrMapOvr>
     <a:masterClrMapping/>
   </p:clrMapOvr>
-  <mc:AlternateContent xmlns:mc="http://schemas.openxmlformats.org/markup-compatibility/2006" xmlns:p159="http://schemas.microsoft.com/office/powerpoint/2015/09/main">
-    <mc:Choice Requires="p159">
+  <mc:AlternateContent xmlns:mc="http://schemas.openxmlformats.org/markup-compatibility/2006">
+    <mc:Choice xmlns:p159="http://schemas.microsoft.com/office/powerpoint/2015/09/main" Requires="p159">
       <p:transition xmlns:p14="http://schemas.microsoft.com/office/powerpoint/2010/main" spd="slow" p14:dur="2000">
         <p159:morph option="byObject"/>
       </p:transition>
     </mc:Choice>
-    <mc:Fallback xmlns="">
+    <mc:Fallback>
       <p:transition spd="slow">
         <p:fade/>
       </p:transition>
